--- a/Präsentation/Code Conventions.pptx
+++ b/Präsentation/Code Conventions.pptx
@@ -11,11 +11,11 @@
     <p:sldId id="262" r:id="rId5"/>
     <p:sldId id="263" r:id="rId6"/>
     <p:sldId id="259" r:id="rId7"/>
-    <p:sldId id="264" r:id="rId8"/>
-    <p:sldId id="265" r:id="rId9"/>
-    <p:sldId id="266" r:id="rId10"/>
-    <p:sldId id="260" r:id="rId11"/>
-    <p:sldId id="261" r:id="rId12"/>
+    <p:sldId id="265" r:id="rId8"/>
+    <p:sldId id="266" r:id="rId9"/>
+    <p:sldId id="260" r:id="rId10"/>
+    <p:sldId id="268" r:id="rId11"/>
+    <p:sldId id="267" r:id="rId12"/>
   </p:sldIdLst>
   <p:sldSz cx="12192000" cy="6858000"/>
   <p:notesSz cx="6858000" cy="9144000"/>
@@ -114,6 +114,11 @@
       </a:defRPr>
     </a:lvl9pPr>
   </p:defaultTextStyle>
+  <p:extLst>
+    <p:ext uri="{EFAFB233-063F-42B5-8137-9DF3F51BA10A}">
+      <p15:sldGuideLst xmlns:p15="http://schemas.microsoft.com/office/powerpoint/2012/main" xmlns=""/>
+    </p:ext>
+  </p:extLst>
 </p:presentation>
 </file>
 
@@ -305,7 +310,7 @@
           <a:p>
             <a:fld id="{2AB2E16B-43CD-49C3-914A-0380BAFE7978}" type="datetimeFigureOut">
               <a:rPr lang="de-DE" smtClean="0"/>
-              <a:t>23.07.2015</a:t>
+              <a:t>24.07.2015</a:t>
             </a:fld>
             <a:endParaRPr lang="de-DE"/>
           </a:p>
@@ -643,7 +648,7 @@
           <a:p>
             <a:fld id="{2AB2E16B-43CD-49C3-914A-0380BAFE7978}" type="datetimeFigureOut">
               <a:rPr lang="de-DE" smtClean="0"/>
-              <a:t>23.07.2015</a:t>
+              <a:t>24.07.2015</a:t>
             </a:fld>
             <a:endParaRPr lang="de-DE"/>
           </a:p>
@@ -1044,7 +1049,7 @@
           <a:p>
             <a:fld id="{2AB2E16B-43CD-49C3-914A-0380BAFE7978}" type="datetimeFigureOut">
               <a:rPr lang="de-DE" smtClean="0"/>
-              <a:t>23.07.2015</a:t>
+              <a:t>24.07.2015</a:t>
             </a:fld>
             <a:endParaRPr lang="de-DE"/>
           </a:p>
@@ -1380,7 +1385,7 @@
           <a:p>
             <a:fld id="{2AB2E16B-43CD-49C3-914A-0380BAFE7978}" type="datetimeFigureOut">
               <a:rPr lang="de-DE" smtClean="0"/>
-              <a:t>23.07.2015</a:t>
+              <a:t>24.07.2015</a:t>
             </a:fld>
             <a:endParaRPr lang="de-DE"/>
           </a:p>
@@ -1700,7 +1705,7 @@
           <a:p>
             <a:fld id="{2AB2E16B-43CD-49C3-914A-0380BAFE7978}" type="datetimeFigureOut">
               <a:rPr lang="de-DE" smtClean="0"/>
-              <a:t>23.07.2015</a:t>
+              <a:t>24.07.2015</a:t>
             </a:fld>
             <a:endParaRPr lang="de-DE"/>
           </a:p>
@@ -2096,7 +2101,7 @@
           <a:p>
             <a:fld id="{2AB2E16B-43CD-49C3-914A-0380BAFE7978}" type="datetimeFigureOut">
               <a:rPr lang="de-DE" smtClean="0"/>
-              <a:t>23.07.2015</a:t>
+              <a:t>24.07.2015</a:t>
             </a:fld>
             <a:endParaRPr lang="de-DE"/>
           </a:p>
@@ -2353,7 +2358,7 @@
           <a:p>
             <a:fld id="{2AB2E16B-43CD-49C3-914A-0380BAFE7978}" type="datetimeFigureOut">
               <a:rPr lang="de-DE" smtClean="0"/>
-              <a:t>23.07.2015</a:t>
+              <a:t>24.07.2015</a:t>
             </a:fld>
             <a:endParaRPr lang="de-DE"/>
           </a:p>
@@ -2615,7 +2620,7 @@
           <a:p>
             <a:fld id="{2AB2E16B-43CD-49C3-914A-0380BAFE7978}" type="datetimeFigureOut">
               <a:rPr lang="de-DE" smtClean="0"/>
-              <a:t>23.07.2015</a:t>
+              <a:t>24.07.2015</a:t>
             </a:fld>
             <a:endParaRPr lang="de-DE"/>
           </a:p>
@@ -2877,7 +2882,7 @@
           <a:p>
             <a:fld id="{2AB2E16B-43CD-49C3-914A-0380BAFE7978}" type="datetimeFigureOut">
               <a:rPr lang="de-DE" smtClean="0"/>
-              <a:t>23.07.2015</a:t>
+              <a:t>24.07.2015</a:t>
             </a:fld>
             <a:endParaRPr lang="de-DE"/>
           </a:p>
@@ -3206,7 +3211,7 @@
           <a:p>
             <a:fld id="{2AB2E16B-43CD-49C3-914A-0380BAFE7978}" type="datetimeFigureOut">
               <a:rPr lang="de-DE" smtClean="0"/>
-              <a:t>23.07.2015</a:t>
+              <a:t>24.07.2015</a:t>
             </a:fld>
             <a:endParaRPr lang="de-DE"/>
           </a:p>
@@ -3529,7 +3534,7 @@
           <a:p>
             <a:fld id="{2AB2E16B-43CD-49C3-914A-0380BAFE7978}" type="datetimeFigureOut">
               <a:rPr lang="de-DE" smtClean="0"/>
-              <a:t>23.07.2015</a:t>
+              <a:t>24.07.2015</a:t>
             </a:fld>
             <a:endParaRPr lang="de-DE"/>
           </a:p>
@@ -3986,7 +3991,7 @@
           <a:p>
             <a:fld id="{2AB2E16B-43CD-49C3-914A-0380BAFE7978}" type="datetimeFigureOut">
               <a:rPr lang="de-DE" smtClean="0"/>
-              <a:t>23.07.2015</a:t>
+              <a:t>24.07.2015</a:t>
             </a:fld>
             <a:endParaRPr lang="de-DE"/>
           </a:p>
@@ -4191,7 +4196,7 @@
           <a:p>
             <a:fld id="{2AB2E16B-43CD-49C3-914A-0380BAFE7978}" type="datetimeFigureOut">
               <a:rPr lang="de-DE" smtClean="0"/>
-              <a:t>23.07.2015</a:t>
+              <a:t>24.07.2015</a:t>
             </a:fld>
             <a:endParaRPr lang="de-DE"/>
           </a:p>
@@ -4368,7 +4373,7 @@
           <a:p>
             <a:fld id="{2AB2E16B-43CD-49C3-914A-0380BAFE7978}" type="datetimeFigureOut">
               <a:rPr lang="de-DE" smtClean="0"/>
-              <a:t>23.07.2015</a:t>
+              <a:t>24.07.2015</a:t>
             </a:fld>
             <a:endParaRPr lang="de-DE"/>
           </a:p>
@@ -4701,7 +4706,7 @@
           <a:p>
             <a:fld id="{2AB2E16B-43CD-49C3-914A-0380BAFE7978}" type="datetimeFigureOut">
               <a:rPr lang="de-DE" smtClean="0"/>
-              <a:t>23.07.2015</a:t>
+              <a:t>24.07.2015</a:t>
             </a:fld>
             <a:endParaRPr lang="de-DE"/>
           </a:p>
@@ -5046,7 +5051,7 @@
           <a:p>
             <a:fld id="{2AB2E16B-43CD-49C3-914A-0380BAFE7978}" type="datetimeFigureOut">
               <a:rPr lang="de-DE" smtClean="0"/>
-              <a:t>23.07.2015</a:t>
+              <a:t>24.07.2015</a:t>
             </a:fld>
             <a:endParaRPr lang="de-DE"/>
           </a:p>
@@ -7163,7 +7168,7 @@
           <a:p>
             <a:fld id="{2AB2E16B-43CD-49C3-914A-0380BAFE7978}" type="datetimeFigureOut">
               <a:rPr lang="de-DE" smtClean="0"/>
-              <a:t>23.07.2015</a:t>
+              <a:t>24.07.2015</a:t>
             </a:fld>
             <a:endParaRPr lang="de-DE"/>
           </a:p>
@@ -7741,6 +7746,13 @@
   <p:clrMapOvr>
     <a:masterClrMapping/>
   </p:clrMapOvr>
+  <p:timing>
+    <p:tnLst>
+      <p:par>
+        <p:cTn id="1" dur="indefinite" restart="never" nodeType="tmRoot"/>
+      </p:par>
+    </p:tnLst>
+  </p:timing>
 </p:sld>
 </file>
 
@@ -7778,7 +7790,7 @@
           <a:p>
             <a:r>
               <a:rPr lang="de-DE" dirty="0" smtClean="0"/>
-              <a:t>Empfehlung: Block mit Klammern für jede Kontrollstruktur</a:t>
+              <a:t>Weitere </a:t>
             </a:r>
             <a:endParaRPr lang="de-DE" dirty="0"/>
           </a:p>
@@ -7794,401 +7806,46 @@
             <p:ph idx="1"/>
           </p:nvPr>
         </p:nvSpPr>
-        <p:spPr>
-          <a:xfrm>
-            <a:off x="6875169" y="1905000"/>
-            <a:ext cx="5316831" cy="3777622"/>
-          </a:xfrm>
-        </p:spPr>
+        <p:spPr/>
         <p:txBody>
           <a:bodyPr/>
           <a:lstStyle/>
           <a:p>
-            <a:pPr marL="0" indent="0">
-              <a:buNone/>
-            </a:pPr>
-            <a:r>
-              <a:rPr lang="de-DE" altLang="de-DE" sz="2400" b="1" dirty="0" err="1">
-                <a:solidFill>
-                  <a:srgbClr val="000080"/>
-                </a:solidFill>
-                <a:latin typeface="Courier New" panose="02070309020205020404" pitchFamily="49" charset="0"/>
-                <a:cs typeface="Courier New" panose="02070309020205020404" pitchFamily="49" charset="0"/>
-              </a:rPr>
-              <a:t>if</a:t>
-            </a:r>
-            <a:r>
-              <a:rPr lang="de-DE" altLang="de-DE" sz="2400" b="1" dirty="0">
-                <a:solidFill>
-                  <a:srgbClr val="000080"/>
-                </a:solidFill>
-                <a:latin typeface="Courier New" panose="02070309020205020404" pitchFamily="49" charset="0"/>
-                <a:cs typeface="Courier New" panose="02070309020205020404" pitchFamily="49" charset="0"/>
-              </a:rPr>
-              <a:t> </a:t>
-            </a:r>
-            <a:r>
-              <a:rPr lang="de-DE" altLang="de-DE" sz="2400" dirty="0">
-                <a:solidFill>
-                  <a:srgbClr val="000000"/>
-                </a:solidFill>
-                <a:latin typeface="Courier New" panose="02070309020205020404" pitchFamily="49" charset="0"/>
-                <a:cs typeface="Courier New" panose="02070309020205020404" pitchFamily="49" charset="0"/>
-              </a:rPr>
-              <a:t>(</a:t>
-            </a:r>
-            <a:r>
-              <a:rPr lang="de-DE" altLang="de-DE" sz="2400" b="1" i="1" dirty="0" err="1">
-                <a:solidFill>
-                  <a:srgbClr val="660E7A"/>
-                </a:solidFill>
-                <a:latin typeface="Courier New" panose="02070309020205020404" pitchFamily="49" charset="0"/>
-                <a:cs typeface="Courier New" panose="02070309020205020404" pitchFamily="49" charset="0"/>
-              </a:rPr>
-              <a:t>current_player</a:t>
-            </a:r>
-            <a:r>
-              <a:rPr lang="de-DE" altLang="de-DE" sz="2400" b="1" i="1" dirty="0">
-                <a:solidFill>
-                  <a:srgbClr val="660E7A"/>
-                </a:solidFill>
-                <a:latin typeface="Courier New" panose="02070309020205020404" pitchFamily="49" charset="0"/>
-                <a:cs typeface="Courier New" panose="02070309020205020404" pitchFamily="49" charset="0"/>
-              </a:rPr>
-              <a:t> </a:t>
-            </a:r>
-            <a:r>
-              <a:rPr lang="de-DE" altLang="de-DE" sz="2400" dirty="0">
-                <a:solidFill>
-                  <a:srgbClr val="000000"/>
-                </a:solidFill>
-                <a:latin typeface="Courier New" panose="02070309020205020404" pitchFamily="49" charset="0"/>
-                <a:cs typeface="Courier New" panose="02070309020205020404" pitchFamily="49" charset="0"/>
-              </a:rPr>
-              <a:t>=== </a:t>
-            </a:r>
-            <a:r>
-              <a:rPr lang="de-DE" altLang="de-DE" sz="2400" b="1" i="1" dirty="0">
-                <a:solidFill>
-                  <a:srgbClr val="660E7A"/>
-                </a:solidFill>
-                <a:latin typeface="Courier New" panose="02070309020205020404" pitchFamily="49" charset="0"/>
-                <a:cs typeface="Courier New" panose="02070309020205020404" pitchFamily="49" charset="0"/>
-              </a:rPr>
-              <a:t>KI</a:t>
-            </a:r>
-            <a:r>
-              <a:rPr lang="de-DE" altLang="de-DE" sz="2400" dirty="0">
-                <a:solidFill>
-                  <a:srgbClr val="000000"/>
-                </a:solidFill>
-                <a:latin typeface="Courier New" panose="02070309020205020404" pitchFamily="49" charset="0"/>
-                <a:cs typeface="Courier New" panose="02070309020205020404" pitchFamily="49" charset="0"/>
-              </a:rPr>
-              <a:t>) </a:t>
-            </a:r>
-            <a:br>
-              <a:rPr lang="de-DE" altLang="de-DE" sz="2400" dirty="0">
-                <a:solidFill>
-                  <a:srgbClr val="000000"/>
-                </a:solidFill>
-                <a:latin typeface="Courier New" panose="02070309020205020404" pitchFamily="49" charset="0"/>
-                <a:cs typeface="Courier New" panose="02070309020205020404" pitchFamily="49" charset="0"/>
-              </a:rPr>
-            </a:br>
-            <a:r>
-              <a:rPr lang="de-DE" altLang="de-DE" sz="2400" dirty="0">
-                <a:solidFill>
-                  <a:srgbClr val="000000"/>
-                </a:solidFill>
-                <a:latin typeface="Courier New" panose="02070309020205020404" pitchFamily="49" charset="0"/>
-                <a:cs typeface="Courier New" panose="02070309020205020404" pitchFamily="49" charset="0"/>
-              </a:rPr>
-              <a:t>    </a:t>
-            </a:r>
-            <a:r>
-              <a:rPr lang="de-DE" altLang="de-DE" sz="2400" i="1" dirty="0" err="1">
-                <a:solidFill>
-                  <a:srgbClr val="000000"/>
-                </a:solidFill>
-                <a:latin typeface="Courier New" panose="02070309020205020404" pitchFamily="49" charset="0"/>
-                <a:cs typeface="Courier New" panose="02070309020205020404" pitchFamily="49" charset="0"/>
-              </a:rPr>
-              <a:t>ki_play</a:t>
-            </a:r>
-            <a:r>
-              <a:rPr lang="de-DE" altLang="de-DE" sz="2400" dirty="0">
-                <a:solidFill>
-                  <a:srgbClr val="000000"/>
-                </a:solidFill>
-                <a:latin typeface="Courier New" panose="02070309020205020404" pitchFamily="49" charset="0"/>
-                <a:cs typeface="Courier New" panose="02070309020205020404" pitchFamily="49" charset="0"/>
-              </a:rPr>
-              <a:t>();</a:t>
-            </a:r>
-            <a:br>
-              <a:rPr lang="de-DE" altLang="de-DE" sz="2400" dirty="0">
-                <a:solidFill>
-                  <a:srgbClr val="000000"/>
-                </a:solidFill>
-                <a:latin typeface="Courier New" panose="02070309020205020404" pitchFamily="49" charset="0"/>
-                <a:cs typeface="Courier New" panose="02070309020205020404" pitchFamily="49" charset="0"/>
-              </a:rPr>
-            </a:br>
-            <a:endParaRPr lang="de-DE" altLang="de-DE" sz="2400" dirty="0" smtClean="0">
-              <a:solidFill>
-                <a:srgbClr val="000000"/>
-              </a:solidFill>
-              <a:latin typeface="Courier New" panose="02070309020205020404" pitchFamily="49" charset="0"/>
-              <a:cs typeface="Courier New" panose="02070309020205020404" pitchFamily="49" charset="0"/>
-            </a:endParaRPr>
-          </a:p>
-          <a:p>
-            <a:pPr marL="0" indent="0">
-              <a:buNone/>
-            </a:pPr>
-            <a:endParaRPr lang="de-DE" altLang="de-DE" sz="2400" dirty="0">
-              <a:solidFill>
-                <a:srgbClr val="000000"/>
-              </a:solidFill>
-              <a:latin typeface="Courier New" panose="02070309020205020404" pitchFamily="49" charset="0"/>
-              <a:cs typeface="Courier New" panose="02070309020205020404" pitchFamily="49" charset="0"/>
-            </a:endParaRPr>
-          </a:p>
-          <a:p>
-            <a:pPr marL="0" indent="0">
-              <a:buNone/>
-            </a:pPr>
-            <a:r>
-              <a:rPr lang="de-DE" altLang="de-DE" sz="2400" b="1" dirty="0" err="1">
-                <a:solidFill>
-                  <a:srgbClr val="000080"/>
-                </a:solidFill>
-                <a:latin typeface="Courier New" panose="02070309020205020404" pitchFamily="49" charset="0"/>
-                <a:cs typeface="Courier New" panose="02070309020205020404" pitchFamily="49" charset="0"/>
-              </a:rPr>
-              <a:t>if</a:t>
-            </a:r>
-            <a:r>
-              <a:rPr lang="de-DE" altLang="de-DE" sz="2400" b="1" dirty="0">
-                <a:solidFill>
-                  <a:srgbClr val="000080"/>
-                </a:solidFill>
-                <a:latin typeface="Courier New" panose="02070309020205020404" pitchFamily="49" charset="0"/>
-                <a:cs typeface="Courier New" panose="02070309020205020404" pitchFamily="49" charset="0"/>
-              </a:rPr>
-              <a:t> </a:t>
-            </a:r>
-            <a:r>
-              <a:rPr lang="de-DE" altLang="de-DE" sz="2400" dirty="0">
-                <a:solidFill>
-                  <a:srgbClr val="000000"/>
-                </a:solidFill>
-                <a:latin typeface="Courier New" panose="02070309020205020404" pitchFamily="49" charset="0"/>
-                <a:cs typeface="Courier New" panose="02070309020205020404" pitchFamily="49" charset="0"/>
-              </a:rPr>
-              <a:t>(</a:t>
-            </a:r>
-            <a:r>
-              <a:rPr lang="de-DE" altLang="de-DE" sz="2400" b="1" i="1" dirty="0" err="1">
-                <a:solidFill>
-                  <a:srgbClr val="660E7A"/>
-                </a:solidFill>
-                <a:latin typeface="Courier New" panose="02070309020205020404" pitchFamily="49" charset="0"/>
-                <a:cs typeface="Courier New" panose="02070309020205020404" pitchFamily="49" charset="0"/>
-              </a:rPr>
-              <a:t>current_player</a:t>
-            </a:r>
-            <a:r>
-              <a:rPr lang="de-DE" altLang="de-DE" sz="2400" b="1" i="1" dirty="0">
-                <a:solidFill>
-                  <a:srgbClr val="660E7A"/>
-                </a:solidFill>
-                <a:latin typeface="Courier New" panose="02070309020205020404" pitchFamily="49" charset="0"/>
-                <a:cs typeface="Courier New" panose="02070309020205020404" pitchFamily="49" charset="0"/>
-              </a:rPr>
-              <a:t> </a:t>
-            </a:r>
-            <a:r>
-              <a:rPr lang="de-DE" altLang="de-DE" sz="2400" dirty="0">
-                <a:solidFill>
-                  <a:srgbClr val="000000"/>
-                </a:solidFill>
-                <a:latin typeface="Courier New" panose="02070309020205020404" pitchFamily="49" charset="0"/>
-                <a:cs typeface="Courier New" panose="02070309020205020404" pitchFamily="49" charset="0"/>
-              </a:rPr>
-              <a:t>=== </a:t>
-            </a:r>
-            <a:r>
-              <a:rPr lang="de-DE" altLang="de-DE" sz="2400" b="1" i="1" dirty="0">
-                <a:solidFill>
-                  <a:srgbClr val="660E7A"/>
-                </a:solidFill>
-                <a:latin typeface="Courier New" panose="02070309020205020404" pitchFamily="49" charset="0"/>
-                <a:cs typeface="Courier New" panose="02070309020205020404" pitchFamily="49" charset="0"/>
-              </a:rPr>
-              <a:t>KI</a:t>
-            </a:r>
-            <a:r>
-              <a:rPr lang="de-DE" altLang="de-DE" sz="2400" dirty="0">
-                <a:solidFill>
-                  <a:srgbClr val="000000"/>
-                </a:solidFill>
-                <a:latin typeface="Courier New" panose="02070309020205020404" pitchFamily="49" charset="0"/>
-                <a:cs typeface="Courier New" panose="02070309020205020404" pitchFamily="49" charset="0"/>
-              </a:rPr>
-              <a:t>) </a:t>
-            </a:r>
-            <a:endParaRPr lang="de-DE" altLang="de-DE" sz="2400" dirty="0" smtClean="0">
-              <a:solidFill>
-                <a:srgbClr val="000000"/>
-              </a:solidFill>
-              <a:latin typeface="Courier New" panose="02070309020205020404" pitchFamily="49" charset="0"/>
-              <a:cs typeface="Courier New" panose="02070309020205020404" pitchFamily="49" charset="0"/>
-            </a:endParaRPr>
-          </a:p>
-          <a:p>
-            <a:pPr marL="0" indent="0">
-              <a:buNone/>
-            </a:pPr>
-            <a:r>
-              <a:rPr lang="de-DE" altLang="de-DE" sz="2400" dirty="0" smtClean="0">
-                <a:solidFill>
-                  <a:srgbClr val="000000"/>
-                </a:solidFill>
-                <a:latin typeface="Courier New" panose="02070309020205020404" pitchFamily="49" charset="0"/>
-                <a:cs typeface="Courier New" panose="02070309020205020404" pitchFamily="49" charset="0"/>
-              </a:rPr>
-              <a:t>{</a:t>
-            </a:r>
-            <a:r>
-              <a:rPr lang="de-DE" altLang="de-DE" sz="2400" dirty="0">
-                <a:solidFill>
-                  <a:srgbClr val="000000"/>
-                </a:solidFill>
-                <a:latin typeface="Courier New" panose="02070309020205020404" pitchFamily="49" charset="0"/>
-                <a:cs typeface="Courier New" panose="02070309020205020404" pitchFamily="49" charset="0"/>
-              </a:rPr>
-              <a:t/>
-            </a:r>
-            <a:br>
-              <a:rPr lang="de-DE" altLang="de-DE" sz="2400" dirty="0">
-                <a:solidFill>
-                  <a:srgbClr val="000000"/>
-                </a:solidFill>
-                <a:latin typeface="Courier New" panose="02070309020205020404" pitchFamily="49" charset="0"/>
-                <a:cs typeface="Courier New" panose="02070309020205020404" pitchFamily="49" charset="0"/>
-              </a:rPr>
-            </a:br>
-            <a:r>
-              <a:rPr lang="de-DE" altLang="de-DE" sz="2400" dirty="0">
-                <a:solidFill>
-                  <a:srgbClr val="000000"/>
-                </a:solidFill>
-                <a:latin typeface="Courier New" panose="02070309020205020404" pitchFamily="49" charset="0"/>
-                <a:cs typeface="Courier New" panose="02070309020205020404" pitchFamily="49" charset="0"/>
-              </a:rPr>
-              <a:t>    </a:t>
-            </a:r>
-            <a:r>
-              <a:rPr lang="de-DE" altLang="de-DE" sz="2400" i="1" dirty="0" err="1">
-                <a:solidFill>
-                  <a:srgbClr val="000000"/>
-                </a:solidFill>
-                <a:latin typeface="Courier New" panose="02070309020205020404" pitchFamily="49" charset="0"/>
-                <a:cs typeface="Courier New" panose="02070309020205020404" pitchFamily="49" charset="0"/>
-              </a:rPr>
-              <a:t>ki_play</a:t>
-            </a:r>
-            <a:r>
-              <a:rPr lang="de-DE" altLang="de-DE" sz="2400" dirty="0">
-                <a:solidFill>
-                  <a:srgbClr val="000000"/>
-                </a:solidFill>
-                <a:latin typeface="Courier New" panose="02070309020205020404" pitchFamily="49" charset="0"/>
-                <a:cs typeface="Courier New" panose="02070309020205020404" pitchFamily="49" charset="0"/>
-              </a:rPr>
-              <a:t>();</a:t>
-            </a:r>
-            <a:br>
-              <a:rPr lang="de-DE" altLang="de-DE" sz="2400" dirty="0">
-                <a:solidFill>
-                  <a:srgbClr val="000000"/>
-                </a:solidFill>
-                <a:latin typeface="Courier New" panose="02070309020205020404" pitchFamily="49" charset="0"/>
-                <a:cs typeface="Courier New" panose="02070309020205020404" pitchFamily="49" charset="0"/>
-              </a:rPr>
-            </a:br>
-            <a:r>
-              <a:rPr lang="de-DE" altLang="de-DE" sz="2400" dirty="0">
-                <a:solidFill>
-                  <a:srgbClr val="000000"/>
-                </a:solidFill>
-                <a:latin typeface="Courier New" panose="02070309020205020404" pitchFamily="49" charset="0"/>
-                <a:cs typeface="Courier New" panose="02070309020205020404" pitchFamily="49" charset="0"/>
-              </a:rPr>
-              <a:t>}</a:t>
-            </a:r>
-            <a:endParaRPr lang="de-DE" altLang="de-DE" sz="4800" dirty="0">
-              <a:solidFill>
-                <a:schemeClr val="tx1"/>
-              </a:solidFill>
-              <a:latin typeface="Arial" panose="020B0604020202020204" pitchFamily="34" charset="0"/>
-            </a:endParaRPr>
-          </a:p>
-          <a:p>
-            <a:pPr marL="0" indent="0">
-              <a:buNone/>
-            </a:pPr>
-            <a:endParaRPr lang="de-DE" altLang="de-DE" sz="2400" dirty="0">
-              <a:solidFill>
-                <a:schemeClr val="tx1"/>
-              </a:solidFill>
-              <a:latin typeface="Arial" panose="020B0604020202020204" pitchFamily="34" charset="0"/>
-            </a:endParaRPr>
-          </a:p>
-          <a:p>
-            <a:pPr marL="0" lvl="0" indent="0">
-              <a:buNone/>
-            </a:pPr>
-            <a:endParaRPr lang="de-DE" altLang="de-DE" sz="4000" dirty="0">
-              <a:solidFill>
-                <a:schemeClr val="tx1"/>
-              </a:solidFill>
-              <a:latin typeface="Arial" panose="020B0604020202020204" pitchFamily="34" charset="0"/>
-            </a:endParaRPr>
-          </a:p>
-        </p:txBody>
-      </p:sp>
-      <p:sp>
-        <p:nvSpPr>
-          <p:cNvPr id="4" name="Textfeld 3"/>
-          <p:cNvSpPr txBox="1"/>
-          <p:nvPr/>
-        </p:nvSpPr>
-        <p:spPr>
-          <a:xfrm>
-            <a:off x="1716259" y="1905000"/>
-            <a:ext cx="4009292" cy="923330"/>
-          </a:xfrm>
-          <a:prstGeom prst="rect">
-            <a:avLst/>
-          </a:prstGeom>
-          <a:noFill/>
-        </p:spPr>
-        <p:txBody>
-          <a:bodyPr wrap="square" rtlCol="0">
-            <a:spAutoFit/>
-          </a:bodyPr>
-          <a:lstStyle/>
-          <a:p>
-            <a:pPr marL="285750" indent="-285750">
-              <a:buFont typeface="Arial" panose="020B0604020202020204" pitchFamily="34" charset="0"/>
-              <a:buChar char="•"/>
-            </a:pPr>
+            <a:r>
+              <a:rPr lang="de-DE" dirty="0"/>
+              <a:t>Konstanten werden mit Großbuchstaben definiert</a:t>
+            </a:r>
+            <a:endParaRPr lang="de-DE" dirty="0" smtClean="0"/>
+          </a:p>
+          <a:p>
             <a:r>
               <a:rPr lang="de-DE" dirty="0" smtClean="0"/>
-              <a:t>Klammerung kann bei Erweiterung nicht vergessen werden</a:t>
+              <a:t>Empfehlung</a:t>
+            </a:r>
+            <a:r>
+              <a:rPr lang="de-DE" dirty="0"/>
+              <a:t>: Tabs </a:t>
+            </a:r>
+            <a:r>
+              <a:rPr lang="de-DE"/>
+              <a:t>zum </a:t>
+            </a:r>
+            <a:r>
+              <a:rPr lang="de-DE" smtClean="0"/>
+              <a:t>Einrücken</a:t>
+            </a:r>
+          </a:p>
+          <a:p>
+            <a:r>
+              <a:rPr lang="de-DE" smtClean="0"/>
+              <a:t>Code vom Design trennen (Template-Engine: z.B. Smarty)</a:t>
+            </a:r>
+            <a:endParaRPr lang="de-DE"/>
+          </a:p>
+          <a:p>
+            <a:r>
+              <a:rPr lang="de-DE" smtClean="0"/>
+              <a:t>Benennung von Funktionen und Variablen erfolgt mit Unterstrich und Kleinbuchstaben</a:t>
             </a:r>
             <a:endParaRPr lang="de-DE" dirty="0"/>
           </a:p>
@@ -8197,13 +7854,20 @@
     </p:spTree>
     <p:extLst>
       <p:ext uri="{BB962C8B-B14F-4D97-AF65-F5344CB8AC3E}">
-        <p14:creationId xmlns:p14="http://schemas.microsoft.com/office/powerpoint/2010/main" val="4162855378"/>
+        <p14:creationId xmlns:p14="http://schemas.microsoft.com/office/powerpoint/2010/main" val="3655715993"/>
       </p:ext>
     </p:extLst>
   </p:cSld>
   <p:clrMapOvr>
     <a:masterClrMapping/>
   </p:clrMapOvr>
+  <p:timing>
+    <p:tnLst>
+      <p:par>
+        <p:cTn id="1" dur="indefinite" restart="never" nodeType="tmRoot"/>
+      </p:par>
+    </p:tnLst>
+  </p:timing>
 </p:sld>
 </file>
 
@@ -8241,7 +7905,7 @@
           <a:p>
             <a:r>
               <a:rPr lang="de-DE" dirty="0" smtClean="0"/>
-              <a:t>Empfehlung: Tabs zum Einrücken</a:t>
+              <a:t>Quellen</a:t>
             </a:r>
             <a:endParaRPr lang="de-DE" dirty="0"/>
           </a:p>
@@ -8262,20 +7926,30 @@
           <a:bodyPr/>
           <a:lstStyle/>
           <a:p>
-            <a:endParaRPr lang="de-DE" dirty="0"/>
+            <a:r>
+              <a:rPr lang="de-DE" dirty="0"/>
+              <a:t>http://www.php-coding-standard.de/mhtml/</a:t>
+            </a:r>
           </a:p>
         </p:txBody>
       </p:sp>
     </p:spTree>
     <p:extLst>
       <p:ext uri="{BB962C8B-B14F-4D97-AF65-F5344CB8AC3E}">
-        <p14:creationId xmlns:p14="http://schemas.microsoft.com/office/powerpoint/2010/main" val="2566942527"/>
+        <p14:creationId xmlns:p14="http://schemas.microsoft.com/office/powerpoint/2010/main" val="3206149221"/>
       </p:ext>
     </p:extLst>
   </p:cSld>
   <p:clrMapOvr>
     <a:masterClrMapping/>
   </p:clrMapOvr>
+  <p:timing>
+    <p:tnLst>
+      <p:par>
+        <p:cTn id="1" dur="indefinite" restart="never" nodeType="tmRoot"/>
+      </p:par>
+    </p:tnLst>
+  </p:timing>
 </p:sld>
 </file>
 
@@ -8378,6 +8052,13 @@
   <p:clrMapOvr>
     <a:masterClrMapping/>
   </p:clrMapOvr>
+  <p:timing>
+    <p:tnLst>
+      <p:par>
+        <p:cTn id="1" dur="indefinite" restart="never" nodeType="tmRoot"/>
+      </p:par>
+    </p:tnLst>
+  </p:timing>
 </p:sld>
 </file>
 
@@ -8923,44 +8604,255 @@
       </p:sp>
       <p:sp>
         <p:nvSpPr>
-          <p:cNvPr id="8" name="Textfeld 7"/>
-          <p:cNvSpPr txBox="1"/>
+          <p:cNvPr id="5" name="Inhaltsplatzhalter 6"/>
+          <p:cNvSpPr txBox="1">
+            <a:spLocks/>
+          </p:cNvSpPr>
           <p:nvPr/>
         </p:nvSpPr>
         <p:spPr>
           <a:xfrm>
-            <a:off x="1575582" y="2039816"/>
-            <a:ext cx="5303520" cy="646331"/>
+            <a:off x="2592925" y="1905000"/>
+            <a:ext cx="3851345" cy="3777622"/>
           </a:xfrm>
           <a:prstGeom prst="rect">
             <a:avLst/>
           </a:prstGeom>
-          <a:noFill/>
         </p:spPr>
         <p:txBody>
-          <a:bodyPr wrap="square" rtlCol="0">
-            <a:spAutoFit/>
+          <a:bodyPr vert="horz" lIns="91440" tIns="45720" rIns="91440" bIns="45720" rtlCol="0">
+            <a:normAutofit/>
           </a:bodyPr>
-          <a:lstStyle/>
-          <a:p>
-            <a:pPr marL="285750" indent="-285750">
-              <a:buFont typeface="Arial" panose="020B0604020202020204" pitchFamily="34" charset="0"/>
-              <a:buChar char="•"/>
-            </a:pPr>
+          <a:lstStyle>
+            <a:lvl1pPr marL="342900" indent="-342900" algn="l" defTabSz="457200" rtl="0" eaLnBrk="1" latinLnBrk="0" hangingPunct="1">
+              <a:spcBef>
+                <a:spcPts val="1000"/>
+              </a:spcBef>
+              <a:spcAft>
+                <a:spcPts val="0"/>
+              </a:spcAft>
+              <a:buClr>
+                <a:schemeClr val="accent1"/>
+              </a:buClr>
+              <a:buFont typeface="Wingdings 3" charset="2"/>
+              <a:buChar char=""/>
+              <a:defRPr sz="1800" kern="1200">
+                <a:solidFill>
+                  <a:schemeClr val="tx1">
+                    <a:lumMod val="75000"/>
+                    <a:lumOff val="25000"/>
+                  </a:schemeClr>
+                </a:solidFill>
+                <a:latin typeface="+mn-lt"/>
+                <a:ea typeface="+mn-ea"/>
+                <a:cs typeface="+mn-cs"/>
+              </a:defRPr>
+            </a:lvl1pPr>
+            <a:lvl2pPr marL="742950" indent="-285750" algn="l" defTabSz="457200" rtl="0" eaLnBrk="1" latinLnBrk="0" hangingPunct="1">
+              <a:spcBef>
+                <a:spcPts val="1000"/>
+              </a:spcBef>
+              <a:spcAft>
+                <a:spcPts val="0"/>
+              </a:spcAft>
+              <a:buClr>
+                <a:schemeClr val="accent1"/>
+              </a:buClr>
+              <a:buFont typeface="Wingdings 3" charset="2"/>
+              <a:buChar char=""/>
+              <a:defRPr sz="1600" kern="1200">
+                <a:solidFill>
+                  <a:schemeClr val="tx1">
+                    <a:lumMod val="75000"/>
+                    <a:lumOff val="25000"/>
+                  </a:schemeClr>
+                </a:solidFill>
+                <a:latin typeface="+mn-lt"/>
+                <a:ea typeface="+mn-ea"/>
+                <a:cs typeface="+mn-cs"/>
+              </a:defRPr>
+            </a:lvl2pPr>
+            <a:lvl3pPr marL="1143000" indent="-228600" algn="l" defTabSz="457200" rtl="0" eaLnBrk="1" latinLnBrk="0" hangingPunct="1">
+              <a:spcBef>
+                <a:spcPts val="1000"/>
+              </a:spcBef>
+              <a:spcAft>
+                <a:spcPts val="0"/>
+              </a:spcAft>
+              <a:buClr>
+                <a:schemeClr val="accent1"/>
+              </a:buClr>
+              <a:buFont typeface="Wingdings 3" charset="2"/>
+              <a:buChar char=""/>
+              <a:defRPr sz="1400" kern="1200">
+                <a:solidFill>
+                  <a:schemeClr val="tx1">
+                    <a:lumMod val="75000"/>
+                    <a:lumOff val="25000"/>
+                  </a:schemeClr>
+                </a:solidFill>
+                <a:latin typeface="+mn-lt"/>
+                <a:ea typeface="+mn-ea"/>
+                <a:cs typeface="+mn-cs"/>
+              </a:defRPr>
+            </a:lvl3pPr>
+            <a:lvl4pPr marL="1600200" indent="-228600" algn="l" defTabSz="457200" rtl="0" eaLnBrk="1" latinLnBrk="0" hangingPunct="1">
+              <a:spcBef>
+                <a:spcPts val="1000"/>
+              </a:spcBef>
+              <a:spcAft>
+                <a:spcPts val="0"/>
+              </a:spcAft>
+              <a:buClr>
+                <a:schemeClr val="accent1"/>
+              </a:buClr>
+              <a:buFont typeface="Wingdings 3" charset="2"/>
+              <a:buChar char=""/>
+              <a:defRPr sz="1200" kern="1200">
+                <a:solidFill>
+                  <a:schemeClr val="tx1">
+                    <a:lumMod val="75000"/>
+                    <a:lumOff val="25000"/>
+                  </a:schemeClr>
+                </a:solidFill>
+                <a:latin typeface="+mn-lt"/>
+                <a:ea typeface="+mn-ea"/>
+                <a:cs typeface="+mn-cs"/>
+              </a:defRPr>
+            </a:lvl4pPr>
+            <a:lvl5pPr marL="2057400" indent="-228600" algn="l" defTabSz="457200" rtl="0" eaLnBrk="1" latinLnBrk="0" hangingPunct="1">
+              <a:spcBef>
+                <a:spcPts val="1000"/>
+              </a:spcBef>
+              <a:spcAft>
+                <a:spcPts val="0"/>
+              </a:spcAft>
+              <a:buClr>
+                <a:schemeClr val="accent1"/>
+              </a:buClr>
+              <a:buFont typeface="Wingdings 3" charset="2"/>
+              <a:buChar char=""/>
+              <a:defRPr sz="1200" kern="1200">
+                <a:solidFill>
+                  <a:schemeClr val="tx1">
+                    <a:lumMod val="75000"/>
+                    <a:lumOff val="25000"/>
+                  </a:schemeClr>
+                </a:solidFill>
+                <a:latin typeface="+mn-lt"/>
+                <a:ea typeface="+mn-ea"/>
+                <a:cs typeface="+mn-cs"/>
+              </a:defRPr>
+            </a:lvl5pPr>
+            <a:lvl6pPr marL="2514600" indent="-228600" algn="l" defTabSz="457200" rtl="0" eaLnBrk="1" latinLnBrk="0" hangingPunct="1">
+              <a:spcBef>
+                <a:spcPts val="1000"/>
+              </a:spcBef>
+              <a:spcAft>
+                <a:spcPts val="0"/>
+              </a:spcAft>
+              <a:buClr>
+                <a:schemeClr val="accent1"/>
+              </a:buClr>
+              <a:buFont typeface="Wingdings 3" charset="2"/>
+              <a:buChar char=""/>
+              <a:defRPr sz="1200" kern="1200">
+                <a:solidFill>
+                  <a:schemeClr val="tx1">
+                    <a:lumMod val="75000"/>
+                    <a:lumOff val="25000"/>
+                  </a:schemeClr>
+                </a:solidFill>
+                <a:latin typeface="+mn-lt"/>
+                <a:ea typeface="+mn-ea"/>
+                <a:cs typeface="+mn-cs"/>
+              </a:defRPr>
+            </a:lvl6pPr>
+            <a:lvl7pPr marL="2971800" indent="-228600" algn="l" defTabSz="457200" rtl="0" eaLnBrk="1" latinLnBrk="0" hangingPunct="1">
+              <a:spcBef>
+                <a:spcPts val="1000"/>
+              </a:spcBef>
+              <a:spcAft>
+                <a:spcPts val="0"/>
+              </a:spcAft>
+              <a:buClr>
+                <a:schemeClr val="accent1"/>
+              </a:buClr>
+              <a:buFont typeface="Wingdings 3" charset="2"/>
+              <a:buChar char=""/>
+              <a:defRPr sz="1200" kern="1200">
+                <a:solidFill>
+                  <a:schemeClr val="tx1">
+                    <a:lumMod val="75000"/>
+                    <a:lumOff val="25000"/>
+                  </a:schemeClr>
+                </a:solidFill>
+                <a:latin typeface="+mn-lt"/>
+                <a:ea typeface="+mn-ea"/>
+                <a:cs typeface="+mn-cs"/>
+              </a:defRPr>
+            </a:lvl7pPr>
+            <a:lvl8pPr marL="3429000" indent="-228600" algn="l" defTabSz="457200" rtl="0" eaLnBrk="1" latinLnBrk="0" hangingPunct="1">
+              <a:spcBef>
+                <a:spcPts val="1000"/>
+              </a:spcBef>
+              <a:spcAft>
+                <a:spcPts val="0"/>
+              </a:spcAft>
+              <a:buClr>
+                <a:schemeClr val="accent1"/>
+              </a:buClr>
+              <a:buFont typeface="Wingdings 3" charset="2"/>
+              <a:buChar char=""/>
+              <a:defRPr sz="1200" kern="1200">
+                <a:solidFill>
+                  <a:schemeClr val="tx1">
+                    <a:lumMod val="75000"/>
+                    <a:lumOff val="25000"/>
+                  </a:schemeClr>
+                </a:solidFill>
+                <a:latin typeface="+mn-lt"/>
+                <a:ea typeface="+mn-ea"/>
+                <a:cs typeface="+mn-cs"/>
+              </a:defRPr>
+            </a:lvl8pPr>
+            <a:lvl9pPr marL="3886200" indent="-228600" algn="l" defTabSz="457200" rtl="0" eaLnBrk="1" latinLnBrk="0" hangingPunct="1">
+              <a:spcBef>
+                <a:spcPts val="1000"/>
+              </a:spcBef>
+              <a:spcAft>
+                <a:spcPts val="0"/>
+              </a:spcAft>
+              <a:buClr>
+                <a:schemeClr val="accent1"/>
+              </a:buClr>
+              <a:buFont typeface="Wingdings 3" charset="2"/>
+              <a:buChar char=""/>
+              <a:defRPr sz="1200" kern="1200">
+                <a:solidFill>
+                  <a:schemeClr val="tx1">
+                    <a:lumMod val="75000"/>
+                    <a:lumOff val="25000"/>
+                  </a:schemeClr>
+                </a:solidFill>
+                <a:latin typeface="+mn-lt"/>
+                <a:ea typeface="+mn-ea"/>
+                <a:cs typeface="+mn-cs"/>
+              </a:defRPr>
+            </a:lvl9pPr>
+          </a:lstStyle>
+          <a:p>
             <a:r>
               <a:rPr lang="de-DE" dirty="0" smtClean="0"/>
               <a:t>Übersichtlicher</a:t>
             </a:r>
           </a:p>
           <a:p>
-            <a:pPr marL="285750" indent="-285750">
-              <a:buFont typeface="Arial" panose="020B0604020202020204" pitchFamily="34" charset="0"/>
-              <a:buChar char="•"/>
-            </a:pPr>
             <a:r>
               <a:rPr lang="de-DE" dirty="0" smtClean="0"/>
               <a:t>Verständlicher</a:t>
             </a:r>
+            <a:endParaRPr lang="de-DE" dirty="0"/>
           </a:p>
         </p:txBody>
       </p:sp>
@@ -8974,6 +8866,13 @@
   <p:clrMapOvr>
     <a:masterClrMapping/>
   </p:clrMapOvr>
+  <p:timing>
+    <p:tnLst>
+      <p:par>
+        <p:cTn id="1" dur="indefinite" restart="never" nodeType="tmRoot"/>
+      </p:par>
+    </p:tnLst>
+  </p:timing>
 </p:sld>
 </file>
 
@@ -9019,158 +8918,7 @@
       </p:sp>
       <p:sp>
         <p:nvSpPr>
-          <p:cNvPr id="3" name="Inhaltsplatzhalter 2"/>
-          <p:cNvSpPr>
-            <a:spLocks noGrp="1"/>
-          </p:cNvSpPr>
-          <p:nvPr>
-            <p:ph idx="1"/>
-          </p:nvPr>
-        </p:nvSpPr>
-        <p:spPr/>
-        <p:txBody>
-          <a:bodyPr/>
-          <a:lstStyle/>
-          <a:p>
-            <a:endParaRPr lang="de-DE"/>
-          </a:p>
-        </p:txBody>
-      </p:sp>
-    </p:spTree>
-    <p:extLst>
-      <p:ext uri="{BB962C8B-B14F-4D97-AF65-F5344CB8AC3E}">
-        <p14:creationId xmlns:p14="http://schemas.microsoft.com/office/powerpoint/2010/main" val="2911609302"/>
-      </p:ext>
-    </p:extLst>
-  </p:cSld>
-  <p:clrMapOvr>
-    <a:masterClrMapping/>
-  </p:clrMapOvr>
-</p:sld>
-</file>
-
-<file path=ppt/slides/slide5.xml><?xml version="1.0" encoding="utf-8"?>
-<p:sld xmlns:a="http://schemas.openxmlformats.org/drawingml/2006/main" xmlns:r="http://schemas.openxmlformats.org/officeDocument/2006/relationships" xmlns:p="http://schemas.openxmlformats.org/presentationml/2006/main">
-  <p:cSld>
-    <p:spTree>
-      <p:nvGrpSpPr>
-        <p:cNvPr id="1" name=""/>
-        <p:cNvGrpSpPr/>
-        <p:nvPr/>
-      </p:nvGrpSpPr>
-      <p:grpSpPr>
-        <a:xfrm>
-          <a:off x="0" y="0"/>
-          <a:ext cx="0" cy="0"/>
-          <a:chOff x="0" y="0"/>
-          <a:chExt cx="0" cy="0"/>
-        </a:xfrm>
-      </p:grpSpPr>
-      <p:sp>
-        <p:nvSpPr>
-          <p:cNvPr id="2" name="Titel 1"/>
-          <p:cNvSpPr>
-            <a:spLocks noGrp="1"/>
-          </p:cNvSpPr>
-          <p:nvPr>
-            <p:ph type="title"/>
-          </p:nvPr>
-        </p:nvSpPr>
-        <p:spPr/>
-        <p:txBody>
-          <a:bodyPr/>
-          <a:lstStyle/>
-          <a:p>
-            <a:r>
-              <a:rPr lang="de-DE" dirty="0" smtClean="0"/>
-              <a:t>Lange Kommentar mit /*</a:t>
-            </a:r>
-            <a:br>
-              <a:rPr lang="de-DE" dirty="0" smtClean="0"/>
-            </a:br>
-            <a:r>
-              <a:rPr lang="de-DE" dirty="0" smtClean="0"/>
-              <a:t>kurze mit //</a:t>
-            </a:r>
-            <a:endParaRPr lang="de-DE" dirty="0"/>
-          </a:p>
-        </p:txBody>
-      </p:sp>
-      <p:sp>
-        <p:nvSpPr>
-          <p:cNvPr id="3" name="Inhaltsplatzhalter 2"/>
-          <p:cNvSpPr>
-            <a:spLocks noGrp="1"/>
-          </p:cNvSpPr>
-          <p:nvPr>
-            <p:ph idx="1"/>
-          </p:nvPr>
-        </p:nvSpPr>
-        <p:spPr/>
-        <p:txBody>
-          <a:bodyPr/>
-          <a:lstStyle/>
-          <a:p>
-            <a:endParaRPr lang="de-DE"/>
-          </a:p>
-        </p:txBody>
-      </p:sp>
-    </p:spTree>
-    <p:extLst>
-      <p:ext uri="{BB962C8B-B14F-4D97-AF65-F5344CB8AC3E}">
-        <p14:creationId xmlns:p14="http://schemas.microsoft.com/office/powerpoint/2010/main" val="2646409487"/>
-      </p:ext>
-    </p:extLst>
-  </p:cSld>
-  <p:clrMapOvr>
-    <a:masterClrMapping/>
-  </p:clrMapOvr>
-</p:sld>
-</file>
-
-<file path=ppt/slides/slide6.xml><?xml version="1.0" encoding="utf-8"?>
-<p:sld xmlns:a="http://schemas.openxmlformats.org/drawingml/2006/main" xmlns:r="http://schemas.openxmlformats.org/officeDocument/2006/relationships" xmlns:p="http://schemas.openxmlformats.org/presentationml/2006/main">
-  <p:cSld>
-    <p:spTree>
-      <p:nvGrpSpPr>
-        <p:cNvPr id="1" name=""/>
-        <p:cNvGrpSpPr/>
-        <p:nvPr/>
-      </p:nvGrpSpPr>
-      <p:grpSpPr>
-        <a:xfrm>
-          <a:off x="0" y="0"/>
-          <a:ext cx="0" cy="0"/>
-          <a:chOff x="0" y="0"/>
-          <a:chExt cx="0" cy="0"/>
-        </a:xfrm>
-      </p:grpSpPr>
-      <p:sp>
-        <p:nvSpPr>
-          <p:cNvPr id="2" name="Titel 1"/>
-          <p:cNvSpPr>
-            <a:spLocks noGrp="1"/>
-          </p:cNvSpPr>
-          <p:nvPr>
-            <p:ph type="title"/>
-          </p:nvPr>
-        </p:nvSpPr>
-        <p:spPr/>
-        <p:txBody>
-          <a:bodyPr/>
-          <a:lstStyle/>
-          <a:p>
-            <a:r>
-              <a:rPr lang="de-DE" dirty="0" smtClean="0"/>
-              <a:t>Einheitliche Sprache in Kommentaren und Bezeichnern</a:t>
-            </a:r>
-            <a:endParaRPr lang="de-DE" dirty="0"/>
-          </a:p>
-        </p:txBody>
-      </p:sp>
-      <p:sp>
-        <p:nvSpPr>
-          <p:cNvPr id="5" name="Rectangle 2"/>
+          <p:cNvPr id="6" name="Rectangle 2"/>
           <p:cNvSpPr>
             <a:spLocks noChangeArrowheads="1"/>
           </p:cNvSpPr>
@@ -9178,7 +8926,7 @@
         </p:nvSpPr>
         <p:spPr bwMode="auto">
           <a:xfrm>
-            <a:off x="0" y="43934"/>
+            <a:off x="-502276" y="1535668"/>
             <a:ext cx="184731" cy="369332"/>
           </a:xfrm>
           <a:prstGeom prst="rect">
@@ -9253,6 +9001,2653 @@
       </p:sp>
       <p:sp>
         <p:nvSpPr>
+          <p:cNvPr id="7" name="Textfeld 6"/>
+          <p:cNvSpPr txBox="1"/>
+          <p:nvPr/>
+        </p:nvSpPr>
+        <p:spPr>
+          <a:xfrm>
+            <a:off x="768439" y="1841242"/>
+            <a:ext cx="11423561" cy="5016758"/>
+          </a:xfrm>
+          <a:prstGeom prst="rect">
+            <a:avLst/>
+          </a:prstGeom>
+          <a:noFill/>
+        </p:spPr>
+        <p:txBody>
+          <a:bodyPr wrap="square" rtlCol="0">
+            <a:spAutoFit/>
+          </a:bodyPr>
+          <a:lstStyle/>
+          <a:p>
+            <a:pPr lvl="0"/>
+            <a:r>
+              <a:rPr lang="de-DE" altLang="de-DE" sz="1600" b="1" dirty="0" err="1">
+                <a:solidFill>
+                  <a:srgbClr val="000080"/>
+                </a:solidFill>
+                <a:latin typeface="Courier New" panose="02070309020205020404" pitchFamily="49" charset="0"/>
+                <a:cs typeface="Courier New" panose="02070309020205020404" pitchFamily="49" charset="0"/>
+              </a:rPr>
+              <a:t>function</a:t>
+            </a:r>
+            <a:r>
+              <a:rPr lang="de-DE" altLang="de-DE" sz="1600" b="1" dirty="0">
+                <a:solidFill>
+                  <a:srgbClr val="000080"/>
+                </a:solidFill>
+                <a:latin typeface="Courier New" panose="02070309020205020404" pitchFamily="49" charset="0"/>
+                <a:cs typeface="Courier New" panose="02070309020205020404" pitchFamily="49" charset="0"/>
+              </a:rPr>
+              <a:t> </a:t>
+            </a:r>
+            <a:r>
+              <a:rPr lang="de-DE" altLang="de-DE" sz="1600" i="1" dirty="0" err="1">
+                <a:solidFill>
+                  <a:srgbClr val="000000"/>
+                </a:solidFill>
+                <a:latin typeface="Courier New" panose="02070309020205020404" pitchFamily="49" charset="0"/>
+                <a:cs typeface="Courier New" panose="02070309020205020404" pitchFamily="49" charset="0"/>
+              </a:rPr>
+              <a:t>win_diagonal</a:t>
+            </a:r>
+            <a:r>
+              <a:rPr lang="de-DE" altLang="de-DE" sz="1600" dirty="0">
+                <a:solidFill>
+                  <a:srgbClr val="000000"/>
+                </a:solidFill>
+                <a:latin typeface="Courier New" panose="02070309020205020404" pitchFamily="49" charset="0"/>
+                <a:cs typeface="Courier New" panose="02070309020205020404" pitchFamily="49" charset="0"/>
+              </a:rPr>
+              <a:t>() {</a:t>
+            </a:r>
+            <a:br>
+              <a:rPr lang="de-DE" altLang="de-DE" sz="1600" dirty="0">
+                <a:solidFill>
+                  <a:srgbClr val="000000"/>
+                </a:solidFill>
+                <a:latin typeface="Courier New" panose="02070309020205020404" pitchFamily="49" charset="0"/>
+                <a:cs typeface="Courier New" panose="02070309020205020404" pitchFamily="49" charset="0"/>
+              </a:rPr>
+            </a:br>
+            <a:r>
+              <a:rPr lang="de-DE" altLang="de-DE" sz="1600" dirty="0">
+                <a:solidFill>
+                  <a:srgbClr val="000000"/>
+                </a:solidFill>
+                <a:latin typeface="Courier New" panose="02070309020205020404" pitchFamily="49" charset="0"/>
+                <a:cs typeface="Courier New" panose="02070309020205020404" pitchFamily="49" charset="0"/>
+              </a:rPr>
+              <a:t>    </a:t>
+            </a:r>
+            <a:r>
+              <a:rPr lang="de-DE" altLang="de-DE" sz="1600" b="1" dirty="0" err="1">
+                <a:solidFill>
+                  <a:srgbClr val="000080"/>
+                </a:solidFill>
+                <a:latin typeface="Courier New" panose="02070309020205020404" pitchFamily="49" charset="0"/>
+                <a:cs typeface="Courier New" panose="02070309020205020404" pitchFamily="49" charset="0"/>
+              </a:rPr>
+              <a:t>if</a:t>
+            </a:r>
+            <a:r>
+              <a:rPr lang="de-DE" altLang="de-DE" sz="1600" b="1" dirty="0">
+                <a:solidFill>
+                  <a:srgbClr val="000080"/>
+                </a:solidFill>
+                <a:latin typeface="Courier New" panose="02070309020205020404" pitchFamily="49" charset="0"/>
+                <a:cs typeface="Courier New" panose="02070309020205020404" pitchFamily="49" charset="0"/>
+              </a:rPr>
+              <a:t> </a:t>
+            </a:r>
+            <a:r>
+              <a:rPr lang="de-DE" altLang="de-DE" sz="1600" dirty="0">
+                <a:solidFill>
+                  <a:srgbClr val="000000"/>
+                </a:solidFill>
+                <a:latin typeface="Courier New" panose="02070309020205020404" pitchFamily="49" charset="0"/>
+                <a:cs typeface="Courier New" panose="02070309020205020404" pitchFamily="49" charset="0"/>
+              </a:rPr>
+              <a:t>(</a:t>
+            </a:r>
+            <a:r>
+              <a:rPr lang="de-DE" altLang="de-DE" sz="1600" b="1" dirty="0">
+                <a:solidFill>
+                  <a:srgbClr val="660E7A"/>
+                </a:solidFill>
+                <a:latin typeface="Courier New" panose="02070309020205020404" pitchFamily="49" charset="0"/>
+                <a:cs typeface="Courier New" panose="02070309020205020404" pitchFamily="49" charset="0"/>
+              </a:rPr>
+              <a:t>$</a:t>
+            </a:r>
+            <a:r>
+              <a:rPr lang="de-DE" altLang="de-DE" sz="1600" dirty="0">
+                <a:solidFill>
+                  <a:srgbClr val="000000"/>
+                </a:solidFill>
+                <a:latin typeface="Courier New" panose="02070309020205020404" pitchFamily="49" charset="0"/>
+                <a:cs typeface="Courier New" panose="02070309020205020404" pitchFamily="49" charset="0"/>
+              </a:rPr>
+              <a:t>(</a:t>
+            </a:r>
+            <a:r>
+              <a:rPr lang="de-DE" altLang="de-DE" sz="1600" b="1" dirty="0">
+                <a:solidFill>
+                  <a:srgbClr val="008000"/>
+                </a:solidFill>
+                <a:latin typeface="Courier New" panose="02070309020205020404" pitchFamily="49" charset="0"/>
+                <a:cs typeface="Courier New" panose="02070309020205020404" pitchFamily="49" charset="0"/>
+              </a:rPr>
+              <a:t>'#btn11'</a:t>
+            </a:r>
+            <a:r>
+              <a:rPr lang="de-DE" altLang="de-DE" sz="1600" dirty="0">
+                <a:solidFill>
+                  <a:srgbClr val="000000"/>
+                </a:solidFill>
+                <a:latin typeface="Courier New" panose="02070309020205020404" pitchFamily="49" charset="0"/>
+                <a:cs typeface="Courier New" panose="02070309020205020404" pitchFamily="49" charset="0"/>
+              </a:rPr>
+              <a:t>).</a:t>
+            </a:r>
+            <a:r>
+              <a:rPr lang="de-DE" altLang="de-DE" sz="1600" dirty="0" err="1">
+                <a:solidFill>
+                  <a:srgbClr val="7A7A43"/>
+                </a:solidFill>
+                <a:latin typeface="Courier New" panose="02070309020205020404" pitchFamily="49" charset="0"/>
+                <a:cs typeface="Courier New" panose="02070309020205020404" pitchFamily="49" charset="0"/>
+              </a:rPr>
+              <a:t>css</a:t>
+            </a:r>
+            <a:r>
+              <a:rPr lang="de-DE" altLang="de-DE" sz="1600" dirty="0">
+                <a:solidFill>
+                  <a:srgbClr val="000000"/>
+                </a:solidFill>
+                <a:latin typeface="Courier New" panose="02070309020205020404" pitchFamily="49" charset="0"/>
+                <a:cs typeface="Courier New" panose="02070309020205020404" pitchFamily="49" charset="0"/>
+              </a:rPr>
+              <a:t>(</a:t>
+            </a:r>
+            <a:r>
+              <a:rPr lang="de-DE" altLang="de-DE" sz="1600" b="1" dirty="0">
+                <a:solidFill>
+                  <a:srgbClr val="008000"/>
+                </a:solidFill>
+                <a:latin typeface="Courier New" panose="02070309020205020404" pitchFamily="49" charset="0"/>
+                <a:cs typeface="Courier New" panose="02070309020205020404" pitchFamily="49" charset="0"/>
+              </a:rPr>
+              <a:t>'background-color'</a:t>
+            </a:r>
+            <a:r>
+              <a:rPr lang="de-DE" altLang="de-DE" sz="1600" dirty="0">
+                <a:solidFill>
+                  <a:srgbClr val="000000"/>
+                </a:solidFill>
+                <a:latin typeface="Courier New" panose="02070309020205020404" pitchFamily="49" charset="0"/>
+                <a:cs typeface="Courier New" panose="02070309020205020404" pitchFamily="49" charset="0"/>
+              </a:rPr>
+              <a:t>) === </a:t>
+            </a:r>
+            <a:r>
+              <a:rPr lang="de-DE" altLang="de-DE" sz="1600" b="1" dirty="0">
+                <a:solidFill>
+                  <a:srgbClr val="660E7A"/>
+                </a:solidFill>
+                <a:latin typeface="Courier New" panose="02070309020205020404" pitchFamily="49" charset="0"/>
+                <a:cs typeface="Courier New" panose="02070309020205020404" pitchFamily="49" charset="0"/>
+              </a:rPr>
+              <a:t>$</a:t>
+            </a:r>
+            <a:r>
+              <a:rPr lang="de-DE" altLang="de-DE" sz="1600" dirty="0">
+                <a:solidFill>
+                  <a:srgbClr val="000000"/>
+                </a:solidFill>
+                <a:latin typeface="Courier New" panose="02070309020205020404" pitchFamily="49" charset="0"/>
+                <a:cs typeface="Courier New" panose="02070309020205020404" pitchFamily="49" charset="0"/>
+              </a:rPr>
+              <a:t>(</a:t>
+            </a:r>
+            <a:r>
+              <a:rPr lang="de-DE" altLang="de-DE" sz="1600" b="1" dirty="0">
+                <a:solidFill>
+                  <a:srgbClr val="008000"/>
+                </a:solidFill>
+                <a:latin typeface="Courier New" panose="02070309020205020404" pitchFamily="49" charset="0"/>
+                <a:cs typeface="Courier New" panose="02070309020205020404" pitchFamily="49" charset="0"/>
+              </a:rPr>
+              <a:t>'#btn22'</a:t>
+            </a:r>
+            <a:r>
+              <a:rPr lang="de-DE" altLang="de-DE" sz="1600" dirty="0">
+                <a:solidFill>
+                  <a:srgbClr val="000000"/>
+                </a:solidFill>
+                <a:latin typeface="Courier New" panose="02070309020205020404" pitchFamily="49" charset="0"/>
+                <a:cs typeface="Courier New" panose="02070309020205020404" pitchFamily="49" charset="0"/>
+              </a:rPr>
+              <a:t>).</a:t>
+            </a:r>
+            <a:r>
+              <a:rPr lang="de-DE" altLang="de-DE" sz="1600" dirty="0" err="1">
+                <a:solidFill>
+                  <a:srgbClr val="7A7A43"/>
+                </a:solidFill>
+                <a:latin typeface="Courier New" panose="02070309020205020404" pitchFamily="49" charset="0"/>
+                <a:cs typeface="Courier New" panose="02070309020205020404" pitchFamily="49" charset="0"/>
+              </a:rPr>
+              <a:t>css</a:t>
+            </a:r>
+            <a:r>
+              <a:rPr lang="de-DE" altLang="de-DE" sz="1600" dirty="0">
+                <a:solidFill>
+                  <a:srgbClr val="000000"/>
+                </a:solidFill>
+                <a:latin typeface="Courier New" panose="02070309020205020404" pitchFamily="49" charset="0"/>
+                <a:cs typeface="Courier New" panose="02070309020205020404" pitchFamily="49" charset="0"/>
+              </a:rPr>
+              <a:t>(</a:t>
+            </a:r>
+            <a:r>
+              <a:rPr lang="de-DE" altLang="de-DE" sz="1600" b="1" dirty="0">
+                <a:solidFill>
+                  <a:srgbClr val="008000"/>
+                </a:solidFill>
+                <a:latin typeface="Courier New" panose="02070309020205020404" pitchFamily="49" charset="0"/>
+                <a:cs typeface="Courier New" panose="02070309020205020404" pitchFamily="49" charset="0"/>
+              </a:rPr>
+              <a:t>'background-color'</a:t>
+            </a:r>
+            <a:r>
+              <a:rPr lang="de-DE" altLang="de-DE" sz="1600" dirty="0">
+                <a:solidFill>
+                  <a:srgbClr val="000000"/>
+                </a:solidFill>
+                <a:latin typeface="Courier New" panose="02070309020205020404" pitchFamily="49" charset="0"/>
+                <a:cs typeface="Courier New" panose="02070309020205020404" pitchFamily="49" charset="0"/>
+              </a:rPr>
+              <a:t>)</a:t>
+            </a:r>
+            <a:br>
+              <a:rPr lang="de-DE" altLang="de-DE" sz="1600" dirty="0">
+                <a:solidFill>
+                  <a:srgbClr val="000000"/>
+                </a:solidFill>
+                <a:latin typeface="Courier New" panose="02070309020205020404" pitchFamily="49" charset="0"/>
+                <a:cs typeface="Courier New" panose="02070309020205020404" pitchFamily="49" charset="0"/>
+              </a:rPr>
+            </a:br>
+            <a:r>
+              <a:rPr lang="de-DE" altLang="de-DE" sz="1600" dirty="0">
+                <a:solidFill>
+                  <a:srgbClr val="000000"/>
+                </a:solidFill>
+                <a:latin typeface="Courier New" panose="02070309020205020404" pitchFamily="49" charset="0"/>
+                <a:cs typeface="Courier New" panose="02070309020205020404" pitchFamily="49" charset="0"/>
+              </a:rPr>
+              <a:t>        &amp;&amp; </a:t>
+            </a:r>
+            <a:r>
+              <a:rPr lang="de-DE" altLang="de-DE" sz="1600" b="1" dirty="0">
+                <a:solidFill>
+                  <a:srgbClr val="660E7A"/>
+                </a:solidFill>
+                <a:latin typeface="Courier New" panose="02070309020205020404" pitchFamily="49" charset="0"/>
+                <a:cs typeface="Courier New" panose="02070309020205020404" pitchFamily="49" charset="0"/>
+              </a:rPr>
+              <a:t>$</a:t>
+            </a:r>
+            <a:r>
+              <a:rPr lang="de-DE" altLang="de-DE" sz="1600" dirty="0">
+                <a:solidFill>
+                  <a:srgbClr val="000000"/>
+                </a:solidFill>
+                <a:latin typeface="Courier New" panose="02070309020205020404" pitchFamily="49" charset="0"/>
+                <a:cs typeface="Courier New" panose="02070309020205020404" pitchFamily="49" charset="0"/>
+              </a:rPr>
+              <a:t>(</a:t>
+            </a:r>
+            <a:r>
+              <a:rPr lang="de-DE" altLang="de-DE" sz="1600" b="1" dirty="0">
+                <a:solidFill>
+                  <a:srgbClr val="008000"/>
+                </a:solidFill>
+                <a:latin typeface="Courier New" panose="02070309020205020404" pitchFamily="49" charset="0"/>
+                <a:cs typeface="Courier New" panose="02070309020205020404" pitchFamily="49" charset="0"/>
+              </a:rPr>
+              <a:t>'#btn22'</a:t>
+            </a:r>
+            <a:r>
+              <a:rPr lang="de-DE" altLang="de-DE" sz="1600" dirty="0">
+                <a:solidFill>
+                  <a:srgbClr val="000000"/>
+                </a:solidFill>
+                <a:latin typeface="Courier New" panose="02070309020205020404" pitchFamily="49" charset="0"/>
+                <a:cs typeface="Courier New" panose="02070309020205020404" pitchFamily="49" charset="0"/>
+              </a:rPr>
+              <a:t>).</a:t>
+            </a:r>
+            <a:r>
+              <a:rPr lang="de-DE" altLang="de-DE" sz="1600" dirty="0" err="1">
+                <a:solidFill>
+                  <a:srgbClr val="7A7A43"/>
+                </a:solidFill>
+                <a:latin typeface="Courier New" panose="02070309020205020404" pitchFamily="49" charset="0"/>
+                <a:cs typeface="Courier New" panose="02070309020205020404" pitchFamily="49" charset="0"/>
+              </a:rPr>
+              <a:t>css</a:t>
+            </a:r>
+            <a:r>
+              <a:rPr lang="de-DE" altLang="de-DE" sz="1600" dirty="0">
+                <a:solidFill>
+                  <a:srgbClr val="000000"/>
+                </a:solidFill>
+                <a:latin typeface="Courier New" panose="02070309020205020404" pitchFamily="49" charset="0"/>
+                <a:cs typeface="Courier New" panose="02070309020205020404" pitchFamily="49" charset="0"/>
+              </a:rPr>
+              <a:t>(</a:t>
+            </a:r>
+            <a:r>
+              <a:rPr lang="de-DE" altLang="de-DE" sz="1600" b="1" dirty="0">
+                <a:solidFill>
+                  <a:srgbClr val="008000"/>
+                </a:solidFill>
+                <a:latin typeface="Courier New" panose="02070309020205020404" pitchFamily="49" charset="0"/>
+                <a:cs typeface="Courier New" panose="02070309020205020404" pitchFamily="49" charset="0"/>
+              </a:rPr>
+              <a:t>'background-color'</a:t>
+            </a:r>
+            <a:r>
+              <a:rPr lang="de-DE" altLang="de-DE" sz="1600" dirty="0">
+                <a:solidFill>
+                  <a:srgbClr val="000000"/>
+                </a:solidFill>
+                <a:latin typeface="Courier New" panose="02070309020205020404" pitchFamily="49" charset="0"/>
+                <a:cs typeface="Courier New" panose="02070309020205020404" pitchFamily="49" charset="0"/>
+              </a:rPr>
+              <a:t>) === </a:t>
+            </a:r>
+            <a:r>
+              <a:rPr lang="de-DE" altLang="de-DE" sz="1600" b="1" dirty="0">
+                <a:solidFill>
+                  <a:srgbClr val="660E7A"/>
+                </a:solidFill>
+                <a:latin typeface="Courier New" panose="02070309020205020404" pitchFamily="49" charset="0"/>
+                <a:cs typeface="Courier New" panose="02070309020205020404" pitchFamily="49" charset="0"/>
+              </a:rPr>
+              <a:t>$</a:t>
+            </a:r>
+            <a:r>
+              <a:rPr lang="de-DE" altLang="de-DE" sz="1600" dirty="0">
+                <a:solidFill>
+                  <a:srgbClr val="000000"/>
+                </a:solidFill>
+                <a:latin typeface="Courier New" panose="02070309020205020404" pitchFamily="49" charset="0"/>
+                <a:cs typeface="Courier New" panose="02070309020205020404" pitchFamily="49" charset="0"/>
+              </a:rPr>
+              <a:t>(</a:t>
+            </a:r>
+            <a:r>
+              <a:rPr lang="de-DE" altLang="de-DE" sz="1600" b="1" dirty="0">
+                <a:solidFill>
+                  <a:srgbClr val="008000"/>
+                </a:solidFill>
+                <a:latin typeface="Courier New" panose="02070309020205020404" pitchFamily="49" charset="0"/>
+                <a:cs typeface="Courier New" panose="02070309020205020404" pitchFamily="49" charset="0"/>
+              </a:rPr>
+              <a:t>'#btn33'</a:t>
+            </a:r>
+            <a:r>
+              <a:rPr lang="de-DE" altLang="de-DE" sz="1600" dirty="0">
+                <a:solidFill>
+                  <a:srgbClr val="000000"/>
+                </a:solidFill>
+                <a:latin typeface="Courier New" panose="02070309020205020404" pitchFamily="49" charset="0"/>
+                <a:cs typeface="Courier New" panose="02070309020205020404" pitchFamily="49" charset="0"/>
+              </a:rPr>
+              <a:t>).</a:t>
+            </a:r>
+            <a:r>
+              <a:rPr lang="de-DE" altLang="de-DE" sz="1600" dirty="0" err="1">
+                <a:solidFill>
+                  <a:srgbClr val="7A7A43"/>
+                </a:solidFill>
+                <a:latin typeface="Courier New" panose="02070309020205020404" pitchFamily="49" charset="0"/>
+                <a:cs typeface="Courier New" panose="02070309020205020404" pitchFamily="49" charset="0"/>
+              </a:rPr>
+              <a:t>css</a:t>
+            </a:r>
+            <a:r>
+              <a:rPr lang="de-DE" altLang="de-DE" sz="1600" dirty="0">
+                <a:solidFill>
+                  <a:srgbClr val="000000"/>
+                </a:solidFill>
+                <a:latin typeface="Courier New" panose="02070309020205020404" pitchFamily="49" charset="0"/>
+                <a:cs typeface="Courier New" panose="02070309020205020404" pitchFamily="49" charset="0"/>
+              </a:rPr>
+              <a:t>(</a:t>
+            </a:r>
+            <a:r>
+              <a:rPr lang="de-DE" altLang="de-DE" sz="1600" b="1" dirty="0">
+                <a:solidFill>
+                  <a:srgbClr val="008000"/>
+                </a:solidFill>
+                <a:latin typeface="Courier New" panose="02070309020205020404" pitchFamily="49" charset="0"/>
+                <a:cs typeface="Courier New" panose="02070309020205020404" pitchFamily="49" charset="0"/>
+              </a:rPr>
+              <a:t>'background-color'</a:t>
+            </a:r>
+            <a:r>
+              <a:rPr lang="de-DE" altLang="de-DE" sz="1600" dirty="0">
+                <a:solidFill>
+                  <a:srgbClr val="000000"/>
+                </a:solidFill>
+                <a:latin typeface="Courier New" panose="02070309020205020404" pitchFamily="49" charset="0"/>
+                <a:cs typeface="Courier New" panose="02070309020205020404" pitchFamily="49" charset="0"/>
+              </a:rPr>
+              <a:t>)</a:t>
+            </a:r>
+            <a:br>
+              <a:rPr lang="de-DE" altLang="de-DE" sz="1600" dirty="0">
+                <a:solidFill>
+                  <a:srgbClr val="000000"/>
+                </a:solidFill>
+                <a:latin typeface="Courier New" panose="02070309020205020404" pitchFamily="49" charset="0"/>
+                <a:cs typeface="Courier New" panose="02070309020205020404" pitchFamily="49" charset="0"/>
+              </a:rPr>
+            </a:br>
+            <a:r>
+              <a:rPr lang="de-DE" altLang="de-DE" sz="1600" dirty="0">
+                <a:solidFill>
+                  <a:srgbClr val="000000"/>
+                </a:solidFill>
+                <a:latin typeface="Courier New" panose="02070309020205020404" pitchFamily="49" charset="0"/>
+                <a:cs typeface="Courier New" panose="02070309020205020404" pitchFamily="49" charset="0"/>
+              </a:rPr>
+              <a:t>        &amp;&amp; </a:t>
+            </a:r>
+            <a:r>
+              <a:rPr lang="de-DE" altLang="de-DE" sz="1600" b="1" dirty="0">
+                <a:solidFill>
+                  <a:srgbClr val="660E7A"/>
+                </a:solidFill>
+                <a:latin typeface="Courier New" panose="02070309020205020404" pitchFamily="49" charset="0"/>
+                <a:cs typeface="Courier New" panose="02070309020205020404" pitchFamily="49" charset="0"/>
+              </a:rPr>
+              <a:t>$</a:t>
+            </a:r>
+            <a:r>
+              <a:rPr lang="de-DE" altLang="de-DE" sz="1600" dirty="0">
+                <a:solidFill>
+                  <a:srgbClr val="000000"/>
+                </a:solidFill>
+                <a:latin typeface="Courier New" panose="02070309020205020404" pitchFamily="49" charset="0"/>
+                <a:cs typeface="Courier New" panose="02070309020205020404" pitchFamily="49" charset="0"/>
+              </a:rPr>
+              <a:t>(</a:t>
+            </a:r>
+            <a:r>
+              <a:rPr lang="de-DE" altLang="de-DE" sz="1600" b="1" dirty="0">
+                <a:solidFill>
+                  <a:srgbClr val="008000"/>
+                </a:solidFill>
+                <a:latin typeface="Courier New" panose="02070309020205020404" pitchFamily="49" charset="0"/>
+                <a:cs typeface="Courier New" panose="02070309020205020404" pitchFamily="49" charset="0"/>
+              </a:rPr>
+              <a:t>'#btn11'</a:t>
+            </a:r>
+            <a:r>
+              <a:rPr lang="de-DE" altLang="de-DE" sz="1600" dirty="0">
+                <a:solidFill>
+                  <a:srgbClr val="000000"/>
+                </a:solidFill>
+                <a:latin typeface="Courier New" panose="02070309020205020404" pitchFamily="49" charset="0"/>
+                <a:cs typeface="Courier New" panose="02070309020205020404" pitchFamily="49" charset="0"/>
+              </a:rPr>
+              <a:t>).</a:t>
+            </a:r>
+            <a:r>
+              <a:rPr lang="de-DE" altLang="de-DE" sz="1600" dirty="0" err="1">
+                <a:solidFill>
+                  <a:srgbClr val="7A7A43"/>
+                </a:solidFill>
+                <a:latin typeface="Courier New" panose="02070309020205020404" pitchFamily="49" charset="0"/>
+                <a:cs typeface="Courier New" panose="02070309020205020404" pitchFamily="49" charset="0"/>
+              </a:rPr>
+              <a:t>css</a:t>
+            </a:r>
+            <a:r>
+              <a:rPr lang="de-DE" altLang="de-DE" sz="1600" dirty="0">
+                <a:solidFill>
+                  <a:srgbClr val="000000"/>
+                </a:solidFill>
+                <a:latin typeface="Courier New" panose="02070309020205020404" pitchFamily="49" charset="0"/>
+                <a:cs typeface="Courier New" panose="02070309020205020404" pitchFamily="49" charset="0"/>
+              </a:rPr>
+              <a:t>(</a:t>
+            </a:r>
+            <a:r>
+              <a:rPr lang="de-DE" altLang="de-DE" sz="1600" b="1" dirty="0">
+                <a:solidFill>
+                  <a:srgbClr val="008000"/>
+                </a:solidFill>
+                <a:latin typeface="Courier New" panose="02070309020205020404" pitchFamily="49" charset="0"/>
+                <a:cs typeface="Courier New" panose="02070309020205020404" pitchFamily="49" charset="0"/>
+              </a:rPr>
+              <a:t>'background-color'</a:t>
+            </a:r>
+            <a:r>
+              <a:rPr lang="de-DE" altLang="de-DE" sz="1600" dirty="0">
+                <a:solidFill>
+                  <a:srgbClr val="000000"/>
+                </a:solidFill>
+                <a:latin typeface="Courier New" panose="02070309020205020404" pitchFamily="49" charset="0"/>
+                <a:cs typeface="Courier New" panose="02070309020205020404" pitchFamily="49" charset="0"/>
+              </a:rPr>
+              <a:t>) !== </a:t>
+            </a:r>
+            <a:r>
+              <a:rPr lang="de-DE" altLang="de-DE" sz="1600" b="1" dirty="0">
+                <a:solidFill>
+                  <a:srgbClr val="008000"/>
+                </a:solidFill>
+                <a:latin typeface="Courier New" panose="02070309020205020404" pitchFamily="49" charset="0"/>
+                <a:cs typeface="Courier New" panose="02070309020205020404" pitchFamily="49" charset="0"/>
+              </a:rPr>
+              <a:t>'</a:t>
+            </a:r>
+            <a:r>
+              <a:rPr lang="de-DE" altLang="de-DE" sz="1600" b="1" dirty="0" err="1">
+                <a:solidFill>
+                  <a:srgbClr val="008000"/>
+                </a:solidFill>
+                <a:latin typeface="Courier New" panose="02070309020205020404" pitchFamily="49" charset="0"/>
+                <a:cs typeface="Courier New" panose="02070309020205020404" pitchFamily="49" charset="0"/>
+              </a:rPr>
+              <a:t>rgb</a:t>
+            </a:r>
+            <a:r>
+              <a:rPr lang="de-DE" altLang="de-DE" sz="1600" b="1" dirty="0">
+                <a:solidFill>
+                  <a:srgbClr val="008000"/>
+                </a:solidFill>
+                <a:latin typeface="Courier New" panose="02070309020205020404" pitchFamily="49" charset="0"/>
+                <a:cs typeface="Courier New" panose="02070309020205020404" pitchFamily="49" charset="0"/>
+              </a:rPr>
+              <a:t>(220, 220, 220)'</a:t>
+            </a:r>
+            <a:r>
+              <a:rPr lang="de-DE" altLang="de-DE" sz="1600" dirty="0">
+                <a:solidFill>
+                  <a:srgbClr val="000000"/>
+                </a:solidFill>
+                <a:latin typeface="Courier New" panose="02070309020205020404" pitchFamily="49" charset="0"/>
+                <a:cs typeface="Courier New" panose="02070309020205020404" pitchFamily="49" charset="0"/>
+              </a:rPr>
+              <a:t>) {</a:t>
+            </a:r>
+            <a:br>
+              <a:rPr lang="de-DE" altLang="de-DE" sz="1600" dirty="0">
+                <a:solidFill>
+                  <a:srgbClr val="000000"/>
+                </a:solidFill>
+                <a:latin typeface="Courier New" panose="02070309020205020404" pitchFamily="49" charset="0"/>
+                <a:cs typeface="Courier New" panose="02070309020205020404" pitchFamily="49" charset="0"/>
+              </a:rPr>
+            </a:br>
+            <a:r>
+              <a:rPr lang="de-DE" altLang="de-DE" sz="1600" dirty="0">
+                <a:solidFill>
+                  <a:srgbClr val="000000"/>
+                </a:solidFill>
+                <a:latin typeface="Courier New" panose="02070309020205020404" pitchFamily="49" charset="0"/>
+                <a:cs typeface="Courier New" panose="02070309020205020404" pitchFamily="49" charset="0"/>
+              </a:rPr>
+              <a:t>        </a:t>
+            </a:r>
+            <a:r>
+              <a:rPr lang="de-DE" altLang="de-DE" sz="1600" b="1" dirty="0" err="1">
+                <a:solidFill>
+                  <a:srgbClr val="000080"/>
+                </a:solidFill>
+                <a:latin typeface="Courier New" panose="02070309020205020404" pitchFamily="49" charset="0"/>
+                <a:cs typeface="Courier New" panose="02070309020205020404" pitchFamily="49" charset="0"/>
+              </a:rPr>
+              <a:t>if</a:t>
+            </a:r>
+            <a:r>
+              <a:rPr lang="de-DE" altLang="de-DE" sz="1600" b="1" dirty="0">
+                <a:solidFill>
+                  <a:srgbClr val="000080"/>
+                </a:solidFill>
+                <a:latin typeface="Courier New" panose="02070309020205020404" pitchFamily="49" charset="0"/>
+                <a:cs typeface="Courier New" panose="02070309020205020404" pitchFamily="49" charset="0"/>
+              </a:rPr>
+              <a:t> </a:t>
+            </a:r>
+            <a:r>
+              <a:rPr lang="de-DE" altLang="de-DE" sz="1600" dirty="0">
+                <a:solidFill>
+                  <a:srgbClr val="000000"/>
+                </a:solidFill>
+                <a:latin typeface="Courier New" panose="02070309020205020404" pitchFamily="49" charset="0"/>
+                <a:cs typeface="Courier New" panose="02070309020205020404" pitchFamily="49" charset="0"/>
+              </a:rPr>
+              <a:t>(</a:t>
+            </a:r>
+            <a:r>
+              <a:rPr lang="de-DE" altLang="de-DE" sz="1600" b="1" dirty="0">
+                <a:solidFill>
+                  <a:srgbClr val="660E7A"/>
+                </a:solidFill>
+                <a:latin typeface="Courier New" panose="02070309020205020404" pitchFamily="49" charset="0"/>
+                <a:cs typeface="Courier New" panose="02070309020205020404" pitchFamily="49" charset="0"/>
+              </a:rPr>
+              <a:t>$</a:t>
+            </a:r>
+            <a:r>
+              <a:rPr lang="de-DE" altLang="de-DE" sz="1600" dirty="0">
+                <a:solidFill>
+                  <a:srgbClr val="000000"/>
+                </a:solidFill>
+                <a:latin typeface="Courier New" panose="02070309020205020404" pitchFamily="49" charset="0"/>
+                <a:cs typeface="Courier New" panose="02070309020205020404" pitchFamily="49" charset="0"/>
+              </a:rPr>
+              <a:t>(</a:t>
+            </a:r>
+            <a:r>
+              <a:rPr lang="de-DE" altLang="de-DE" sz="1600" b="1" dirty="0">
+                <a:solidFill>
+                  <a:srgbClr val="008000"/>
+                </a:solidFill>
+                <a:latin typeface="Courier New" panose="02070309020205020404" pitchFamily="49" charset="0"/>
+                <a:cs typeface="Courier New" panose="02070309020205020404" pitchFamily="49" charset="0"/>
+              </a:rPr>
+              <a:t>'#btn11'</a:t>
+            </a:r>
+            <a:r>
+              <a:rPr lang="de-DE" altLang="de-DE" sz="1600" dirty="0">
+                <a:solidFill>
+                  <a:srgbClr val="000000"/>
+                </a:solidFill>
+                <a:latin typeface="Courier New" panose="02070309020205020404" pitchFamily="49" charset="0"/>
+                <a:cs typeface="Courier New" panose="02070309020205020404" pitchFamily="49" charset="0"/>
+              </a:rPr>
+              <a:t>).</a:t>
+            </a:r>
+            <a:r>
+              <a:rPr lang="de-DE" altLang="de-DE" sz="1600" dirty="0" err="1">
+                <a:solidFill>
+                  <a:srgbClr val="7A7A43"/>
+                </a:solidFill>
+                <a:latin typeface="Courier New" panose="02070309020205020404" pitchFamily="49" charset="0"/>
+                <a:cs typeface="Courier New" panose="02070309020205020404" pitchFamily="49" charset="0"/>
+              </a:rPr>
+              <a:t>css</a:t>
+            </a:r>
+            <a:r>
+              <a:rPr lang="de-DE" altLang="de-DE" sz="1600" dirty="0">
+                <a:solidFill>
+                  <a:srgbClr val="000000"/>
+                </a:solidFill>
+                <a:latin typeface="Courier New" panose="02070309020205020404" pitchFamily="49" charset="0"/>
+                <a:cs typeface="Courier New" panose="02070309020205020404" pitchFamily="49" charset="0"/>
+              </a:rPr>
+              <a:t>(</a:t>
+            </a:r>
+            <a:r>
+              <a:rPr lang="de-DE" altLang="de-DE" sz="1600" b="1" dirty="0">
+                <a:solidFill>
+                  <a:srgbClr val="008000"/>
+                </a:solidFill>
+                <a:latin typeface="Courier New" panose="02070309020205020404" pitchFamily="49" charset="0"/>
+                <a:cs typeface="Courier New" panose="02070309020205020404" pitchFamily="49" charset="0"/>
+              </a:rPr>
+              <a:t>'background-color'</a:t>
+            </a:r>
+            <a:r>
+              <a:rPr lang="de-DE" altLang="de-DE" sz="1600" dirty="0">
+                <a:solidFill>
+                  <a:srgbClr val="000000"/>
+                </a:solidFill>
+                <a:latin typeface="Courier New" panose="02070309020205020404" pitchFamily="49" charset="0"/>
+                <a:cs typeface="Courier New" panose="02070309020205020404" pitchFamily="49" charset="0"/>
+              </a:rPr>
+              <a:t>) === </a:t>
+            </a:r>
+            <a:r>
+              <a:rPr lang="de-DE" altLang="de-DE" sz="1600" b="1" dirty="0">
+                <a:solidFill>
+                  <a:srgbClr val="008000"/>
+                </a:solidFill>
+                <a:latin typeface="Courier New" panose="02070309020205020404" pitchFamily="49" charset="0"/>
+                <a:cs typeface="Courier New" panose="02070309020205020404" pitchFamily="49" charset="0"/>
+              </a:rPr>
+              <a:t>'</a:t>
+            </a:r>
+            <a:r>
+              <a:rPr lang="de-DE" altLang="de-DE" sz="1600" b="1" dirty="0" err="1">
+                <a:solidFill>
+                  <a:srgbClr val="008000"/>
+                </a:solidFill>
+                <a:latin typeface="Courier New" panose="02070309020205020404" pitchFamily="49" charset="0"/>
+                <a:cs typeface="Courier New" panose="02070309020205020404" pitchFamily="49" charset="0"/>
+              </a:rPr>
+              <a:t>rgb</a:t>
+            </a:r>
+            <a:r>
+              <a:rPr lang="de-DE" altLang="de-DE" sz="1600" b="1" dirty="0">
+                <a:solidFill>
+                  <a:srgbClr val="008000"/>
+                </a:solidFill>
+                <a:latin typeface="Courier New" panose="02070309020205020404" pitchFamily="49" charset="0"/>
+                <a:cs typeface="Courier New" panose="02070309020205020404" pitchFamily="49" charset="0"/>
+              </a:rPr>
+              <a:t>(255, 0, 0)'</a:t>
+            </a:r>
+            <a:r>
+              <a:rPr lang="de-DE" altLang="de-DE" sz="1600" dirty="0">
+                <a:solidFill>
+                  <a:srgbClr val="000000"/>
+                </a:solidFill>
+                <a:latin typeface="Courier New" panose="02070309020205020404" pitchFamily="49" charset="0"/>
+                <a:cs typeface="Courier New" panose="02070309020205020404" pitchFamily="49" charset="0"/>
+              </a:rPr>
+              <a:t>) {</a:t>
+            </a:r>
+            <a:br>
+              <a:rPr lang="de-DE" altLang="de-DE" sz="1600" dirty="0">
+                <a:solidFill>
+                  <a:srgbClr val="000000"/>
+                </a:solidFill>
+                <a:latin typeface="Courier New" panose="02070309020205020404" pitchFamily="49" charset="0"/>
+                <a:cs typeface="Courier New" panose="02070309020205020404" pitchFamily="49" charset="0"/>
+              </a:rPr>
+            </a:br>
+            <a:r>
+              <a:rPr lang="de-DE" altLang="de-DE" sz="1600" dirty="0">
+                <a:solidFill>
+                  <a:srgbClr val="000000"/>
+                </a:solidFill>
+                <a:latin typeface="Courier New" panose="02070309020205020404" pitchFamily="49" charset="0"/>
+                <a:cs typeface="Courier New" panose="02070309020205020404" pitchFamily="49" charset="0"/>
+              </a:rPr>
+              <a:t>            </a:t>
+            </a:r>
+            <a:r>
+              <a:rPr lang="de-DE" altLang="de-DE" sz="1600" b="1" dirty="0" err="1">
+                <a:solidFill>
+                  <a:srgbClr val="000080"/>
+                </a:solidFill>
+                <a:latin typeface="Courier New" panose="02070309020205020404" pitchFamily="49" charset="0"/>
+                <a:cs typeface="Courier New" panose="02070309020205020404" pitchFamily="49" charset="0"/>
+              </a:rPr>
+              <a:t>return</a:t>
+            </a:r>
+            <a:r>
+              <a:rPr lang="de-DE" altLang="de-DE" sz="1600" b="1" dirty="0">
+                <a:solidFill>
+                  <a:srgbClr val="000080"/>
+                </a:solidFill>
+                <a:latin typeface="Courier New" panose="02070309020205020404" pitchFamily="49" charset="0"/>
+                <a:cs typeface="Courier New" panose="02070309020205020404" pitchFamily="49" charset="0"/>
+              </a:rPr>
+              <a:t> </a:t>
+            </a:r>
+            <a:r>
+              <a:rPr lang="de-DE" altLang="de-DE" sz="1600" dirty="0" err="1">
+                <a:solidFill>
+                  <a:srgbClr val="000000"/>
+                </a:solidFill>
+                <a:latin typeface="Courier New" panose="02070309020205020404" pitchFamily="49" charset="0"/>
+                <a:cs typeface="Courier New" panose="02070309020205020404" pitchFamily="49" charset="0"/>
+              </a:rPr>
+              <a:t>upload</a:t>
+            </a:r>
+            <a:r>
+              <a:rPr lang="de-DE" altLang="de-DE" sz="1600" dirty="0">
+                <a:solidFill>
+                  <a:srgbClr val="000000"/>
+                </a:solidFill>
+                <a:latin typeface="Courier New" panose="02070309020205020404" pitchFamily="49" charset="0"/>
+                <a:cs typeface="Courier New" panose="02070309020205020404" pitchFamily="49" charset="0"/>
+              </a:rPr>
+              <a:t>(LOSE);</a:t>
+            </a:r>
+            <a:br>
+              <a:rPr lang="de-DE" altLang="de-DE" sz="1600" dirty="0">
+                <a:solidFill>
+                  <a:srgbClr val="000000"/>
+                </a:solidFill>
+                <a:latin typeface="Courier New" panose="02070309020205020404" pitchFamily="49" charset="0"/>
+                <a:cs typeface="Courier New" panose="02070309020205020404" pitchFamily="49" charset="0"/>
+              </a:rPr>
+            </a:br>
+            <a:r>
+              <a:rPr lang="de-DE" altLang="de-DE" sz="1600" dirty="0">
+                <a:solidFill>
+                  <a:srgbClr val="000000"/>
+                </a:solidFill>
+                <a:latin typeface="Courier New" panose="02070309020205020404" pitchFamily="49" charset="0"/>
+                <a:cs typeface="Courier New" panose="02070309020205020404" pitchFamily="49" charset="0"/>
+              </a:rPr>
+              <a:t>        } </a:t>
+            </a:r>
+            <a:r>
+              <a:rPr lang="de-DE" altLang="de-DE" sz="1600" b="1" dirty="0" err="1">
+                <a:solidFill>
+                  <a:srgbClr val="000080"/>
+                </a:solidFill>
+                <a:latin typeface="Courier New" panose="02070309020205020404" pitchFamily="49" charset="0"/>
+                <a:cs typeface="Courier New" panose="02070309020205020404" pitchFamily="49" charset="0"/>
+              </a:rPr>
+              <a:t>else</a:t>
+            </a:r>
+            <a:r>
+              <a:rPr lang="de-DE" altLang="de-DE" sz="1600" b="1" dirty="0">
+                <a:solidFill>
+                  <a:srgbClr val="000080"/>
+                </a:solidFill>
+                <a:latin typeface="Courier New" panose="02070309020205020404" pitchFamily="49" charset="0"/>
+                <a:cs typeface="Courier New" panose="02070309020205020404" pitchFamily="49" charset="0"/>
+              </a:rPr>
+              <a:t> </a:t>
+            </a:r>
+            <a:r>
+              <a:rPr lang="de-DE" altLang="de-DE" sz="1600" dirty="0">
+                <a:solidFill>
+                  <a:srgbClr val="000000"/>
+                </a:solidFill>
+                <a:latin typeface="Courier New" panose="02070309020205020404" pitchFamily="49" charset="0"/>
+                <a:cs typeface="Courier New" panose="02070309020205020404" pitchFamily="49" charset="0"/>
+              </a:rPr>
+              <a:t>{</a:t>
+            </a:r>
+            <a:br>
+              <a:rPr lang="de-DE" altLang="de-DE" sz="1600" dirty="0">
+                <a:solidFill>
+                  <a:srgbClr val="000000"/>
+                </a:solidFill>
+                <a:latin typeface="Courier New" panose="02070309020205020404" pitchFamily="49" charset="0"/>
+                <a:cs typeface="Courier New" panose="02070309020205020404" pitchFamily="49" charset="0"/>
+              </a:rPr>
+            </a:br>
+            <a:r>
+              <a:rPr lang="de-DE" altLang="de-DE" sz="1600" dirty="0">
+                <a:solidFill>
+                  <a:srgbClr val="000000"/>
+                </a:solidFill>
+                <a:latin typeface="Courier New" panose="02070309020205020404" pitchFamily="49" charset="0"/>
+                <a:cs typeface="Courier New" panose="02070309020205020404" pitchFamily="49" charset="0"/>
+              </a:rPr>
+              <a:t>            </a:t>
+            </a:r>
+            <a:r>
+              <a:rPr lang="de-DE" altLang="de-DE" sz="1600" b="1" dirty="0" err="1">
+                <a:solidFill>
+                  <a:srgbClr val="000080"/>
+                </a:solidFill>
+                <a:latin typeface="Courier New" panose="02070309020205020404" pitchFamily="49" charset="0"/>
+                <a:cs typeface="Courier New" panose="02070309020205020404" pitchFamily="49" charset="0"/>
+              </a:rPr>
+              <a:t>return</a:t>
+            </a:r>
+            <a:r>
+              <a:rPr lang="de-DE" altLang="de-DE" sz="1600" b="1" dirty="0">
+                <a:solidFill>
+                  <a:srgbClr val="000080"/>
+                </a:solidFill>
+                <a:latin typeface="Courier New" panose="02070309020205020404" pitchFamily="49" charset="0"/>
+                <a:cs typeface="Courier New" panose="02070309020205020404" pitchFamily="49" charset="0"/>
+              </a:rPr>
+              <a:t> </a:t>
+            </a:r>
+            <a:r>
+              <a:rPr lang="de-DE" altLang="de-DE" sz="1600" dirty="0" err="1">
+                <a:solidFill>
+                  <a:srgbClr val="000000"/>
+                </a:solidFill>
+                <a:latin typeface="Courier New" panose="02070309020205020404" pitchFamily="49" charset="0"/>
+                <a:cs typeface="Courier New" panose="02070309020205020404" pitchFamily="49" charset="0"/>
+              </a:rPr>
+              <a:t>upload</a:t>
+            </a:r>
+            <a:r>
+              <a:rPr lang="de-DE" altLang="de-DE" sz="1600" dirty="0">
+                <a:solidFill>
+                  <a:srgbClr val="000000"/>
+                </a:solidFill>
+                <a:latin typeface="Courier New" panose="02070309020205020404" pitchFamily="49" charset="0"/>
+                <a:cs typeface="Courier New" panose="02070309020205020404" pitchFamily="49" charset="0"/>
+              </a:rPr>
+              <a:t>(WIN);</a:t>
+            </a:r>
+            <a:br>
+              <a:rPr lang="de-DE" altLang="de-DE" sz="1600" dirty="0">
+                <a:solidFill>
+                  <a:srgbClr val="000000"/>
+                </a:solidFill>
+                <a:latin typeface="Courier New" panose="02070309020205020404" pitchFamily="49" charset="0"/>
+                <a:cs typeface="Courier New" panose="02070309020205020404" pitchFamily="49" charset="0"/>
+              </a:rPr>
+            </a:br>
+            <a:r>
+              <a:rPr lang="de-DE" altLang="de-DE" sz="1600" dirty="0">
+                <a:solidFill>
+                  <a:srgbClr val="000000"/>
+                </a:solidFill>
+                <a:latin typeface="Courier New" panose="02070309020205020404" pitchFamily="49" charset="0"/>
+                <a:cs typeface="Courier New" panose="02070309020205020404" pitchFamily="49" charset="0"/>
+              </a:rPr>
+              <a:t>        }</a:t>
+            </a:r>
+            <a:br>
+              <a:rPr lang="de-DE" altLang="de-DE" sz="1600" dirty="0">
+                <a:solidFill>
+                  <a:srgbClr val="000000"/>
+                </a:solidFill>
+                <a:latin typeface="Courier New" panose="02070309020205020404" pitchFamily="49" charset="0"/>
+                <a:cs typeface="Courier New" panose="02070309020205020404" pitchFamily="49" charset="0"/>
+              </a:rPr>
+            </a:br>
+            <a:r>
+              <a:rPr lang="de-DE" altLang="de-DE" sz="1600" dirty="0">
+                <a:solidFill>
+                  <a:srgbClr val="000000"/>
+                </a:solidFill>
+                <a:latin typeface="Courier New" panose="02070309020205020404" pitchFamily="49" charset="0"/>
+                <a:cs typeface="Courier New" panose="02070309020205020404" pitchFamily="49" charset="0"/>
+              </a:rPr>
+              <a:t>    } </a:t>
+            </a:r>
+            <a:r>
+              <a:rPr lang="de-DE" altLang="de-DE" sz="1600" b="1" dirty="0" err="1">
+                <a:solidFill>
+                  <a:srgbClr val="000080"/>
+                </a:solidFill>
+                <a:latin typeface="Courier New" panose="02070309020205020404" pitchFamily="49" charset="0"/>
+                <a:cs typeface="Courier New" panose="02070309020205020404" pitchFamily="49" charset="0"/>
+              </a:rPr>
+              <a:t>else</a:t>
+            </a:r>
+            <a:r>
+              <a:rPr lang="de-DE" altLang="de-DE" sz="1600" b="1" dirty="0">
+                <a:solidFill>
+                  <a:srgbClr val="000080"/>
+                </a:solidFill>
+                <a:latin typeface="Courier New" panose="02070309020205020404" pitchFamily="49" charset="0"/>
+                <a:cs typeface="Courier New" panose="02070309020205020404" pitchFamily="49" charset="0"/>
+              </a:rPr>
+              <a:t> </a:t>
+            </a:r>
+            <a:r>
+              <a:rPr lang="de-DE" altLang="de-DE" sz="1600" b="1" dirty="0" err="1">
+                <a:solidFill>
+                  <a:srgbClr val="000080"/>
+                </a:solidFill>
+                <a:latin typeface="Courier New" panose="02070309020205020404" pitchFamily="49" charset="0"/>
+                <a:cs typeface="Courier New" panose="02070309020205020404" pitchFamily="49" charset="0"/>
+              </a:rPr>
+              <a:t>if</a:t>
+            </a:r>
+            <a:r>
+              <a:rPr lang="de-DE" altLang="de-DE" sz="1600" b="1" dirty="0">
+                <a:solidFill>
+                  <a:srgbClr val="000080"/>
+                </a:solidFill>
+                <a:latin typeface="Courier New" panose="02070309020205020404" pitchFamily="49" charset="0"/>
+                <a:cs typeface="Courier New" panose="02070309020205020404" pitchFamily="49" charset="0"/>
+              </a:rPr>
+              <a:t> </a:t>
+            </a:r>
+            <a:r>
+              <a:rPr lang="de-DE" altLang="de-DE" sz="1600" dirty="0">
+                <a:solidFill>
+                  <a:srgbClr val="000000"/>
+                </a:solidFill>
+                <a:latin typeface="Courier New" panose="02070309020205020404" pitchFamily="49" charset="0"/>
+                <a:cs typeface="Courier New" panose="02070309020205020404" pitchFamily="49" charset="0"/>
+              </a:rPr>
+              <a:t>(</a:t>
+            </a:r>
+            <a:r>
+              <a:rPr lang="de-DE" altLang="de-DE" sz="1600" b="1" dirty="0">
+                <a:solidFill>
+                  <a:srgbClr val="660E7A"/>
+                </a:solidFill>
+                <a:latin typeface="Courier New" panose="02070309020205020404" pitchFamily="49" charset="0"/>
+                <a:cs typeface="Courier New" panose="02070309020205020404" pitchFamily="49" charset="0"/>
+              </a:rPr>
+              <a:t>$</a:t>
+            </a:r>
+            <a:r>
+              <a:rPr lang="de-DE" altLang="de-DE" sz="1600" dirty="0">
+                <a:solidFill>
+                  <a:srgbClr val="000000"/>
+                </a:solidFill>
+                <a:latin typeface="Courier New" panose="02070309020205020404" pitchFamily="49" charset="0"/>
+                <a:cs typeface="Courier New" panose="02070309020205020404" pitchFamily="49" charset="0"/>
+              </a:rPr>
+              <a:t>(</a:t>
+            </a:r>
+            <a:r>
+              <a:rPr lang="de-DE" altLang="de-DE" sz="1600" b="1" dirty="0">
+                <a:solidFill>
+                  <a:srgbClr val="008000"/>
+                </a:solidFill>
+                <a:latin typeface="Courier New" panose="02070309020205020404" pitchFamily="49" charset="0"/>
+                <a:cs typeface="Courier New" panose="02070309020205020404" pitchFamily="49" charset="0"/>
+              </a:rPr>
+              <a:t>'#btn31'</a:t>
+            </a:r>
+            <a:r>
+              <a:rPr lang="de-DE" altLang="de-DE" sz="1600" dirty="0">
+                <a:solidFill>
+                  <a:srgbClr val="000000"/>
+                </a:solidFill>
+                <a:latin typeface="Courier New" panose="02070309020205020404" pitchFamily="49" charset="0"/>
+                <a:cs typeface="Courier New" panose="02070309020205020404" pitchFamily="49" charset="0"/>
+              </a:rPr>
+              <a:t>).</a:t>
+            </a:r>
+            <a:r>
+              <a:rPr lang="de-DE" altLang="de-DE" sz="1600" dirty="0" err="1">
+                <a:solidFill>
+                  <a:srgbClr val="7A7A43"/>
+                </a:solidFill>
+                <a:latin typeface="Courier New" panose="02070309020205020404" pitchFamily="49" charset="0"/>
+                <a:cs typeface="Courier New" panose="02070309020205020404" pitchFamily="49" charset="0"/>
+              </a:rPr>
+              <a:t>css</a:t>
+            </a:r>
+            <a:r>
+              <a:rPr lang="de-DE" altLang="de-DE" sz="1600" dirty="0">
+                <a:solidFill>
+                  <a:srgbClr val="000000"/>
+                </a:solidFill>
+                <a:latin typeface="Courier New" panose="02070309020205020404" pitchFamily="49" charset="0"/>
+                <a:cs typeface="Courier New" panose="02070309020205020404" pitchFamily="49" charset="0"/>
+              </a:rPr>
+              <a:t>(</a:t>
+            </a:r>
+            <a:r>
+              <a:rPr lang="de-DE" altLang="de-DE" sz="1600" b="1" dirty="0">
+                <a:solidFill>
+                  <a:srgbClr val="008000"/>
+                </a:solidFill>
+                <a:latin typeface="Courier New" panose="02070309020205020404" pitchFamily="49" charset="0"/>
+                <a:cs typeface="Courier New" panose="02070309020205020404" pitchFamily="49" charset="0"/>
+              </a:rPr>
+              <a:t>'background-color'</a:t>
+            </a:r>
+            <a:r>
+              <a:rPr lang="de-DE" altLang="de-DE" sz="1600" dirty="0">
+                <a:solidFill>
+                  <a:srgbClr val="000000"/>
+                </a:solidFill>
+                <a:latin typeface="Courier New" panose="02070309020205020404" pitchFamily="49" charset="0"/>
+                <a:cs typeface="Courier New" panose="02070309020205020404" pitchFamily="49" charset="0"/>
+              </a:rPr>
+              <a:t>) === </a:t>
+            </a:r>
+            <a:r>
+              <a:rPr lang="de-DE" altLang="de-DE" sz="1600" b="1" dirty="0">
+                <a:solidFill>
+                  <a:srgbClr val="660E7A"/>
+                </a:solidFill>
+                <a:latin typeface="Courier New" panose="02070309020205020404" pitchFamily="49" charset="0"/>
+                <a:cs typeface="Courier New" panose="02070309020205020404" pitchFamily="49" charset="0"/>
+              </a:rPr>
+              <a:t>$</a:t>
+            </a:r>
+            <a:r>
+              <a:rPr lang="de-DE" altLang="de-DE" sz="1600" dirty="0">
+                <a:solidFill>
+                  <a:srgbClr val="000000"/>
+                </a:solidFill>
+                <a:latin typeface="Courier New" panose="02070309020205020404" pitchFamily="49" charset="0"/>
+                <a:cs typeface="Courier New" panose="02070309020205020404" pitchFamily="49" charset="0"/>
+              </a:rPr>
+              <a:t>(</a:t>
+            </a:r>
+            <a:r>
+              <a:rPr lang="de-DE" altLang="de-DE" sz="1600" b="1" dirty="0">
+                <a:solidFill>
+                  <a:srgbClr val="008000"/>
+                </a:solidFill>
+                <a:latin typeface="Courier New" panose="02070309020205020404" pitchFamily="49" charset="0"/>
+                <a:cs typeface="Courier New" panose="02070309020205020404" pitchFamily="49" charset="0"/>
+              </a:rPr>
+              <a:t>'#btn22'</a:t>
+            </a:r>
+            <a:r>
+              <a:rPr lang="de-DE" altLang="de-DE" sz="1600" dirty="0">
+                <a:solidFill>
+                  <a:srgbClr val="000000"/>
+                </a:solidFill>
+                <a:latin typeface="Courier New" panose="02070309020205020404" pitchFamily="49" charset="0"/>
+                <a:cs typeface="Courier New" panose="02070309020205020404" pitchFamily="49" charset="0"/>
+              </a:rPr>
+              <a:t>).</a:t>
+            </a:r>
+            <a:r>
+              <a:rPr lang="de-DE" altLang="de-DE" sz="1600" dirty="0" err="1">
+                <a:solidFill>
+                  <a:srgbClr val="7A7A43"/>
+                </a:solidFill>
+                <a:latin typeface="Courier New" panose="02070309020205020404" pitchFamily="49" charset="0"/>
+                <a:cs typeface="Courier New" panose="02070309020205020404" pitchFamily="49" charset="0"/>
+              </a:rPr>
+              <a:t>css</a:t>
+            </a:r>
+            <a:r>
+              <a:rPr lang="de-DE" altLang="de-DE" sz="1600" dirty="0">
+                <a:solidFill>
+                  <a:srgbClr val="000000"/>
+                </a:solidFill>
+                <a:latin typeface="Courier New" panose="02070309020205020404" pitchFamily="49" charset="0"/>
+                <a:cs typeface="Courier New" panose="02070309020205020404" pitchFamily="49" charset="0"/>
+              </a:rPr>
+              <a:t>(</a:t>
+            </a:r>
+            <a:r>
+              <a:rPr lang="de-DE" altLang="de-DE" sz="1600" b="1" dirty="0">
+                <a:solidFill>
+                  <a:srgbClr val="008000"/>
+                </a:solidFill>
+                <a:latin typeface="Courier New" panose="02070309020205020404" pitchFamily="49" charset="0"/>
+                <a:cs typeface="Courier New" panose="02070309020205020404" pitchFamily="49" charset="0"/>
+              </a:rPr>
+              <a:t>'background-color'</a:t>
+            </a:r>
+            <a:r>
+              <a:rPr lang="de-DE" altLang="de-DE" sz="1600" dirty="0">
+                <a:solidFill>
+                  <a:srgbClr val="000000"/>
+                </a:solidFill>
+                <a:latin typeface="Courier New" panose="02070309020205020404" pitchFamily="49" charset="0"/>
+                <a:cs typeface="Courier New" panose="02070309020205020404" pitchFamily="49" charset="0"/>
+              </a:rPr>
+              <a:t>)</a:t>
+            </a:r>
+            <a:br>
+              <a:rPr lang="de-DE" altLang="de-DE" sz="1600" dirty="0">
+                <a:solidFill>
+                  <a:srgbClr val="000000"/>
+                </a:solidFill>
+                <a:latin typeface="Courier New" panose="02070309020205020404" pitchFamily="49" charset="0"/>
+                <a:cs typeface="Courier New" panose="02070309020205020404" pitchFamily="49" charset="0"/>
+              </a:rPr>
+            </a:br>
+            <a:r>
+              <a:rPr lang="de-DE" altLang="de-DE" sz="1600" dirty="0">
+                <a:solidFill>
+                  <a:srgbClr val="000000"/>
+                </a:solidFill>
+                <a:latin typeface="Courier New" panose="02070309020205020404" pitchFamily="49" charset="0"/>
+                <a:cs typeface="Courier New" panose="02070309020205020404" pitchFamily="49" charset="0"/>
+              </a:rPr>
+              <a:t>        &amp;&amp; </a:t>
+            </a:r>
+            <a:r>
+              <a:rPr lang="de-DE" altLang="de-DE" sz="1600" b="1" dirty="0">
+                <a:solidFill>
+                  <a:srgbClr val="660E7A"/>
+                </a:solidFill>
+                <a:latin typeface="Courier New" panose="02070309020205020404" pitchFamily="49" charset="0"/>
+                <a:cs typeface="Courier New" panose="02070309020205020404" pitchFamily="49" charset="0"/>
+              </a:rPr>
+              <a:t>$</a:t>
+            </a:r>
+            <a:r>
+              <a:rPr lang="de-DE" altLang="de-DE" sz="1600" dirty="0">
+                <a:solidFill>
+                  <a:srgbClr val="000000"/>
+                </a:solidFill>
+                <a:latin typeface="Courier New" panose="02070309020205020404" pitchFamily="49" charset="0"/>
+                <a:cs typeface="Courier New" panose="02070309020205020404" pitchFamily="49" charset="0"/>
+              </a:rPr>
+              <a:t>(</a:t>
+            </a:r>
+            <a:r>
+              <a:rPr lang="de-DE" altLang="de-DE" sz="1600" b="1" dirty="0">
+                <a:solidFill>
+                  <a:srgbClr val="008000"/>
+                </a:solidFill>
+                <a:latin typeface="Courier New" panose="02070309020205020404" pitchFamily="49" charset="0"/>
+                <a:cs typeface="Courier New" panose="02070309020205020404" pitchFamily="49" charset="0"/>
+              </a:rPr>
+              <a:t>'#btn22'</a:t>
+            </a:r>
+            <a:r>
+              <a:rPr lang="de-DE" altLang="de-DE" sz="1600" dirty="0">
+                <a:solidFill>
+                  <a:srgbClr val="000000"/>
+                </a:solidFill>
+                <a:latin typeface="Courier New" panose="02070309020205020404" pitchFamily="49" charset="0"/>
+                <a:cs typeface="Courier New" panose="02070309020205020404" pitchFamily="49" charset="0"/>
+              </a:rPr>
+              <a:t>).</a:t>
+            </a:r>
+            <a:r>
+              <a:rPr lang="de-DE" altLang="de-DE" sz="1600" dirty="0" err="1">
+                <a:solidFill>
+                  <a:srgbClr val="7A7A43"/>
+                </a:solidFill>
+                <a:latin typeface="Courier New" panose="02070309020205020404" pitchFamily="49" charset="0"/>
+                <a:cs typeface="Courier New" panose="02070309020205020404" pitchFamily="49" charset="0"/>
+              </a:rPr>
+              <a:t>css</a:t>
+            </a:r>
+            <a:r>
+              <a:rPr lang="de-DE" altLang="de-DE" sz="1600" dirty="0">
+                <a:solidFill>
+                  <a:srgbClr val="000000"/>
+                </a:solidFill>
+                <a:latin typeface="Courier New" panose="02070309020205020404" pitchFamily="49" charset="0"/>
+                <a:cs typeface="Courier New" panose="02070309020205020404" pitchFamily="49" charset="0"/>
+              </a:rPr>
+              <a:t>(</a:t>
+            </a:r>
+            <a:r>
+              <a:rPr lang="de-DE" altLang="de-DE" sz="1600" b="1" dirty="0">
+                <a:solidFill>
+                  <a:srgbClr val="008000"/>
+                </a:solidFill>
+                <a:latin typeface="Courier New" panose="02070309020205020404" pitchFamily="49" charset="0"/>
+                <a:cs typeface="Courier New" panose="02070309020205020404" pitchFamily="49" charset="0"/>
+              </a:rPr>
+              <a:t>'background-color'</a:t>
+            </a:r>
+            <a:r>
+              <a:rPr lang="de-DE" altLang="de-DE" sz="1600" dirty="0">
+                <a:solidFill>
+                  <a:srgbClr val="000000"/>
+                </a:solidFill>
+                <a:latin typeface="Courier New" panose="02070309020205020404" pitchFamily="49" charset="0"/>
+                <a:cs typeface="Courier New" panose="02070309020205020404" pitchFamily="49" charset="0"/>
+              </a:rPr>
+              <a:t>) === </a:t>
+            </a:r>
+            <a:r>
+              <a:rPr lang="de-DE" altLang="de-DE" sz="1600" b="1" dirty="0">
+                <a:solidFill>
+                  <a:srgbClr val="660E7A"/>
+                </a:solidFill>
+                <a:latin typeface="Courier New" panose="02070309020205020404" pitchFamily="49" charset="0"/>
+                <a:cs typeface="Courier New" panose="02070309020205020404" pitchFamily="49" charset="0"/>
+              </a:rPr>
+              <a:t>$</a:t>
+            </a:r>
+            <a:r>
+              <a:rPr lang="de-DE" altLang="de-DE" sz="1600" dirty="0">
+                <a:solidFill>
+                  <a:srgbClr val="000000"/>
+                </a:solidFill>
+                <a:latin typeface="Courier New" panose="02070309020205020404" pitchFamily="49" charset="0"/>
+                <a:cs typeface="Courier New" panose="02070309020205020404" pitchFamily="49" charset="0"/>
+              </a:rPr>
+              <a:t>(</a:t>
+            </a:r>
+            <a:r>
+              <a:rPr lang="de-DE" altLang="de-DE" sz="1600" b="1" dirty="0">
+                <a:solidFill>
+                  <a:srgbClr val="008000"/>
+                </a:solidFill>
+                <a:latin typeface="Courier New" panose="02070309020205020404" pitchFamily="49" charset="0"/>
+                <a:cs typeface="Courier New" panose="02070309020205020404" pitchFamily="49" charset="0"/>
+              </a:rPr>
+              <a:t>'#btn13'</a:t>
+            </a:r>
+            <a:r>
+              <a:rPr lang="de-DE" altLang="de-DE" sz="1600" dirty="0">
+                <a:solidFill>
+                  <a:srgbClr val="000000"/>
+                </a:solidFill>
+                <a:latin typeface="Courier New" panose="02070309020205020404" pitchFamily="49" charset="0"/>
+                <a:cs typeface="Courier New" panose="02070309020205020404" pitchFamily="49" charset="0"/>
+              </a:rPr>
+              <a:t>).</a:t>
+            </a:r>
+            <a:r>
+              <a:rPr lang="de-DE" altLang="de-DE" sz="1600" dirty="0" err="1">
+                <a:solidFill>
+                  <a:srgbClr val="7A7A43"/>
+                </a:solidFill>
+                <a:latin typeface="Courier New" panose="02070309020205020404" pitchFamily="49" charset="0"/>
+                <a:cs typeface="Courier New" panose="02070309020205020404" pitchFamily="49" charset="0"/>
+              </a:rPr>
+              <a:t>css</a:t>
+            </a:r>
+            <a:r>
+              <a:rPr lang="de-DE" altLang="de-DE" sz="1600" dirty="0">
+                <a:solidFill>
+                  <a:srgbClr val="000000"/>
+                </a:solidFill>
+                <a:latin typeface="Courier New" panose="02070309020205020404" pitchFamily="49" charset="0"/>
+                <a:cs typeface="Courier New" panose="02070309020205020404" pitchFamily="49" charset="0"/>
+              </a:rPr>
+              <a:t>(</a:t>
+            </a:r>
+            <a:r>
+              <a:rPr lang="de-DE" altLang="de-DE" sz="1600" b="1" dirty="0">
+                <a:solidFill>
+                  <a:srgbClr val="008000"/>
+                </a:solidFill>
+                <a:latin typeface="Courier New" panose="02070309020205020404" pitchFamily="49" charset="0"/>
+                <a:cs typeface="Courier New" panose="02070309020205020404" pitchFamily="49" charset="0"/>
+              </a:rPr>
+              <a:t>'background-color'</a:t>
+            </a:r>
+            <a:r>
+              <a:rPr lang="de-DE" altLang="de-DE" sz="1600" dirty="0">
+                <a:solidFill>
+                  <a:srgbClr val="000000"/>
+                </a:solidFill>
+                <a:latin typeface="Courier New" panose="02070309020205020404" pitchFamily="49" charset="0"/>
+                <a:cs typeface="Courier New" panose="02070309020205020404" pitchFamily="49" charset="0"/>
+              </a:rPr>
+              <a:t>)</a:t>
+            </a:r>
+            <a:br>
+              <a:rPr lang="de-DE" altLang="de-DE" sz="1600" dirty="0">
+                <a:solidFill>
+                  <a:srgbClr val="000000"/>
+                </a:solidFill>
+                <a:latin typeface="Courier New" panose="02070309020205020404" pitchFamily="49" charset="0"/>
+                <a:cs typeface="Courier New" panose="02070309020205020404" pitchFamily="49" charset="0"/>
+              </a:rPr>
+            </a:br>
+            <a:r>
+              <a:rPr lang="de-DE" altLang="de-DE" sz="1600" dirty="0">
+                <a:solidFill>
+                  <a:srgbClr val="000000"/>
+                </a:solidFill>
+                <a:latin typeface="Courier New" panose="02070309020205020404" pitchFamily="49" charset="0"/>
+                <a:cs typeface="Courier New" panose="02070309020205020404" pitchFamily="49" charset="0"/>
+              </a:rPr>
+              <a:t>        &amp;&amp; </a:t>
+            </a:r>
+            <a:r>
+              <a:rPr lang="de-DE" altLang="de-DE" sz="1600" b="1" dirty="0">
+                <a:solidFill>
+                  <a:srgbClr val="660E7A"/>
+                </a:solidFill>
+                <a:latin typeface="Courier New" panose="02070309020205020404" pitchFamily="49" charset="0"/>
+                <a:cs typeface="Courier New" panose="02070309020205020404" pitchFamily="49" charset="0"/>
+              </a:rPr>
+              <a:t>$</a:t>
+            </a:r>
+            <a:r>
+              <a:rPr lang="de-DE" altLang="de-DE" sz="1600" dirty="0">
+                <a:solidFill>
+                  <a:srgbClr val="000000"/>
+                </a:solidFill>
+                <a:latin typeface="Courier New" panose="02070309020205020404" pitchFamily="49" charset="0"/>
+                <a:cs typeface="Courier New" panose="02070309020205020404" pitchFamily="49" charset="0"/>
+              </a:rPr>
+              <a:t>(</a:t>
+            </a:r>
+            <a:r>
+              <a:rPr lang="de-DE" altLang="de-DE" sz="1600" b="1" dirty="0">
+                <a:solidFill>
+                  <a:srgbClr val="008000"/>
+                </a:solidFill>
+                <a:latin typeface="Courier New" panose="02070309020205020404" pitchFamily="49" charset="0"/>
+                <a:cs typeface="Courier New" panose="02070309020205020404" pitchFamily="49" charset="0"/>
+              </a:rPr>
+              <a:t>'#btn31'</a:t>
+            </a:r>
+            <a:r>
+              <a:rPr lang="de-DE" altLang="de-DE" sz="1600" dirty="0">
+                <a:solidFill>
+                  <a:srgbClr val="000000"/>
+                </a:solidFill>
+                <a:latin typeface="Courier New" panose="02070309020205020404" pitchFamily="49" charset="0"/>
+                <a:cs typeface="Courier New" panose="02070309020205020404" pitchFamily="49" charset="0"/>
+              </a:rPr>
+              <a:t>).</a:t>
+            </a:r>
+            <a:r>
+              <a:rPr lang="de-DE" altLang="de-DE" sz="1600" dirty="0" err="1">
+                <a:solidFill>
+                  <a:srgbClr val="7A7A43"/>
+                </a:solidFill>
+                <a:latin typeface="Courier New" panose="02070309020205020404" pitchFamily="49" charset="0"/>
+                <a:cs typeface="Courier New" panose="02070309020205020404" pitchFamily="49" charset="0"/>
+              </a:rPr>
+              <a:t>css</a:t>
+            </a:r>
+            <a:r>
+              <a:rPr lang="de-DE" altLang="de-DE" sz="1600" dirty="0">
+                <a:solidFill>
+                  <a:srgbClr val="000000"/>
+                </a:solidFill>
+                <a:latin typeface="Courier New" panose="02070309020205020404" pitchFamily="49" charset="0"/>
+                <a:cs typeface="Courier New" panose="02070309020205020404" pitchFamily="49" charset="0"/>
+              </a:rPr>
+              <a:t>(</a:t>
+            </a:r>
+            <a:r>
+              <a:rPr lang="de-DE" altLang="de-DE" sz="1600" b="1" dirty="0">
+                <a:solidFill>
+                  <a:srgbClr val="008000"/>
+                </a:solidFill>
+                <a:latin typeface="Courier New" panose="02070309020205020404" pitchFamily="49" charset="0"/>
+                <a:cs typeface="Courier New" panose="02070309020205020404" pitchFamily="49" charset="0"/>
+              </a:rPr>
+              <a:t>'background-color'</a:t>
+            </a:r>
+            <a:r>
+              <a:rPr lang="de-DE" altLang="de-DE" sz="1600" dirty="0">
+                <a:solidFill>
+                  <a:srgbClr val="000000"/>
+                </a:solidFill>
+                <a:latin typeface="Courier New" panose="02070309020205020404" pitchFamily="49" charset="0"/>
+                <a:cs typeface="Courier New" panose="02070309020205020404" pitchFamily="49" charset="0"/>
+              </a:rPr>
+              <a:t>) !== </a:t>
+            </a:r>
+            <a:r>
+              <a:rPr lang="de-DE" altLang="de-DE" sz="1600" b="1" dirty="0">
+                <a:solidFill>
+                  <a:srgbClr val="008000"/>
+                </a:solidFill>
+                <a:latin typeface="Courier New" panose="02070309020205020404" pitchFamily="49" charset="0"/>
+                <a:cs typeface="Courier New" panose="02070309020205020404" pitchFamily="49" charset="0"/>
+              </a:rPr>
+              <a:t>'</a:t>
+            </a:r>
+            <a:r>
+              <a:rPr lang="de-DE" altLang="de-DE" sz="1600" b="1" dirty="0" err="1">
+                <a:solidFill>
+                  <a:srgbClr val="008000"/>
+                </a:solidFill>
+                <a:latin typeface="Courier New" panose="02070309020205020404" pitchFamily="49" charset="0"/>
+                <a:cs typeface="Courier New" panose="02070309020205020404" pitchFamily="49" charset="0"/>
+              </a:rPr>
+              <a:t>rgb</a:t>
+            </a:r>
+            <a:r>
+              <a:rPr lang="de-DE" altLang="de-DE" sz="1600" b="1" dirty="0">
+                <a:solidFill>
+                  <a:srgbClr val="008000"/>
+                </a:solidFill>
+                <a:latin typeface="Courier New" panose="02070309020205020404" pitchFamily="49" charset="0"/>
+                <a:cs typeface="Courier New" panose="02070309020205020404" pitchFamily="49" charset="0"/>
+              </a:rPr>
+              <a:t>(220, 220, 220)'</a:t>
+            </a:r>
+            <a:r>
+              <a:rPr lang="de-DE" altLang="de-DE" sz="1600" dirty="0">
+                <a:solidFill>
+                  <a:srgbClr val="000000"/>
+                </a:solidFill>
+                <a:latin typeface="Courier New" panose="02070309020205020404" pitchFamily="49" charset="0"/>
+                <a:cs typeface="Courier New" panose="02070309020205020404" pitchFamily="49" charset="0"/>
+              </a:rPr>
+              <a:t>) {</a:t>
+            </a:r>
+            <a:br>
+              <a:rPr lang="de-DE" altLang="de-DE" sz="1600" dirty="0">
+                <a:solidFill>
+                  <a:srgbClr val="000000"/>
+                </a:solidFill>
+                <a:latin typeface="Courier New" panose="02070309020205020404" pitchFamily="49" charset="0"/>
+                <a:cs typeface="Courier New" panose="02070309020205020404" pitchFamily="49" charset="0"/>
+              </a:rPr>
+            </a:br>
+            <a:r>
+              <a:rPr lang="de-DE" altLang="de-DE" sz="1600" dirty="0">
+                <a:solidFill>
+                  <a:srgbClr val="000000"/>
+                </a:solidFill>
+                <a:latin typeface="Courier New" panose="02070309020205020404" pitchFamily="49" charset="0"/>
+                <a:cs typeface="Courier New" panose="02070309020205020404" pitchFamily="49" charset="0"/>
+              </a:rPr>
+              <a:t>        </a:t>
+            </a:r>
+            <a:r>
+              <a:rPr lang="de-DE" altLang="de-DE" sz="1600" b="1" dirty="0" err="1">
+                <a:solidFill>
+                  <a:srgbClr val="000080"/>
+                </a:solidFill>
+                <a:latin typeface="Courier New" panose="02070309020205020404" pitchFamily="49" charset="0"/>
+                <a:cs typeface="Courier New" panose="02070309020205020404" pitchFamily="49" charset="0"/>
+              </a:rPr>
+              <a:t>if</a:t>
+            </a:r>
+            <a:r>
+              <a:rPr lang="de-DE" altLang="de-DE" sz="1600" b="1" dirty="0">
+                <a:solidFill>
+                  <a:srgbClr val="000080"/>
+                </a:solidFill>
+                <a:latin typeface="Courier New" panose="02070309020205020404" pitchFamily="49" charset="0"/>
+                <a:cs typeface="Courier New" panose="02070309020205020404" pitchFamily="49" charset="0"/>
+              </a:rPr>
+              <a:t> </a:t>
+            </a:r>
+            <a:r>
+              <a:rPr lang="de-DE" altLang="de-DE" sz="1600" dirty="0">
+                <a:solidFill>
+                  <a:srgbClr val="000000"/>
+                </a:solidFill>
+                <a:latin typeface="Courier New" panose="02070309020205020404" pitchFamily="49" charset="0"/>
+                <a:cs typeface="Courier New" panose="02070309020205020404" pitchFamily="49" charset="0"/>
+              </a:rPr>
+              <a:t>(</a:t>
+            </a:r>
+            <a:r>
+              <a:rPr lang="de-DE" altLang="de-DE" sz="1600" b="1" dirty="0">
+                <a:solidFill>
+                  <a:srgbClr val="660E7A"/>
+                </a:solidFill>
+                <a:latin typeface="Courier New" panose="02070309020205020404" pitchFamily="49" charset="0"/>
+                <a:cs typeface="Courier New" panose="02070309020205020404" pitchFamily="49" charset="0"/>
+              </a:rPr>
+              <a:t>$</a:t>
+            </a:r>
+            <a:r>
+              <a:rPr lang="de-DE" altLang="de-DE" sz="1600" dirty="0">
+                <a:solidFill>
+                  <a:srgbClr val="000000"/>
+                </a:solidFill>
+                <a:latin typeface="Courier New" panose="02070309020205020404" pitchFamily="49" charset="0"/>
+                <a:cs typeface="Courier New" panose="02070309020205020404" pitchFamily="49" charset="0"/>
+              </a:rPr>
+              <a:t>(</a:t>
+            </a:r>
+            <a:r>
+              <a:rPr lang="de-DE" altLang="de-DE" sz="1600" b="1" dirty="0">
+                <a:solidFill>
+                  <a:srgbClr val="008000"/>
+                </a:solidFill>
+                <a:latin typeface="Courier New" panose="02070309020205020404" pitchFamily="49" charset="0"/>
+                <a:cs typeface="Courier New" panose="02070309020205020404" pitchFamily="49" charset="0"/>
+              </a:rPr>
+              <a:t>'#btn31'</a:t>
+            </a:r>
+            <a:r>
+              <a:rPr lang="de-DE" altLang="de-DE" sz="1600" dirty="0">
+                <a:solidFill>
+                  <a:srgbClr val="000000"/>
+                </a:solidFill>
+                <a:latin typeface="Courier New" panose="02070309020205020404" pitchFamily="49" charset="0"/>
+                <a:cs typeface="Courier New" panose="02070309020205020404" pitchFamily="49" charset="0"/>
+              </a:rPr>
+              <a:t>).</a:t>
+            </a:r>
+            <a:r>
+              <a:rPr lang="de-DE" altLang="de-DE" sz="1600" dirty="0" err="1">
+                <a:solidFill>
+                  <a:srgbClr val="7A7A43"/>
+                </a:solidFill>
+                <a:latin typeface="Courier New" panose="02070309020205020404" pitchFamily="49" charset="0"/>
+                <a:cs typeface="Courier New" panose="02070309020205020404" pitchFamily="49" charset="0"/>
+              </a:rPr>
+              <a:t>css</a:t>
+            </a:r>
+            <a:r>
+              <a:rPr lang="de-DE" altLang="de-DE" sz="1600" dirty="0">
+                <a:solidFill>
+                  <a:srgbClr val="000000"/>
+                </a:solidFill>
+                <a:latin typeface="Courier New" panose="02070309020205020404" pitchFamily="49" charset="0"/>
+                <a:cs typeface="Courier New" panose="02070309020205020404" pitchFamily="49" charset="0"/>
+              </a:rPr>
+              <a:t>(</a:t>
+            </a:r>
+            <a:r>
+              <a:rPr lang="de-DE" altLang="de-DE" sz="1600" b="1" dirty="0">
+                <a:solidFill>
+                  <a:srgbClr val="008000"/>
+                </a:solidFill>
+                <a:latin typeface="Courier New" panose="02070309020205020404" pitchFamily="49" charset="0"/>
+                <a:cs typeface="Courier New" panose="02070309020205020404" pitchFamily="49" charset="0"/>
+              </a:rPr>
+              <a:t>'background-color'</a:t>
+            </a:r>
+            <a:r>
+              <a:rPr lang="de-DE" altLang="de-DE" sz="1600" dirty="0">
+                <a:solidFill>
+                  <a:srgbClr val="000000"/>
+                </a:solidFill>
+                <a:latin typeface="Courier New" panose="02070309020205020404" pitchFamily="49" charset="0"/>
+                <a:cs typeface="Courier New" panose="02070309020205020404" pitchFamily="49" charset="0"/>
+              </a:rPr>
+              <a:t>) === </a:t>
+            </a:r>
+            <a:r>
+              <a:rPr lang="de-DE" altLang="de-DE" sz="1600" b="1" dirty="0">
+                <a:solidFill>
+                  <a:srgbClr val="008000"/>
+                </a:solidFill>
+                <a:latin typeface="Courier New" panose="02070309020205020404" pitchFamily="49" charset="0"/>
+                <a:cs typeface="Courier New" panose="02070309020205020404" pitchFamily="49" charset="0"/>
+              </a:rPr>
+              <a:t>'</a:t>
+            </a:r>
+            <a:r>
+              <a:rPr lang="de-DE" altLang="de-DE" sz="1600" b="1" dirty="0" err="1">
+                <a:solidFill>
+                  <a:srgbClr val="008000"/>
+                </a:solidFill>
+                <a:latin typeface="Courier New" panose="02070309020205020404" pitchFamily="49" charset="0"/>
+                <a:cs typeface="Courier New" panose="02070309020205020404" pitchFamily="49" charset="0"/>
+              </a:rPr>
+              <a:t>rgb</a:t>
+            </a:r>
+            <a:r>
+              <a:rPr lang="de-DE" altLang="de-DE" sz="1600" b="1" dirty="0">
+                <a:solidFill>
+                  <a:srgbClr val="008000"/>
+                </a:solidFill>
+                <a:latin typeface="Courier New" panose="02070309020205020404" pitchFamily="49" charset="0"/>
+                <a:cs typeface="Courier New" panose="02070309020205020404" pitchFamily="49" charset="0"/>
+              </a:rPr>
+              <a:t>(255, 0, 0)'</a:t>
+            </a:r>
+            <a:r>
+              <a:rPr lang="de-DE" altLang="de-DE" sz="1600" dirty="0">
+                <a:solidFill>
+                  <a:srgbClr val="000000"/>
+                </a:solidFill>
+                <a:latin typeface="Courier New" panose="02070309020205020404" pitchFamily="49" charset="0"/>
+                <a:cs typeface="Courier New" panose="02070309020205020404" pitchFamily="49" charset="0"/>
+              </a:rPr>
+              <a:t>) {</a:t>
+            </a:r>
+            <a:br>
+              <a:rPr lang="de-DE" altLang="de-DE" sz="1600" dirty="0">
+                <a:solidFill>
+                  <a:srgbClr val="000000"/>
+                </a:solidFill>
+                <a:latin typeface="Courier New" panose="02070309020205020404" pitchFamily="49" charset="0"/>
+                <a:cs typeface="Courier New" panose="02070309020205020404" pitchFamily="49" charset="0"/>
+              </a:rPr>
+            </a:br>
+            <a:r>
+              <a:rPr lang="de-DE" altLang="de-DE" sz="1600" dirty="0">
+                <a:solidFill>
+                  <a:srgbClr val="000000"/>
+                </a:solidFill>
+                <a:latin typeface="Courier New" panose="02070309020205020404" pitchFamily="49" charset="0"/>
+                <a:cs typeface="Courier New" panose="02070309020205020404" pitchFamily="49" charset="0"/>
+              </a:rPr>
+              <a:t>            </a:t>
+            </a:r>
+            <a:r>
+              <a:rPr lang="de-DE" altLang="de-DE" sz="1600" b="1" dirty="0" err="1">
+                <a:solidFill>
+                  <a:srgbClr val="000080"/>
+                </a:solidFill>
+                <a:latin typeface="Courier New" panose="02070309020205020404" pitchFamily="49" charset="0"/>
+                <a:cs typeface="Courier New" panose="02070309020205020404" pitchFamily="49" charset="0"/>
+              </a:rPr>
+              <a:t>return</a:t>
+            </a:r>
+            <a:r>
+              <a:rPr lang="de-DE" altLang="de-DE" sz="1600" b="1" dirty="0">
+                <a:solidFill>
+                  <a:srgbClr val="000080"/>
+                </a:solidFill>
+                <a:latin typeface="Courier New" panose="02070309020205020404" pitchFamily="49" charset="0"/>
+                <a:cs typeface="Courier New" panose="02070309020205020404" pitchFamily="49" charset="0"/>
+              </a:rPr>
+              <a:t> </a:t>
+            </a:r>
+            <a:r>
+              <a:rPr lang="de-DE" altLang="de-DE" sz="1600" dirty="0" err="1">
+                <a:solidFill>
+                  <a:srgbClr val="000000"/>
+                </a:solidFill>
+                <a:latin typeface="Courier New" panose="02070309020205020404" pitchFamily="49" charset="0"/>
+                <a:cs typeface="Courier New" panose="02070309020205020404" pitchFamily="49" charset="0"/>
+              </a:rPr>
+              <a:t>upload</a:t>
+            </a:r>
+            <a:r>
+              <a:rPr lang="de-DE" altLang="de-DE" sz="1600" dirty="0">
+                <a:solidFill>
+                  <a:srgbClr val="000000"/>
+                </a:solidFill>
+                <a:latin typeface="Courier New" panose="02070309020205020404" pitchFamily="49" charset="0"/>
+                <a:cs typeface="Courier New" panose="02070309020205020404" pitchFamily="49" charset="0"/>
+              </a:rPr>
+              <a:t>(LOSE);</a:t>
+            </a:r>
+            <a:br>
+              <a:rPr lang="de-DE" altLang="de-DE" sz="1600" dirty="0">
+                <a:solidFill>
+                  <a:srgbClr val="000000"/>
+                </a:solidFill>
+                <a:latin typeface="Courier New" panose="02070309020205020404" pitchFamily="49" charset="0"/>
+                <a:cs typeface="Courier New" panose="02070309020205020404" pitchFamily="49" charset="0"/>
+              </a:rPr>
+            </a:br>
+            <a:r>
+              <a:rPr lang="de-DE" altLang="de-DE" sz="1600" dirty="0">
+                <a:solidFill>
+                  <a:srgbClr val="000000"/>
+                </a:solidFill>
+                <a:latin typeface="Courier New" panose="02070309020205020404" pitchFamily="49" charset="0"/>
+                <a:cs typeface="Courier New" panose="02070309020205020404" pitchFamily="49" charset="0"/>
+              </a:rPr>
+              <a:t>        } </a:t>
+            </a:r>
+            <a:r>
+              <a:rPr lang="de-DE" altLang="de-DE" sz="1600" b="1" dirty="0" err="1">
+                <a:solidFill>
+                  <a:srgbClr val="000080"/>
+                </a:solidFill>
+                <a:latin typeface="Courier New" panose="02070309020205020404" pitchFamily="49" charset="0"/>
+                <a:cs typeface="Courier New" panose="02070309020205020404" pitchFamily="49" charset="0"/>
+              </a:rPr>
+              <a:t>else</a:t>
+            </a:r>
+            <a:r>
+              <a:rPr lang="de-DE" altLang="de-DE" sz="1600" b="1" dirty="0">
+                <a:solidFill>
+                  <a:srgbClr val="000080"/>
+                </a:solidFill>
+                <a:latin typeface="Courier New" panose="02070309020205020404" pitchFamily="49" charset="0"/>
+                <a:cs typeface="Courier New" panose="02070309020205020404" pitchFamily="49" charset="0"/>
+              </a:rPr>
+              <a:t> </a:t>
+            </a:r>
+            <a:r>
+              <a:rPr lang="de-DE" altLang="de-DE" sz="1600" dirty="0">
+                <a:solidFill>
+                  <a:srgbClr val="000000"/>
+                </a:solidFill>
+                <a:latin typeface="Courier New" panose="02070309020205020404" pitchFamily="49" charset="0"/>
+                <a:cs typeface="Courier New" panose="02070309020205020404" pitchFamily="49" charset="0"/>
+              </a:rPr>
+              <a:t>{</a:t>
+            </a:r>
+            <a:br>
+              <a:rPr lang="de-DE" altLang="de-DE" sz="1600" dirty="0">
+                <a:solidFill>
+                  <a:srgbClr val="000000"/>
+                </a:solidFill>
+                <a:latin typeface="Courier New" panose="02070309020205020404" pitchFamily="49" charset="0"/>
+                <a:cs typeface="Courier New" panose="02070309020205020404" pitchFamily="49" charset="0"/>
+              </a:rPr>
+            </a:br>
+            <a:r>
+              <a:rPr lang="de-DE" altLang="de-DE" sz="1600" dirty="0">
+                <a:solidFill>
+                  <a:srgbClr val="000000"/>
+                </a:solidFill>
+                <a:latin typeface="Courier New" panose="02070309020205020404" pitchFamily="49" charset="0"/>
+                <a:cs typeface="Courier New" panose="02070309020205020404" pitchFamily="49" charset="0"/>
+              </a:rPr>
+              <a:t>            </a:t>
+            </a:r>
+            <a:r>
+              <a:rPr lang="de-DE" altLang="de-DE" sz="1600" b="1" dirty="0" err="1">
+                <a:solidFill>
+                  <a:srgbClr val="000080"/>
+                </a:solidFill>
+                <a:latin typeface="Courier New" panose="02070309020205020404" pitchFamily="49" charset="0"/>
+                <a:cs typeface="Courier New" panose="02070309020205020404" pitchFamily="49" charset="0"/>
+              </a:rPr>
+              <a:t>return</a:t>
+            </a:r>
+            <a:r>
+              <a:rPr lang="de-DE" altLang="de-DE" sz="1600" b="1" dirty="0">
+                <a:solidFill>
+                  <a:srgbClr val="000080"/>
+                </a:solidFill>
+                <a:latin typeface="Courier New" panose="02070309020205020404" pitchFamily="49" charset="0"/>
+                <a:cs typeface="Courier New" panose="02070309020205020404" pitchFamily="49" charset="0"/>
+              </a:rPr>
+              <a:t> </a:t>
+            </a:r>
+            <a:r>
+              <a:rPr lang="de-DE" altLang="de-DE" sz="1600" dirty="0" err="1">
+                <a:solidFill>
+                  <a:srgbClr val="000000"/>
+                </a:solidFill>
+                <a:latin typeface="Courier New" panose="02070309020205020404" pitchFamily="49" charset="0"/>
+                <a:cs typeface="Courier New" panose="02070309020205020404" pitchFamily="49" charset="0"/>
+              </a:rPr>
+              <a:t>upload</a:t>
+            </a:r>
+            <a:r>
+              <a:rPr lang="de-DE" altLang="de-DE" sz="1600" dirty="0">
+                <a:solidFill>
+                  <a:srgbClr val="000000"/>
+                </a:solidFill>
+                <a:latin typeface="Courier New" panose="02070309020205020404" pitchFamily="49" charset="0"/>
+                <a:cs typeface="Courier New" panose="02070309020205020404" pitchFamily="49" charset="0"/>
+              </a:rPr>
+              <a:t>(WIN);</a:t>
+            </a:r>
+            <a:br>
+              <a:rPr lang="de-DE" altLang="de-DE" sz="1600" dirty="0">
+                <a:solidFill>
+                  <a:srgbClr val="000000"/>
+                </a:solidFill>
+                <a:latin typeface="Courier New" panose="02070309020205020404" pitchFamily="49" charset="0"/>
+                <a:cs typeface="Courier New" panose="02070309020205020404" pitchFamily="49" charset="0"/>
+              </a:rPr>
+            </a:br>
+            <a:r>
+              <a:rPr lang="de-DE" altLang="de-DE" sz="1600" dirty="0">
+                <a:solidFill>
+                  <a:srgbClr val="000000"/>
+                </a:solidFill>
+                <a:latin typeface="Courier New" panose="02070309020205020404" pitchFamily="49" charset="0"/>
+                <a:cs typeface="Courier New" panose="02070309020205020404" pitchFamily="49" charset="0"/>
+              </a:rPr>
+              <a:t>        }</a:t>
+            </a:r>
+            <a:br>
+              <a:rPr lang="de-DE" altLang="de-DE" sz="1600" dirty="0">
+                <a:solidFill>
+                  <a:srgbClr val="000000"/>
+                </a:solidFill>
+                <a:latin typeface="Courier New" panose="02070309020205020404" pitchFamily="49" charset="0"/>
+                <a:cs typeface="Courier New" panose="02070309020205020404" pitchFamily="49" charset="0"/>
+              </a:rPr>
+            </a:br>
+            <a:r>
+              <a:rPr lang="de-DE" altLang="de-DE" sz="1600" dirty="0">
+                <a:solidFill>
+                  <a:srgbClr val="000000"/>
+                </a:solidFill>
+                <a:latin typeface="Courier New" panose="02070309020205020404" pitchFamily="49" charset="0"/>
+                <a:cs typeface="Courier New" panose="02070309020205020404" pitchFamily="49" charset="0"/>
+              </a:rPr>
+              <a:t>    }</a:t>
+            </a:r>
+            <a:br>
+              <a:rPr lang="de-DE" altLang="de-DE" sz="1600" dirty="0">
+                <a:solidFill>
+                  <a:srgbClr val="000000"/>
+                </a:solidFill>
+                <a:latin typeface="Courier New" panose="02070309020205020404" pitchFamily="49" charset="0"/>
+                <a:cs typeface="Courier New" panose="02070309020205020404" pitchFamily="49" charset="0"/>
+              </a:rPr>
+            </a:br>
+            <a:r>
+              <a:rPr lang="de-DE" altLang="de-DE" sz="1600" dirty="0">
+                <a:solidFill>
+                  <a:srgbClr val="000000"/>
+                </a:solidFill>
+                <a:latin typeface="Courier New" panose="02070309020205020404" pitchFamily="49" charset="0"/>
+                <a:cs typeface="Courier New" panose="02070309020205020404" pitchFamily="49" charset="0"/>
+              </a:rPr>
+              <a:t>    </a:t>
+            </a:r>
+            <a:r>
+              <a:rPr lang="de-DE" altLang="de-DE" sz="1600" b="1" dirty="0" err="1">
+                <a:solidFill>
+                  <a:srgbClr val="000080"/>
+                </a:solidFill>
+                <a:latin typeface="Courier New" panose="02070309020205020404" pitchFamily="49" charset="0"/>
+                <a:cs typeface="Courier New" panose="02070309020205020404" pitchFamily="49" charset="0"/>
+              </a:rPr>
+              <a:t>return</a:t>
+            </a:r>
+            <a:r>
+              <a:rPr lang="de-DE" altLang="de-DE" sz="1600" b="1" dirty="0">
+                <a:solidFill>
+                  <a:srgbClr val="000080"/>
+                </a:solidFill>
+                <a:latin typeface="Courier New" panose="02070309020205020404" pitchFamily="49" charset="0"/>
+                <a:cs typeface="Courier New" panose="02070309020205020404" pitchFamily="49" charset="0"/>
+              </a:rPr>
+              <a:t> </a:t>
+            </a:r>
+            <a:r>
+              <a:rPr lang="de-DE" altLang="de-DE" sz="1600" b="1" dirty="0" err="1">
+                <a:solidFill>
+                  <a:srgbClr val="000080"/>
+                </a:solidFill>
+                <a:latin typeface="Courier New" panose="02070309020205020404" pitchFamily="49" charset="0"/>
+                <a:cs typeface="Courier New" panose="02070309020205020404" pitchFamily="49" charset="0"/>
+              </a:rPr>
+              <a:t>false</a:t>
+            </a:r>
+            <a:r>
+              <a:rPr lang="de-DE" altLang="de-DE" sz="1600" dirty="0">
+                <a:solidFill>
+                  <a:srgbClr val="000000"/>
+                </a:solidFill>
+                <a:latin typeface="Courier New" panose="02070309020205020404" pitchFamily="49" charset="0"/>
+                <a:cs typeface="Courier New" panose="02070309020205020404" pitchFamily="49" charset="0"/>
+              </a:rPr>
+              <a:t>;</a:t>
+            </a:r>
+            <a:br>
+              <a:rPr lang="de-DE" altLang="de-DE" sz="1600" dirty="0">
+                <a:solidFill>
+                  <a:srgbClr val="000000"/>
+                </a:solidFill>
+                <a:latin typeface="Courier New" panose="02070309020205020404" pitchFamily="49" charset="0"/>
+                <a:cs typeface="Courier New" panose="02070309020205020404" pitchFamily="49" charset="0"/>
+              </a:rPr>
+            </a:br>
+            <a:r>
+              <a:rPr lang="de-DE" altLang="de-DE" sz="1600" dirty="0" smtClean="0">
+                <a:solidFill>
+                  <a:srgbClr val="000000"/>
+                </a:solidFill>
+                <a:latin typeface="Courier New" panose="02070309020205020404" pitchFamily="49" charset="0"/>
+                <a:cs typeface="Courier New" panose="02070309020205020404" pitchFamily="49" charset="0"/>
+              </a:rPr>
+              <a:t>}</a:t>
+            </a:r>
+            <a:endParaRPr lang="de-DE" altLang="de-DE" sz="1600" dirty="0">
+              <a:latin typeface="Arial" panose="020B0604020202020204" pitchFamily="34" charset="0"/>
+            </a:endParaRPr>
+          </a:p>
+        </p:txBody>
+      </p:sp>
+    </p:spTree>
+    <p:extLst>
+      <p:ext uri="{BB962C8B-B14F-4D97-AF65-F5344CB8AC3E}">
+        <p14:creationId xmlns:p14="http://schemas.microsoft.com/office/powerpoint/2010/main" val="2911609302"/>
+      </p:ext>
+    </p:extLst>
+  </p:cSld>
+  <p:clrMapOvr>
+    <a:masterClrMapping/>
+  </p:clrMapOvr>
+  <p:timing>
+    <p:tnLst>
+      <p:par>
+        <p:cTn id="1" dur="indefinite" restart="never" nodeType="tmRoot"/>
+      </p:par>
+    </p:tnLst>
+  </p:timing>
+</p:sld>
+</file>
+
+<file path=ppt/slides/slide5.xml><?xml version="1.0" encoding="utf-8"?>
+<p:sld xmlns:a="http://schemas.openxmlformats.org/drawingml/2006/main" xmlns:r="http://schemas.openxmlformats.org/officeDocument/2006/relationships" xmlns:p="http://schemas.openxmlformats.org/presentationml/2006/main">
+  <p:cSld>
+    <p:spTree>
+      <p:nvGrpSpPr>
+        <p:cNvPr id="1" name=""/>
+        <p:cNvGrpSpPr/>
+        <p:nvPr/>
+      </p:nvGrpSpPr>
+      <p:grpSpPr>
+        <a:xfrm>
+          <a:off x="0" y="0"/>
+          <a:ext cx="0" cy="0"/>
+          <a:chOff x="0" y="0"/>
+          <a:chExt cx="0" cy="0"/>
+        </a:xfrm>
+      </p:grpSpPr>
+      <p:sp>
+        <p:nvSpPr>
+          <p:cNvPr id="2" name="Titel 1"/>
+          <p:cNvSpPr>
+            <a:spLocks noGrp="1"/>
+          </p:cNvSpPr>
+          <p:nvPr>
+            <p:ph type="title"/>
+          </p:nvPr>
+        </p:nvSpPr>
+        <p:spPr/>
+        <p:txBody>
+          <a:bodyPr/>
+          <a:lstStyle/>
+          <a:p>
+            <a:r>
+              <a:rPr lang="de-DE" dirty="0" smtClean="0"/>
+              <a:t>Lange Kommentar mit /*</a:t>
+            </a:r>
+            <a:br>
+              <a:rPr lang="de-DE" dirty="0" smtClean="0"/>
+            </a:br>
+            <a:r>
+              <a:rPr lang="de-DE" dirty="0" smtClean="0"/>
+              <a:t>kurze mit //</a:t>
+            </a:r>
+            <a:endParaRPr lang="de-DE" dirty="0"/>
+          </a:p>
+        </p:txBody>
+      </p:sp>
+      <p:sp>
+        <p:nvSpPr>
+          <p:cNvPr id="6" name="Textfeld 5"/>
+          <p:cNvSpPr txBox="1"/>
+          <p:nvPr/>
+        </p:nvSpPr>
+        <p:spPr>
+          <a:xfrm>
+            <a:off x="2592925" y="3439087"/>
+            <a:ext cx="1877437" cy="2862322"/>
+          </a:xfrm>
+          <a:prstGeom prst="rect">
+            <a:avLst/>
+          </a:prstGeom>
+          <a:noFill/>
+        </p:spPr>
+        <p:txBody>
+          <a:bodyPr wrap="none" rtlCol="0">
+            <a:spAutoFit/>
+          </a:bodyPr>
+          <a:lstStyle/>
+          <a:p>
+            <a:pPr lvl="0"/>
+            <a:r>
+              <a:rPr lang="de-DE" altLang="de-DE" sz="2000" i="1" dirty="0">
+                <a:solidFill>
+                  <a:srgbClr val="808080"/>
+                </a:solidFill>
+                <a:latin typeface="Courier New" panose="02070309020205020404" pitchFamily="49" charset="0"/>
+                <a:cs typeface="Courier New" panose="02070309020205020404" pitchFamily="49" charset="0"/>
+              </a:rPr>
+              <a:t>//Das </a:t>
+            </a:r>
+            <a:br>
+              <a:rPr lang="de-DE" altLang="de-DE" sz="2000" i="1" dirty="0">
+                <a:solidFill>
+                  <a:srgbClr val="808080"/>
+                </a:solidFill>
+                <a:latin typeface="Courier New" panose="02070309020205020404" pitchFamily="49" charset="0"/>
+                <a:cs typeface="Courier New" panose="02070309020205020404" pitchFamily="49" charset="0"/>
+              </a:rPr>
+            </a:br>
+            <a:r>
+              <a:rPr lang="de-DE" altLang="de-DE" sz="2000" i="1" dirty="0">
+                <a:solidFill>
+                  <a:srgbClr val="808080"/>
+                </a:solidFill>
+                <a:latin typeface="Courier New" panose="02070309020205020404" pitchFamily="49" charset="0"/>
+                <a:cs typeface="Courier New" panose="02070309020205020404" pitchFamily="49" charset="0"/>
+              </a:rPr>
+              <a:t>//ist</a:t>
+            </a:r>
+            <a:br>
+              <a:rPr lang="de-DE" altLang="de-DE" sz="2000" i="1" dirty="0">
+                <a:solidFill>
+                  <a:srgbClr val="808080"/>
+                </a:solidFill>
+                <a:latin typeface="Courier New" panose="02070309020205020404" pitchFamily="49" charset="0"/>
+                <a:cs typeface="Courier New" panose="02070309020205020404" pitchFamily="49" charset="0"/>
+              </a:rPr>
+            </a:br>
+            <a:r>
+              <a:rPr lang="de-DE" altLang="de-DE" sz="2000" i="1" dirty="0">
+                <a:solidFill>
+                  <a:srgbClr val="808080"/>
+                </a:solidFill>
+                <a:latin typeface="Courier New" panose="02070309020205020404" pitchFamily="49" charset="0"/>
+                <a:cs typeface="Courier New" panose="02070309020205020404" pitchFamily="49" charset="0"/>
+              </a:rPr>
+              <a:t>//ein </a:t>
+            </a:r>
+            <a:br>
+              <a:rPr lang="de-DE" altLang="de-DE" sz="2000" i="1" dirty="0">
+                <a:solidFill>
+                  <a:srgbClr val="808080"/>
+                </a:solidFill>
+                <a:latin typeface="Courier New" panose="02070309020205020404" pitchFamily="49" charset="0"/>
+                <a:cs typeface="Courier New" panose="02070309020205020404" pitchFamily="49" charset="0"/>
+              </a:rPr>
+            </a:br>
+            <a:r>
+              <a:rPr lang="de-DE" altLang="de-DE" sz="2000" i="1" dirty="0">
+                <a:solidFill>
+                  <a:srgbClr val="808080"/>
+                </a:solidFill>
+                <a:latin typeface="Courier New" panose="02070309020205020404" pitchFamily="49" charset="0"/>
+                <a:cs typeface="Courier New" panose="02070309020205020404" pitchFamily="49" charset="0"/>
+              </a:rPr>
+              <a:t>//sehr </a:t>
+            </a:r>
+            <a:br>
+              <a:rPr lang="de-DE" altLang="de-DE" sz="2000" i="1" dirty="0">
+                <a:solidFill>
+                  <a:srgbClr val="808080"/>
+                </a:solidFill>
+                <a:latin typeface="Courier New" panose="02070309020205020404" pitchFamily="49" charset="0"/>
+                <a:cs typeface="Courier New" panose="02070309020205020404" pitchFamily="49" charset="0"/>
+              </a:rPr>
+            </a:br>
+            <a:r>
+              <a:rPr lang="de-DE" altLang="de-DE" sz="2000" i="1" dirty="0">
+                <a:solidFill>
+                  <a:srgbClr val="808080"/>
+                </a:solidFill>
+                <a:latin typeface="Courier New" panose="02070309020205020404" pitchFamily="49" charset="0"/>
+                <a:cs typeface="Courier New" panose="02070309020205020404" pitchFamily="49" charset="0"/>
+              </a:rPr>
+              <a:t>//sehr</a:t>
+            </a:r>
+            <a:br>
+              <a:rPr lang="de-DE" altLang="de-DE" sz="2000" i="1" dirty="0">
+                <a:solidFill>
+                  <a:srgbClr val="808080"/>
+                </a:solidFill>
+                <a:latin typeface="Courier New" panose="02070309020205020404" pitchFamily="49" charset="0"/>
+                <a:cs typeface="Courier New" panose="02070309020205020404" pitchFamily="49" charset="0"/>
+              </a:rPr>
+            </a:br>
+            <a:r>
+              <a:rPr lang="de-DE" altLang="de-DE" sz="2000" i="1" dirty="0">
+                <a:solidFill>
+                  <a:srgbClr val="808080"/>
+                </a:solidFill>
+                <a:latin typeface="Courier New" panose="02070309020205020404" pitchFamily="49" charset="0"/>
+                <a:cs typeface="Courier New" panose="02070309020205020404" pitchFamily="49" charset="0"/>
+              </a:rPr>
+              <a:t>//sehr </a:t>
+            </a:r>
+            <a:br>
+              <a:rPr lang="de-DE" altLang="de-DE" sz="2000" i="1" dirty="0">
+                <a:solidFill>
+                  <a:srgbClr val="808080"/>
+                </a:solidFill>
+                <a:latin typeface="Courier New" panose="02070309020205020404" pitchFamily="49" charset="0"/>
+                <a:cs typeface="Courier New" panose="02070309020205020404" pitchFamily="49" charset="0"/>
+              </a:rPr>
+            </a:br>
+            <a:r>
+              <a:rPr lang="de-DE" altLang="de-DE" sz="2000" i="1" dirty="0">
+                <a:solidFill>
+                  <a:srgbClr val="808080"/>
+                </a:solidFill>
+                <a:latin typeface="Courier New" panose="02070309020205020404" pitchFamily="49" charset="0"/>
+                <a:cs typeface="Courier New" panose="02070309020205020404" pitchFamily="49" charset="0"/>
+              </a:rPr>
+              <a:t>//langer</a:t>
+            </a:r>
+            <a:br>
+              <a:rPr lang="de-DE" altLang="de-DE" sz="2000" i="1" dirty="0">
+                <a:solidFill>
+                  <a:srgbClr val="808080"/>
+                </a:solidFill>
+                <a:latin typeface="Courier New" panose="02070309020205020404" pitchFamily="49" charset="0"/>
+                <a:cs typeface="Courier New" panose="02070309020205020404" pitchFamily="49" charset="0"/>
+              </a:rPr>
+            </a:br>
+            <a:r>
+              <a:rPr lang="de-DE" altLang="de-DE" sz="2000" i="1" dirty="0">
+                <a:solidFill>
+                  <a:srgbClr val="808080"/>
+                </a:solidFill>
+                <a:latin typeface="Courier New" panose="02070309020205020404" pitchFamily="49" charset="0"/>
+                <a:cs typeface="Courier New" panose="02070309020205020404" pitchFamily="49" charset="0"/>
+              </a:rPr>
+              <a:t>//Kommentar</a:t>
+            </a:r>
+            <a:endParaRPr lang="de-DE" altLang="de-DE" sz="2000" dirty="0">
+              <a:latin typeface="Arial" panose="020B0604020202020204" pitchFamily="34" charset="0"/>
+            </a:endParaRPr>
+          </a:p>
+          <a:p>
+            <a:endParaRPr lang="de-DE" sz="2000" dirty="0"/>
+          </a:p>
+        </p:txBody>
+      </p:sp>
+      <p:sp>
+        <p:nvSpPr>
+          <p:cNvPr id="7" name="Textfeld 6"/>
+          <p:cNvSpPr txBox="1"/>
+          <p:nvPr/>
+        </p:nvSpPr>
+        <p:spPr>
+          <a:xfrm>
+            <a:off x="5862726" y="3439087"/>
+            <a:ext cx="1569660" cy="2862322"/>
+          </a:xfrm>
+          <a:prstGeom prst="rect">
+            <a:avLst/>
+          </a:prstGeom>
+          <a:noFill/>
+        </p:spPr>
+        <p:txBody>
+          <a:bodyPr wrap="none" rtlCol="0">
+            <a:spAutoFit/>
+          </a:bodyPr>
+          <a:lstStyle/>
+          <a:p>
+            <a:pPr lvl="0" eaLnBrk="0" fontAlgn="base" hangingPunct="0">
+              <a:spcBef>
+                <a:spcPct val="0"/>
+              </a:spcBef>
+              <a:spcAft>
+                <a:spcPct val="0"/>
+              </a:spcAft>
+            </a:pPr>
+            <a:r>
+              <a:rPr lang="de-DE" altLang="de-DE" sz="2000" i="1" dirty="0">
+                <a:solidFill>
+                  <a:srgbClr val="808080"/>
+                </a:solidFill>
+                <a:latin typeface="Courier New" panose="02070309020205020404" pitchFamily="49" charset="0"/>
+                <a:cs typeface="Courier New" panose="02070309020205020404" pitchFamily="49" charset="0"/>
+              </a:rPr>
+              <a:t>/*Das</a:t>
+            </a:r>
+            <a:br>
+              <a:rPr lang="de-DE" altLang="de-DE" sz="2000" i="1" dirty="0">
+                <a:solidFill>
+                  <a:srgbClr val="808080"/>
+                </a:solidFill>
+                <a:latin typeface="Courier New" panose="02070309020205020404" pitchFamily="49" charset="0"/>
+                <a:cs typeface="Courier New" panose="02070309020205020404" pitchFamily="49" charset="0"/>
+              </a:rPr>
+            </a:br>
+            <a:r>
+              <a:rPr lang="de-DE" altLang="de-DE" sz="2000" i="1" dirty="0">
+                <a:solidFill>
+                  <a:srgbClr val="808080"/>
+                </a:solidFill>
+                <a:latin typeface="Courier New" panose="02070309020205020404" pitchFamily="49" charset="0"/>
+                <a:cs typeface="Courier New" panose="02070309020205020404" pitchFamily="49" charset="0"/>
+              </a:rPr>
+              <a:t>ist</a:t>
+            </a:r>
+            <a:br>
+              <a:rPr lang="de-DE" altLang="de-DE" sz="2000" i="1" dirty="0">
+                <a:solidFill>
+                  <a:srgbClr val="808080"/>
+                </a:solidFill>
+                <a:latin typeface="Courier New" panose="02070309020205020404" pitchFamily="49" charset="0"/>
+                <a:cs typeface="Courier New" panose="02070309020205020404" pitchFamily="49" charset="0"/>
+              </a:rPr>
+            </a:br>
+            <a:r>
+              <a:rPr lang="de-DE" altLang="de-DE" sz="2000" i="1" dirty="0">
+                <a:solidFill>
+                  <a:srgbClr val="808080"/>
+                </a:solidFill>
+                <a:latin typeface="Courier New" panose="02070309020205020404" pitchFamily="49" charset="0"/>
+                <a:cs typeface="Courier New" panose="02070309020205020404" pitchFamily="49" charset="0"/>
+              </a:rPr>
+              <a:t>ein</a:t>
+            </a:r>
+            <a:br>
+              <a:rPr lang="de-DE" altLang="de-DE" sz="2000" i="1" dirty="0">
+                <a:solidFill>
+                  <a:srgbClr val="808080"/>
+                </a:solidFill>
+                <a:latin typeface="Courier New" panose="02070309020205020404" pitchFamily="49" charset="0"/>
+                <a:cs typeface="Courier New" panose="02070309020205020404" pitchFamily="49" charset="0"/>
+              </a:rPr>
+            </a:br>
+            <a:r>
+              <a:rPr lang="de-DE" altLang="de-DE" sz="2000" i="1" dirty="0">
+                <a:solidFill>
+                  <a:srgbClr val="808080"/>
+                </a:solidFill>
+                <a:latin typeface="Courier New" panose="02070309020205020404" pitchFamily="49" charset="0"/>
+                <a:cs typeface="Courier New" panose="02070309020205020404" pitchFamily="49" charset="0"/>
+              </a:rPr>
+              <a:t>sehr</a:t>
+            </a:r>
+            <a:br>
+              <a:rPr lang="de-DE" altLang="de-DE" sz="2000" i="1" dirty="0">
+                <a:solidFill>
+                  <a:srgbClr val="808080"/>
+                </a:solidFill>
+                <a:latin typeface="Courier New" panose="02070309020205020404" pitchFamily="49" charset="0"/>
+                <a:cs typeface="Courier New" panose="02070309020205020404" pitchFamily="49" charset="0"/>
+              </a:rPr>
+            </a:br>
+            <a:r>
+              <a:rPr lang="de-DE" altLang="de-DE" sz="2000" i="1" dirty="0" err="1">
+                <a:solidFill>
+                  <a:srgbClr val="808080"/>
+                </a:solidFill>
+                <a:latin typeface="Courier New" panose="02070309020205020404" pitchFamily="49" charset="0"/>
+                <a:cs typeface="Courier New" panose="02070309020205020404" pitchFamily="49" charset="0"/>
+              </a:rPr>
+              <a:t>sehr</a:t>
+            </a:r>
+            <a:r>
+              <a:rPr lang="de-DE" altLang="de-DE" sz="2000" i="1" dirty="0">
+                <a:solidFill>
+                  <a:srgbClr val="808080"/>
+                </a:solidFill>
+                <a:latin typeface="Courier New" panose="02070309020205020404" pitchFamily="49" charset="0"/>
+                <a:cs typeface="Courier New" panose="02070309020205020404" pitchFamily="49" charset="0"/>
+              </a:rPr>
+              <a:t/>
+            </a:r>
+            <a:br>
+              <a:rPr lang="de-DE" altLang="de-DE" sz="2000" i="1" dirty="0">
+                <a:solidFill>
+                  <a:srgbClr val="808080"/>
+                </a:solidFill>
+                <a:latin typeface="Courier New" panose="02070309020205020404" pitchFamily="49" charset="0"/>
+                <a:cs typeface="Courier New" panose="02070309020205020404" pitchFamily="49" charset="0"/>
+              </a:rPr>
+            </a:br>
+            <a:r>
+              <a:rPr lang="de-DE" altLang="de-DE" sz="2000" i="1" dirty="0" err="1">
+                <a:solidFill>
+                  <a:srgbClr val="808080"/>
+                </a:solidFill>
+                <a:latin typeface="Courier New" panose="02070309020205020404" pitchFamily="49" charset="0"/>
+                <a:cs typeface="Courier New" panose="02070309020205020404" pitchFamily="49" charset="0"/>
+              </a:rPr>
+              <a:t>sehr</a:t>
+            </a:r>
+            <a:r>
+              <a:rPr lang="de-DE" altLang="de-DE" sz="2000" i="1" dirty="0">
+                <a:solidFill>
+                  <a:srgbClr val="808080"/>
+                </a:solidFill>
+                <a:latin typeface="Courier New" panose="02070309020205020404" pitchFamily="49" charset="0"/>
+                <a:cs typeface="Courier New" panose="02070309020205020404" pitchFamily="49" charset="0"/>
+              </a:rPr>
+              <a:t/>
+            </a:r>
+            <a:br>
+              <a:rPr lang="de-DE" altLang="de-DE" sz="2000" i="1" dirty="0">
+                <a:solidFill>
+                  <a:srgbClr val="808080"/>
+                </a:solidFill>
+                <a:latin typeface="Courier New" panose="02070309020205020404" pitchFamily="49" charset="0"/>
+                <a:cs typeface="Courier New" panose="02070309020205020404" pitchFamily="49" charset="0"/>
+              </a:rPr>
+            </a:br>
+            <a:r>
+              <a:rPr lang="de-DE" altLang="de-DE" sz="2000" i="1" dirty="0">
+                <a:solidFill>
+                  <a:srgbClr val="808080"/>
+                </a:solidFill>
+                <a:latin typeface="Courier New" panose="02070309020205020404" pitchFamily="49" charset="0"/>
+                <a:cs typeface="Courier New" panose="02070309020205020404" pitchFamily="49" charset="0"/>
+              </a:rPr>
+              <a:t>langer</a:t>
+            </a:r>
+            <a:br>
+              <a:rPr lang="de-DE" altLang="de-DE" sz="2000" i="1" dirty="0">
+                <a:solidFill>
+                  <a:srgbClr val="808080"/>
+                </a:solidFill>
+                <a:latin typeface="Courier New" panose="02070309020205020404" pitchFamily="49" charset="0"/>
+                <a:cs typeface="Courier New" panose="02070309020205020404" pitchFamily="49" charset="0"/>
+              </a:rPr>
+            </a:br>
+            <a:r>
+              <a:rPr lang="de-DE" altLang="de-DE" sz="2000" i="1" dirty="0">
+                <a:solidFill>
+                  <a:srgbClr val="808080"/>
+                </a:solidFill>
+                <a:latin typeface="Courier New" panose="02070309020205020404" pitchFamily="49" charset="0"/>
+                <a:cs typeface="Courier New" panose="02070309020205020404" pitchFamily="49" charset="0"/>
+              </a:rPr>
+              <a:t>Kommentar</a:t>
+            </a:r>
+            <a:br>
+              <a:rPr lang="de-DE" altLang="de-DE" sz="2000" i="1" dirty="0">
+                <a:solidFill>
+                  <a:srgbClr val="808080"/>
+                </a:solidFill>
+                <a:latin typeface="Courier New" panose="02070309020205020404" pitchFamily="49" charset="0"/>
+                <a:cs typeface="Courier New" panose="02070309020205020404" pitchFamily="49" charset="0"/>
+              </a:rPr>
+            </a:br>
+            <a:r>
+              <a:rPr lang="de-DE" altLang="de-DE" sz="2000" i="1" dirty="0">
+                <a:solidFill>
+                  <a:srgbClr val="808080"/>
+                </a:solidFill>
+                <a:latin typeface="Courier New" panose="02070309020205020404" pitchFamily="49" charset="0"/>
+                <a:cs typeface="Courier New" panose="02070309020205020404" pitchFamily="49" charset="0"/>
+              </a:rPr>
+              <a:t> */</a:t>
+            </a:r>
+            <a:endParaRPr lang="de-DE" altLang="de-DE" sz="2000" dirty="0">
+              <a:latin typeface="Arial" panose="020B0604020202020204" pitchFamily="34" charset="0"/>
+            </a:endParaRPr>
+          </a:p>
+        </p:txBody>
+      </p:sp>
+      <p:sp>
+        <p:nvSpPr>
+          <p:cNvPr id="10" name="Rectangle 3"/>
+          <p:cNvSpPr>
+            <a:spLocks noChangeArrowheads="1"/>
+          </p:cNvSpPr>
+          <p:nvPr/>
+        </p:nvSpPr>
+        <p:spPr bwMode="auto">
+          <a:xfrm>
+            <a:off x="755373" y="-1018312"/>
+            <a:ext cx="184731" cy="369332"/>
+          </a:xfrm>
+          <a:prstGeom prst="rect">
+            <a:avLst/>
+          </a:prstGeom>
+          <a:solidFill>
+            <a:srgbClr val="FFFFFF"/>
+          </a:solidFill>
+          <a:ln>
+            <a:noFill/>
+          </a:ln>
+          <a:effectLst/>
+          <a:extLst>
+            <a:ext uri="{91240B29-F687-4F45-9708-019B960494DF}">
+              <a14:hiddenLine xmlns:a14="http://schemas.microsoft.com/office/drawing/2010/main" w="9525">
+                <a:solidFill>
+                  <a:schemeClr val="tx1"/>
+                </a:solidFill>
+                <a:miter lim="800000"/>
+                <a:headEnd/>
+                <a:tailEnd/>
+              </a14:hiddenLine>
+            </a:ext>
+            <a:ext uri="{AF507438-7753-43E0-B8FC-AC1667EBCBE1}">
+              <a14:hiddenEffects xmlns:a14="http://schemas.microsoft.com/office/drawing/2010/main">
+                <a:effectLst>
+                  <a:outerShdw dist="35921" dir="2700000" algn="ctr" rotWithShape="0">
+                    <a:schemeClr val="bg2"/>
+                  </a:outerShdw>
+                </a:effectLst>
+              </a14:hiddenEffects>
+            </a:ext>
+          </a:extLst>
+        </p:spPr>
+        <p:txBody>
+          <a:bodyPr vert="horz" wrap="none" lIns="91440" tIns="45720" rIns="91440" bIns="45720" numCol="1" anchor="ctr" anchorCtr="0" compatLnSpc="1">
+            <a:prstTxWarp prst="textNoShape">
+              <a:avLst/>
+            </a:prstTxWarp>
+            <a:spAutoFit/>
+          </a:bodyPr>
+          <a:lstStyle/>
+          <a:p>
+            <a:pPr marL="0" marR="0" lvl="0" indent="0" algn="l" defTabSz="914400" rtl="0" eaLnBrk="0" fontAlgn="base" latinLnBrk="0" hangingPunct="0">
+              <a:lnSpc>
+                <a:spcPct val="100000"/>
+              </a:lnSpc>
+              <a:spcBef>
+                <a:spcPct val="0"/>
+              </a:spcBef>
+              <a:spcAft>
+                <a:spcPct val="0"/>
+              </a:spcAft>
+              <a:buClrTx/>
+              <a:buSzTx/>
+              <a:buFontTx/>
+              <a:buNone/>
+              <a:tabLst/>
+            </a:pPr>
+            <a:endParaRPr kumimoji="0" lang="de-DE" altLang="de-DE" sz="1800" b="0" i="0" u="none" strike="noStrike" cap="none" normalizeH="0" baseline="0" dirty="0" smtClean="0">
+              <a:ln>
+                <a:noFill/>
+              </a:ln>
+              <a:solidFill>
+                <a:schemeClr val="tx1"/>
+              </a:solidFill>
+              <a:effectLst/>
+              <a:latin typeface="Arial" panose="020B0604020202020204" pitchFamily="34" charset="0"/>
+            </a:endParaRPr>
+          </a:p>
+        </p:txBody>
+      </p:sp>
+      <p:sp>
+        <p:nvSpPr>
+          <p:cNvPr id="11" name="Textfeld 10"/>
+          <p:cNvSpPr txBox="1"/>
+          <p:nvPr/>
+        </p:nvSpPr>
+        <p:spPr>
+          <a:xfrm>
+            <a:off x="2397622" y="2323739"/>
+            <a:ext cx="2666114" cy="369332"/>
+          </a:xfrm>
+          <a:prstGeom prst="rect">
+            <a:avLst/>
+          </a:prstGeom>
+          <a:noFill/>
+        </p:spPr>
+        <p:txBody>
+          <a:bodyPr wrap="none" rtlCol="0">
+            <a:spAutoFit/>
+          </a:bodyPr>
+          <a:lstStyle/>
+          <a:p>
+            <a:pPr lvl="0"/>
+            <a:r>
+              <a:rPr lang="de-DE" altLang="de-DE" i="1" dirty="0">
+                <a:solidFill>
+                  <a:srgbClr val="808080"/>
+                </a:solidFill>
+                <a:latin typeface="Courier New" panose="02070309020205020404" pitchFamily="49" charset="0"/>
+                <a:cs typeface="Courier New" panose="02070309020205020404" pitchFamily="49" charset="0"/>
+              </a:rPr>
+              <a:t>//kurzer </a:t>
+            </a:r>
+            <a:r>
+              <a:rPr lang="de-DE" altLang="de-DE" i="1" dirty="0" smtClean="0">
+                <a:solidFill>
+                  <a:srgbClr val="808080"/>
+                </a:solidFill>
+                <a:latin typeface="Courier New" panose="02070309020205020404" pitchFamily="49" charset="0"/>
+                <a:cs typeface="Courier New" panose="02070309020205020404" pitchFamily="49" charset="0"/>
+              </a:rPr>
+              <a:t>Kommentar</a:t>
+            </a:r>
+            <a:endParaRPr lang="de-DE" dirty="0"/>
+          </a:p>
+        </p:txBody>
+      </p:sp>
+      <p:sp>
+        <p:nvSpPr>
+          <p:cNvPr id="13" name="Textfeld 12"/>
+          <p:cNvSpPr txBox="1"/>
+          <p:nvPr/>
+        </p:nvSpPr>
+        <p:spPr>
+          <a:xfrm>
+            <a:off x="5856440" y="2323739"/>
+            <a:ext cx="3151892" cy="369332"/>
+          </a:xfrm>
+          <a:prstGeom prst="rect">
+            <a:avLst/>
+          </a:prstGeom>
+          <a:noFill/>
+        </p:spPr>
+        <p:txBody>
+          <a:bodyPr wrap="square" rtlCol="0">
+            <a:spAutoFit/>
+          </a:bodyPr>
+          <a:lstStyle/>
+          <a:p>
+            <a:pPr lvl="0"/>
+            <a:r>
+              <a:rPr lang="de-DE" altLang="de-DE" i="1" dirty="0">
+                <a:solidFill>
+                  <a:srgbClr val="808080"/>
+                </a:solidFill>
+                <a:latin typeface="Courier New" panose="02070309020205020404" pitchFamily="49" charset="0"/>
+                <a:cs typeface="Courier New" panose="02070309020205020404" pitchFamily="49" charset="0"/>
+              </a:rPr>
+              <a:t>/*kurzer Kommentar </a:t>
+            </a:r>
+            <a:r>
+              <a:rPr lang="de-DE" altLang="de-DE" i="1" dirty="0" smtClean="0">
+                <a:solidFill>
+                  <a:srgbClr val="808080"/>
+                </a:solidFill>
+                <a:latin typeface="Courier New" panose="02070309020205020404" pitchFamily="49" charset="0"/>
+                <a:cs typeface="Courier New" panose="02070309020205020404" pitchFamily="49" charset="0"/>
+              </a:rPr>
+              <a:t>*/</a:t>
+            </a:r>
+            <a:endParaRPr lang="de-DE" dirty="0"/>
+          </a:p>
+        </p:txBody>
+      </p:sp>
+    </p:spTree>
+    <p:extLst>
+      <p:ext uri="{BB962C8B-B14F-4D97-AF65-F5344CB8AC3E}">
+        <p14:creationId xmlns:p14="http://schemas.microsoft.com/office/powerpoint/2010/main" val="2646409487"/>
+      </p:ext>
+    </p:extLst>
+  </p:cSld>
+  <p:clrMapOvr>
+    <a:masterClrMapping/>
+  </p:clrMapOvr>
+  <p:timing>
+    <p:tnLst>
+      <p:par>
+        <p:cTn id="1" dur="indefinite" restart="never" nodeType="tmRoot"/>
+      </p:par>
+    </p:tnLst>
+  </p:timing>
+</p:sld>
+</file>
+
+<file path=ppt/slides/slide6.xml><?xml version="1.0" encoding="utf-8"?>
+<p:sld xmlns:a="http://schemas.openxmlformats.org/drawingml/2006/main" xmlns:r="http://schemas.openxmlformats.org/officeDocument/2006/relationships" xmlns:p="http://schemas.openxmlformats.org/presentationml/2006/main">
+  <p:cSld>
+    <p:spTree>
+      <p:nvGrpSpPr>
+        <p:cNvPr id="1" name=""/>
+        <p:cNvGrpSpPr/>
+        <p:nvPr/>
+      </p:nvGrpSpPr>
+      <p:grpSpPr>
+        <a:xfrm>
+          <a:off x="0" y="0"/>
+          <a:ext cx="0" cy="0"/>
+          <a:chOff x="0" y="0"/>
+          <a:chExt cx="0" cy="0"/>
+        </a:xfrm>
+      </p:grpSpPr>
+      <p:sp>
+        <p:nvSpPr>
+          <p:cNvPr id="2" name="Titel 1"/>
+          <p:cNvSpPr>
+            <a:spLocks noGrp="1"/>
+          </p:cNvSpPr>
+          <p:nvPr>
+            <p:ph type="title"/>
+          </p:nvPr>
+        </p:nvSpPr>
+        <p:spPr/>
+        <p:txBody>
+          <a:bodyPr/>
+          <a:lstStyle/>
+          <a:p>
+            <a:r>
+              <a:rPr lang="de-DE" dirty="0" smtClean="0"/>
+              <a:t>Einheitliche Sprache in Kommentaren und Bezeichnern</a:t>
+            </a:r>
+            <a:endParaRPr lang="de-DE" dirty="0"/>
+          </a:p>
+        </p:txBody>
+      </p:sp>
+      <p:sp>
+        <p:nvSpPr>
           <p:cNvPr id="7" name="Inhaltsplatzhalter 6"/>
           <p:cNvSpPr>
             <a:spLocks noGrp="1"/>
@@ -9269,6 +11664,12 @@
             <a:r>
               <a:rPr lang="de-DE" dirty="0" smtClean="0"/>
               <a:t>Wenn möglich auf Englisch</a:t>
+            </a:r>
+          </a:p>
+          <a:p>
+            <a:r>
+              <a:rPr lang="de-DE" dirty="0" smtClean="0"/>
+              <a:t>Für mehr Leute verständlich</a:t>
             </a:r>
             <a:endParaRPr lang="de-DE" dirty="0"/>
           </a:p>
@@ -9284,6 +11685,13 @@
   <p:clrMapOvr>
     <a:masterClrMapping/>
   </p:clrMapOvr>
+  <p:timing>
+    <p:tnLst>
+      <p:par>
+        <p:cTn id="1" dur="indefinite" restart="never" nodeType="tmRoot"/>
+      </p:par>
+    </p:tnLst>
+  </p:timing>
 </p:sld>
 </file>
 
@@ -9321,7 +11729,7 @@
           <a:p>
             <a:r>
               <a:rPr lang="de-DE" dirty="0" smtClean="0"/>
-              <a:t>Konstanten werden mit Großbuchstaben definiert</a:t>
+              <a:t>Keine Zweideutigen Abkürzungen</a:t>
             </a:r>
             <a:endParaRPr lang="de-DE" dirty="0"/>
           </a:p>
@@ -9344,7 +11752,23 @@
           <a:p>
             <a:r>
               <a:rPr lang="de-DE" dirty="0" smtClean="0"/>
-              <a:t>So ist direkt erkennbar, dass es sich um eine Konstante handelt</a:t>
+              <a:t>Wenn man </a:t>
+            </a:r>
+            <a:r>
+              <a:rPr lang="de-DE" dirty="0" err="1" smtClean="0"/>
+              <a:t>zb</a:t>
+            </a:r>
+            <a:r>
+              <a:rPr lang="de-DE" dirty="0" smtClean="0"/>
+              <a:t> Benutzernamen und den ‚richtigen‘ Namen von einem Nutzer hat ist die Abkürzung ‚</a:t>
+            </a:r>
+            <a:r>
+              <a:rPr lang="de-DE" dirty="0" err="1" smtClean="0"/>
+              <a:t>name</a:t>
+            </a:r>
+            <a:r>
+              <a:rPr lang="de-DE" dirty="0" smtClean="0"/>
+              <a:t>‘ verwirrend</a:t>
             </a:r>
             <a:endParaRPr lang="de-DE" dirty="0"/>
           </a:p>
@@ -9353,13 +11777,20 @@
     </p:spTree>
     <p:extLst>
       <p:ext uri="{BB962C8B-B14F-4D97-AF65-F5344CB8AC3E}">
-        <p14:creationId xmlns:p14="http://schemas.microsoft.com/office/powerpoint/2010/main" val="2845578661"/>
+        <p14:creationId xmlns:p14="http://schemas.microsoft.com/office/powerpoint/2010/main" val="36963126"/>
       </p:ext>
     </p:extLst>
   </p:cSld>
   <p:clrMapOvr>
     <a:masterClrMapping/>
   </p:clrMapOvr>
+  <p:timing>
+    <p:tnLst>
+      <p:par>
+        <p:cTn id="1" dur="indefinite" restart="never" nodeType="tmRoot"/>
+      </p:par>
+    </p:tnLst>
+  </p:timing>
 </p:sld>
 </file>
 
@@ -9397,7 +11828,7 @@
           <a:p>
             <a:r>
               <a:rPr lang="de-DE" dirty="0" smtClean="0"/>
-              <a:t>Keine Zweideutigen Abkürzungen</a:t>
+              <a:t>Code entfernen, wenn er nicht genutzt wird</a:t>
             </a:r>
             <a:endParaRPr lang="de-DE" dirty="0"/>
           </a:p>
@@ -9418,20 +11849,37 @@
           <a:bodyPr/>
           <a:lstStyle/>
           <a:p>
-            <a:endParaRPr lang="de-DE"/>
+            <a:r>
+              <a:rPr lang="de-DE" dirty="0" smtClean="0"/>
+              <a:t>Nicht benutzte Variablen</a:t>
+            </a:r>
+          </a:p>
+          <a:p>
+            <a:r>
+              <a:rPr lang="de-DE" dirty="0" smtClean="0"/>
+              <a:t>Ausgaben zum testen, die auskommentiert sind</a:t>
+            </a:r>
+            <a:endParaRPr lang="de-DE" dirty="0"/>
           </a:p>
         </p:txBody>
       </p:sp>
     </p:spTree>
     <p:extLst>
       <p:ext uri="{BB962C8B-B14F-4D97-AF65-F5344CB8AC3E}">
-        <p14:creationId xmlns:p14="http://schemas.microsoft.com/office/powerpoint/2010/main" val="36963126"/>
+        <p14:creationId xmlns:p14="http://schemas.microsoft.com/office/powerpoint/2010/main" val="1329487851"/>
       </p:ext>
     </p:extLst>
   </p:cSld>
   <p:clrMapOvr>
     <a:masterClrMapping/>
   </p:clrMapOvr>
+  <p:timing>
+    <p:tnLst>
+      <p:par>
+        <p:cTn id="1" dur="indefinite" restart="never" nodeType="tmRoot"/>
+      </p:par>
+    </p:tnLst>
+  </p:timing>
 </p:sld>
 </file>
 
@@ -9469,7 +11917,7 @@
           <a:p>
             <a:r>
               <a:rPr lang="de-DE" dirty="0" smtClean="0"/>
-              <a:t>Code entfernen, wenn er nicht genutzt wird</a:t>
+              <a:t>Empfehlung: Block mit Klammern für jede Kontrollstruktur</a:t>
             </a:r>
             <a:endParaRPr lang="de-DE" dirty="0"/>
           </a:p>
@@ -9485,25 +11933,653 @@
             <p:ph idx="1"/>
           </p:nvPr>
         </p:nvSpPr>
-        <p:spPr/>
+        <p:spPr>
+          <a:xfrm>
+            <a:off x="6875169" y="1905000"/>
+            <a:ext cx="5316831" cy="3777622"/>
+          </a:xfrm>
+        </p:spPr>
         <p:txBody>
           <a:bodyPr/>
           <a:lstStyle/>
           <a:p>
-            <a:endParaRPr lang="de-DE"/>
+            <a:pPr marL="0" indent="0">
+              <a:buNone/>
+            </a:pPr>
+            <a:r>
+              <a:rPr lang="de-DE" altLang="de-DE" sz="2400" b="1" dirty="0" err="1">
+                <a:solidFill>
+                  <a:srgbClr val="000080"/>
+                </a:solidFill>
+                <a:latin typeface="Courier New" panose="02070309020205020404" pitchFamily="49" charset="0"/>
+                <a:cs typeface="Courier New" panose="02070309020205020404" pitchFamily="49" charset="0"/>
+              </a:rPr>
+              <a:t>if</a:t>
+            </a:r>
+            <a:r>
+              <a:rPr lang="de-DE" altLang="de-DE" sz="2400" b="1" dirty="0">
+                <a:solidFill>
+                  <a:srgbClr val="000080"/>
+                </a:solidFill>
+                <a:latin typeface="Courier New" panose="02070309020205020404" pitchFamily="49" charset="0"/>
+                <a:cs typeface="Courier New" panose="02070309020205020404" pitchFamily="49" charset="0"/>
+              </a:rPr>
+              <a:t> </a:t>
+            </a:r>
+            <a:r>
+              <a:rPr lang="de-DE" altLang="de-DE" sz="2400" dirty="0">
+                <a:solidFill>
+                  <a:srgbClr val="000000"/>
+                </a:solidFill>
+                <a:latin typeface="Courier New" panose="02070309020205020404" pitchFamily="49" charset="0"/>
+                <a:cs typeface="Courier New" panose="02070309020205020404" pitchFamily="49" charset="0"/>
+              </a:rPr>
+              <a:t>(</a:t>
+            </a:r>
+            <a:r>
+              <a:rPr lang="de-DE" altLang="de-DE" sz="2400" b="1" i="1" dirty="0" err="1">
+                <a:solidFill>
+                  <a:srgbClr val="660E7A"/>
+                </a:solidFill>
+                <a:latin typeface="Courier New" panose="02070309020205020404" pitchFamily="49" charset="0"/>
+                <a:cs typeface="Courier New" panose="02070309020205020404" pitchFamily="49" charset="0"/>
+              </a:rPr>
+              <a:t>current_player</a:t>
+            </a:r>
+            <a:r>
+              <a:rPr lang="de-DE" altLang="de-DE" sz="2400" b="1" i="1" dirty="0">
+                <a:solidFill>
+                  <a:srgbClr val="660E7A"/>
+                </a:solidFill>
+                <a:latin typeface="Courier New" panose="02070309020205020404" pitchFamily="49" charset="0"/>
+                <a:cs typeface="Courier New" panose="02070309020205020404" pitchFamily="49" charset="0"/>
+              </a:rPr>
+              <a:t> </a:t>
+            </a:r>
+            <a:r>
+              <a:rPr lang="de-DE" altLang="de-DE" sz="2400" dirty="0">
+                <a:solidFill>
+                  <a:srgbClr val="000000"/>
+                </a:solidFill>
+                <a:latin typeface="Courier New" panose="02070309020205020404" pitchFamily="49" charset="0"/>
+                <a:cs typeface="Courier New" panose="02070309020205020404" pitchFamily="49" charset="0"/>
+              </a:rPr>
+              <a:t>=== </a:t>
+            </a:r>
+            <a:r>
+              <a:rPr lang="de-DE" altLang="de-DE" sz="2400" b="1" i="1" dirty="0">
+                <a:solidFill>
+                  <a:srgbClr val="660E7A"/>
+                </a:solidFill>
+                <a:latin typeface="Courier New" panose="02070309020205020404" pitchFamily="49" charset="0"/>
+                <a:cs typeface="Courier New" panose="02070309020205020404" pitchFamily="49" charset="0"/>
+              </a:rPr>
+              <a:t>KI</a:t>
+            </a:r>
+            <a:r>
+              <a:rPr lang="de-DE" altLang="de-DE" sz="2400" dirty="0">
+                <a:solidFill>
+                  <a:srgbClr val="000000"/>
+                </a:solidFill>
+                <a:latin typeface="Courier New" panose="02070309020205020404" pitchFamily="49" charset="0"/>
+                <a:cs typeface="Courier New" panose="02070309020205020404" pitchFamily="49" charset="0"/>
+              </a:rPr>
+              <a:t>) </a:t>
+            </a:r>
+            <a:br>
+              <a:rPr lang="de-DE" altLang="de-DE" sz="2400" dirty="0">
+                <a:solidFill>
+                  <a:srgbClr val="000000"/>
+                </a:solidFill>
+                <a:latin typeface="Courier New" panose="02070309020205020404" pitchFamily="49" charset="0"/>
+                <a:cs typeface="Courier New" panose="02070309020205020404" pitchFamily="49" charset="0"/>
+              </a:rPr>
+            </a:br>
+            <a:r>
+              <a:rPr lang="de-DE" altLang="de-DE" sz="2400" dirty="0">
+                <a:solidFill>
+                  <a:srgbClr val="000000"/>
+                </a:solidFill>
+                <a:latin typeface="Courier New" panose="02070309020205020404" pitchFamily="49" charset="0"/>
+                <a:cs typeface="Courier New" panose="02070309020205020404" pitchFamily="49" charset="0"/>
+              </a:rPr>
+              <a:t>    </a:t>
+            </a:r>
+            <a:r>
+              <a:rPr lang="de-DE" altLang="de-DE" sz="2400" i="1" dirty="0" err="1">
+                <a:solidFill>
+                  <a:srgbClr val="000000"/>
+                </a:solidFill>
+                <a:latin typeface="Courier New" panose="02070309020205020404" pitchFamily="49" charset="0"/>
+                <a:cs typeface="Courier New" panose="02070309020205020404" pitchFamily="49" charset="0"/>
+              </a:rPr>
+              <a:t>ki_play</a:t>
+            </a:r>
+            <a:r>
+              <a:rPr lang="de-DE" altLang="de-DE" sz="2400" dirty="0">
+                <a:solidFill>
+                  <a:srgbClr val="000000"/>
+                </a:solidFill>
+                <a:latin typeface="Courier New" panose="02070309020205020404" pitchFamily="49" charset="0"/>
+                <a:cs typeface="Courier New" panose="02070309020205020404" pitchFamily="49" charset="0"/>
+              </a:rPr>
+              <a:t>();</a:t>
+            </a:r>
+            <a:br>
+              <a:rPr lang="de-DE" altLang="de-DE" sz="2400" dirty="0">
+                <a:solidFill>
+                  <a:srgbClr val="000000"/>
+                </a:solidFill>
+                <a:latin typeface="Courier New" panose="02070309020205020404" pitchFamily="49" charset="0"/>
+                <a:cs typeface="Courier New" panose="02070309020205020404" pitchFamily="49" charset="0"/>
+              </a:rPr>
+            </a:br>
+            <a:endParaRPr lang="de-DE" altLang="de-DE" sz="2400" dirty="0" smtClean="0">
+              <a:solidFill>
+                <a:srgbClr val="000000"/>
+              </a:solidFill>
+              <a:latin typeface="Courier New" panose="02070309020205020404" pitchFamily="49" charset="0"/>
+              <a:cs typeface="Courier New" panose="02070309020205020404" pitchFamily="49" charset="0"/>
+            </a:endParaRPr>
+          </a:p>
+          <a:p>
+            <a:pPr marL="0" indent="0">
+              <a:buNone/>
+            </a:pPr>
+            <a:endParaRPr lang="de-DE" altLang="de-DE" sz="2400" dirty="0">
+              <a:solidFill>
+                <a:srgbClr val="000000"/>
+              </a:solidFill>
+              <a:latin typeface="Courier New" panose="02070309020205020404" pitchFamily="49" charset="0"/>
+              <a:cs typeface="Courier New" panose="02070309020205020404" pitchFamily="49" charset="0"/>
+            </a:endParaRPr>
+          </a:p>
+          <a:p>
+            <a:pPr marL="0" indent="0">
+              <a:buNone/>
+            </a:pPr>
+            <a:r>
+              <a:rPr lang="de-DE" altLang="de-DE" sz="2400" b="1" dirty="0" err="1">
+                <a:solidFill>
+                  <a:srgbClr val="000080"/>
+                </a:solidFill>
+                <a:latin typeface="Courier New" panose="02070309020205020404" pitchFamily="49" charset="0"/>
+                <a:cs typeface="Courier New" panose="02070309020205020404" pitchFamily="49" charset="0"/>
+              </a:rPr>
+              <a:t>if</a:t>
+            </a:r>
+            <a:r>
+              <a:rPr lang="de-DE" altLang="de-DE" sz="2400" b="1" dirty="0">
+                <a:solidFill>
+                  <a:srgbClr val="000080"/>
+                </a:solidFill>
+                <a:latin typeface="Courier New" panose="02070309020205020404" pitchFamily="49" charset="0"/>
+                <a:cs typeface="Courier New" panose="02070309020205020404" pitchFamily="49" charset="0"/>
+              </a:rPr>
+              <a:t> </a:t>
+            </a:r>
+            <a:r>
+              <a:rPr lang="de-DE" altLang="de-DE" sz="2400" dirty="0">
+                <a:solidFill>
+                  <a:srgbClr val="000000"/>
+                </a:solidFill>
+                <a:latin typeface="Courier New" panose="02070309020205020404" pitchFamily="49" charset="0"/>
+                <a:cs typeface="Courier New" panose="02070309020205020404" pitchFamily="49" charset="0"/>
+              </a:rPr>
+              <a:t>(</a:t>
+            </a:r>
+            <a:r>
+              <a:rPr lang="de-DE" altLang="de-DE" sz="2400" b="1" i="1" dirty="0" err="1">
+                <a:solidFill>
+                  <a:srgbClr val="660E7A"/>
+                </a:solidFill>
+                <a:latin typeface="Courier New" panose="02070309020205020404" pitchFamily="49" charset="0"/>
+                <a:cs typeface="Courier New" panose="02070309020205020404" pitchFamily="49" charset="0"/>
+              </a:rPr>
+              <a:t>current_player</a:t>
+            </a:r>
+            <a:r>
+              <a:rPr lang="de-DE" altLang="de-DE" sz="2400" b="1" i="1" dirty="0">
+                <a:solidFill>
+                  <a:srgbClr val="660E7A"/>
+                </a:solidFill>
+                <a:latin typeface="Courier New" panose="02070309020205020404" pitchFamily="49" charset="0"/>
+                <a:cs typeface="Courier New" panose="02070309020205020404" pitchFamily="49" charset="0"/>
+              </a:rPr>
+              <a:t> </a:t>
+            </a:r>
+            <a:r>
+              <a:rPr lang="de-DE" altLang="de-DE" sz="2400" dirty="0">
+                <a:solidFill>
+                  <a:srgbClr val="000000"/>
+                </a:solidFill>
+                <a:latin typeface="Courier New" panose="02070309020205020404" pitchFamily="49" charset="0"/>
+                <a:cs typeface="Courier New" panose="02070309020205020404" pitchFamily="49" charset="0"/>
+              </a:rPr>
+              <a:t>=== </a:t>
+            </a:r>
+            <a:r>
+              <a:rPr lang="de-DE" altLang="de-DE" sz="2400" b="1" i="1" dirty="0">
+                <a:solidFill>
+                  <a:srgbClr val="660E7A"/>
+                </a:solidFill>
+                <a:latin typeface="Courier New" panose="02070309020205020404" pitchFamily="49" charset="0"/>
+                <a:cs typeface="Courier New" panose="02070309020205020404" pitchFamily="49" charset="0"/>
+              </a:rPr>
+              <a:t>KI</a:t>
+            </a:r>
+            <a:r>
+              <a:rPr lang="de-DE" altLang="de-DE" sz="2400" dirty="0">
+                <a:solidFill>
+                  <a:srgbClr val="000000"/>
+                </a:solidFill>
+                <a:latin typeface="Courier New" panose="02070309020205020404" pitchFamily="49" charset="0"/>
+                <a:cs typeface="Courier New" panose="02070309020205020404" pitchFamily="49" charset="0"/>
+              </a:rPr>
+              <a:t>) </a:t>
+            </a:r>
+            <a:endParaRPr lang="de-DE" altLang="de-DE" sz="2400" dirty="0" smtClean="0">
+              <a:solidFill>
+                <a:srgbClr val="000000"/>
+              </a:solidFill>
+              <a:latin typeface="Courier New" panose="02070309020205020404" pitchFamily="49" charset="0"/>
+              <a:cs typeface="Courier New" panose="02070309020205020404" pitchFamily="49" charset="0"/>
+            </a:endParaRPr>
+          </a:p>
+          <a:p>
+            <a:pPr marL="0" indent="0">
+              <a:buNone/>
+            </a:pPr>
+            <a:r>
+              <a:rPr lang="de-DE" altLang="de-DE" sz="2400" dirty="0" smtClean="0">
+                <a:solidFill>
+                  <a:srgbClr val="000000"/>
+                </a:solidFill>
+                <a:latin typeface="Courier New" panose="02070309020205020404" pitchFamily="49" charset="0"/>
+                <a:cs typeface="Courier New" panose="02070309020205020404" pitchFamily="49" charset="0"/>
+              </a:rPr>
+              <a:t>{</a:t>
+            </a:r>
+            <a:r>
+              <a:rPr lang="de-DE" altLang="de-DE" sz="2400" dirty="0">
+                <a:solidFill>
+                  <a:srgbClr val="000000"/>
+                </a:solidFill>
+                <a:latin typeface="Courier New" panose="02070309020205020404" pitchFamily="49" charset="0"/>
+                <a:cs typeface="Courier New" panose="02070309020205020404" pitchFamily="49" charset="0"/>
+              </a:rPr>
+              <a:t/>
+            </a:r>
+            <a:br>
+              <a:rPr lang="de-DE" altLang="de-DE" sz="2400" dirty="0">
+                <a:solidFill>
+                  <a:srgbClr val="000000"/>
+                </a:solidFill>
+                <a:latin typeface="Courier New" panose="02070309020205020404" pitchFamily="49" charset="0"/>
+                <a:cs typeface="Courier New" panose="02070309020205020404" pitchFamily="49" charset="0"/>
+              </a:rPr>
+            </a:br>
+            <a:r>
+              <a:rPr lang="de-DE" altLang="de-DE" sz="2400" dirty="0">
+                <a:solidFill>
+                  <a:srgbClr val="000000"/>
+                </a:solidFill>
+                <a:latin typeface="Courier New" panose="02070309020205020404" pitchFamily="49" charset="0"/>
+                <a:cs typeface="Courier New" panose="02070309020205020404" pitchFamily="49" charset="0"/>
+              </a:rPr>
+              <a:t>    </a:t>
+            </a:r>
+            <a:r>
+              <a:rPr lang="de-DE" altLang="de-DE" sz="2400" i="1" dirty="0" err="1">
+                <a:solidFill>
+                  <a:srgbClr val="000000"/>
+                </a:solidFill>
+                <a:latin typeface="Courier New" panose="02070309020205020404" pitchFamily="49" charset="0"/>
+                <a:cs typeface="Courier New" panose="02070309020205020404" pitchFamily="49" charset="0"/>
+              </a:rPr>
+              <a:t>ki_play</a:t>
+            </a:r>
+            <a:r>
+              <a:rPr lang="de-DE" altLang="de-DE" sz="2400" dirty="0">
+                <a:solidFill>
+                  <a:srgbClr val="000000"/>
+                </a:solidFill>
+                <a:latin typeface="Courier New" panose="02070309020205020404" pitchFamily="49" charset="0"/>
+                <a:cs typeface="Courier New" panose="02070309020205020404" pitchFamily="49" charset="0"/>
+              </a:rPr>
+              <a:t>();</a:t>
+            </a:r>
+            <a:br>
+              <a:rPr lang="de-DE" altLang="de-DE" sz="2400" dirty="0">
+                <a:solidFill>
+                  <a:srgbClr val="000000"/>
+                </a:solidFill>
+                <a:latin typeface="Courier New" panose="02070309020205020404" pitchFamily="49" charset="0"/>
+                <a:cs typeface="Courier New" panose="02070309020205020404" pitchFamily="49" charset="0"/>
+              </a:rPr>
+            </a:br>
+            <a:r>
+              <a:rPr lang="de-DE" altLang="de-DE" sz="2400" dirty="0">
+                <a:solidFill>
+                  <a:srgbClr val="000000"/>
+                </a:solidFill>
+                <a:latin typeface="Courier New" panose="02070309020205020404" pitchFamily="49" charset="0"/>
+                <a:cs typeface="Courier New" panose="02070309020205020404" pitchFamily="49" charset="0"/>
+              </a:rPr>
+              <a:t>}</a:t>
+            </a:r>
+            <a:endParaRPr lang="de-DE" altLang="de-DE" sz="4800" dirty="0">
+              <a:solidFill>
+                <a:schemeClr val="tx1"/>
+              </a:solidFill>
+              <a:latin typeface="Arial" panose="020B0604020202020204" pitchFamily="34" charset="0"/>
+            </a:endParaRPr>
+          </a:p>
+          <a:p>
+            <a:pPr marL="0" indent="0">
+              <a:buNone/>
+            </a:pPr>
+            <a:endParaRPr lang="de-DE" altLang="de-DE" sz="2400" dirty="0">
+              <a:solidFill>
+                <a:schemeClr val="tx1"/>
+              </a:solidFill>
+              <a:latin typeface="Arial" panose="020B0604020202020204" pitchFamily="34" charset="0"/>
+            </a:endParaRPr>
+          </a:p>
+          <a:p>
+            <a:pPr marL="0" lvl="0" indent="0">
+              <a:buNone/>
+            </a:pPr>
+            <a:endParaRPr lang="de-DE" altLang="de-DE" sz="4000" dirty="0">
+              <a:solidFill>
+                <a:schemeClr val="tx1"/>
+              </a:solidFill>
+              <a:latin typeface="Arial" panose="020B0604020202020204" pitchFamily="34" charset="0"/>
+            </a:endParaRPr>
+          </a:p>
+        </p:txBody>
+      </p:sp>
+      <p:sp>
+        <p:nvSpPr>
+          <p:cNvPr id="5" name="Inhaltsplatzhalter 2"/>
+          <p:cNvSpPr txBox="1">
+            <a:spLocks/>
+          </p:cNvSpPr>
+          <p:nvPr/>
+        </p:nvSpPr>
+        <p:spPr>
+          <a:xfrm>
+            <a:off x="2592925" y="1905000"/>
+            <a:ext cx="3871223" cy="2528894"/>
+          </a:xfrm>
+          <a:prstGeom prst="rect">
+            <a:avLst/>
+          </a:prstGeom>
+        </p:spPr>
+        <p:txBody>
+          <a:bodyPr vert="horz" lIns="91440" tIns="45720" rIns="91440" bIns="45720" rtlCol="0">
+            <a:normAutofit/>
+          </a:bodyPr>
+          <a:lstStyle>
+            <a:lvl1pPr marL="342900" indent="-342900" algn="l" defTabSz="457200" rtl="0" eaLnBrk="1" latinLnBrk="0" hangingPunct="1">
+              <a:spcBef>
+                <a:spcPts val="1000"/>
+              </a:spcBef>
+              <a:spcAft>
+                <a:spcPts val="0"/>
+              </a:spcAft>
+              <a:buClr>
+                <a:schemeClr val="accent1"/>
+              </a:buClr>
+              <a:buFont typeface="Wingdings 3" charset="2"/>
+              <a:buChar char=""/>
+              <a:defRPr sz="1800" kern="1200">
+                <a:solidFill>
+                  <a:schemeClr val="tx1">
+                    <a:lumMod val="75000"/>
+                    <a:lumOff val="25000"/>
+                  </a:schemeClr>
+                </a:solidFill>
+                <a:latin typeface="+mn-lt"/>
+                <a:ea typeface="+mn-ea"/>
+                <a:cs typeface="+mn-cs"/>
+              </a:defRPr>
+            </a:lvl1pPr>
+            <a:lvl2pPr marL="742950" indent="-285750" algn="l" defTabSz="457200" rtl="0" eaLnBrk="1" latinLnBrk="0" hangingPunct="1">
+              <a:spcBef>
+                <a:spcPts val="1000"/>
+              </a:spcBef>
+              <a:spcAft>
+                <a:spcPts val="0"/>
+              </a:spcAft>
+              <a:buClr>
+                <a:schemeClr val="accent1"/>
+              </a:buClr>
+              <a:buFont typeface="Wingdings 3" charset="2"/>
+              <a:buChar char=""/>
+              <a:defRPr sz="1600" kern="1200">
+                <a:solidFill>
+                  <a:schemeClr val="tx1">
+                    <a:lumMod val="75000"/>
+                    <a:lumOff val="25000"/>
+                  </a:schemeClr>
+                </a:solidFill>
+                <a:latin typeface="+mn-lt"/>
+                <a:ea typeface="+mn-ea"/>
+                <a:cs typeface="+mn-cs"/>
+              </a:defRPr>
+            </a:lvl2pPr>
+            <a:lvl3pPr marL="1143000" indent="-228600" algn="l" defTabSz="457200" rtl="0" eaLnBrk="1" latinLnBrk="0" hangingPunct="1">
+              <a:spcBef>
+                <a:spcPts val="1000"/>
+              </a:spcBef>
+              <a:spcAft>
+                <a:spcPts val="0"/>
+              </a:spcAft>
+              <a:buClr>
+                <a:schemeClr val="accent1"/>
+              </a:buClr>
+              <a:buFont typeface="Wingdings 3" charset="2"/>
+              <a:buChar char=""/>
+              <a:defRPr sz="1400" kern="1200">
+                <a:solidFill>
+                  <a:schemeClr val="tx1">
+                    <a:lumMod val="75000"/>
+                    <a:lumOff val="25000"/>
+                  </a:schemeClr>
+                </a:solidFill>
+                <a:latin typeface="+mn-lt"/>
+                <a:ea typeface="+mn-ea"/>
+                <a:cs typeface="+mn-cs"/>
+              </a:defRPr>
+            </a:lvl3pPr>
+            <a:lvl4pPr marL="1600200" indent="-228600" algn="l" defTabSz="457200" rtl="0" eaLnBrk="1" latinLnBrk="0" hangingPunct="1">
+              <a:spcBef>
+                <a:spcPts val="1000"/>
+              </a:spcBef>
+              <a:spcAft>
+                <a:spcPts val="0"/>
+              </a:spcAft>
+              <a:buClr>
+                <a:schemeClr val="accent1"/>
+              </a:buClr>
+              <a:buFont typeface="Wingdings 3" charset="2"/>
+              <a:buChar char=""/>
+              <a:defRPr sz="1200" kern="1200">
+                <a:solidFill>
+                  <a:schemeClr val="tx1">
+                    <a:lumMod val="75000"/>
+                    <a:lumOff val="25000"/>
+                  </a:schemeClr>
+                </a:solidFill>
+                <a:latin typeface="+mn-lt"/>
+                <a:ea typeface="+mn-ea"/>
+                <a:cs typeface="+mn-cs"/>
+              </a:defRPr>
+            </a:lvl4pPr>
+            <a:lvl5pPr marL="2057400" indent="-228600" algn="l" defTabSz="457200" rtl="0" eaLnBrk="1" latinLnBrk="0" hangingPunct="1">
+              <a:spcBef>
+                <a:spcPts val="1000"/>
+              </a:spcBef>
+              <a:spcAft>
+                <a:spcPts val="0"/>
+              </a:spcAft>
+              <a:buClr>
+                <a:schemeClr val="accent1"/>
+              </a:buClr>
+              <a:buFont typeface="Wingdings 3" charset="2"/>
+              <a:buChar char=""/>
+              <a:defRPr sz="1200" kern="1200">
+                <a:solidFill>
+                  <a:schemeClr val="tx1">
+                    <a:lumMod val="75000"/>
+                    <a:lumOff val="25000"/>
+                  </a:schemeClr>
+                </a:solidFill>
+                <a:latin typeface="+mn-lt"/>
+                <a:ea typeface="+mn-ea"/>
+                <a:cs typeface="+mn-cs"/>
+              </a:defRPr>
+            </a:lvl5pPr>
+            <a:lvl6pPr marL="2514600" indent="-228600" algn="l" defTabSz="457200" rtl="0" eaLnBrk="1" latinLnBrk="0" hangingPunct="1">
+              <a:spcBef>
+                <a:spcPts val="1000"/>
+              </a:spcBef>
+              <a:spcAft>
+                <a:spcPts val="0"/>
+              </a:spcAft>
+              <a:buClr>
+                <a:schemeClr val="accent1"/>
+              </a:buClr>
+              <a:buFont typeface="Wingdings 3" charset="2"/>
+              <a:buChar char=""/>
+              <a:defRPr sz="1200" kern="1200">
+                <a:solidFill>
+                  <a:schemeClr val="tx1">
+                    <a:lumMod val="75000"/>
+                    <a:lumOff val="25000"/>
+                  </a:schemeClr>
+                </a:solidFill>
+                <a:latin typeface="+mn-lt"/>
+                <a:ea typeface="+mn-ea"/>
+                <a:cs typeface="+mn-cs"/>
+              </a:defRPr>
+            </a:lvl6pPr>
+            <a:lvl7pPr marL="2971800" indent="-228600" algn="l" defTabSz="457200" rtl="0" eaLnBrk="1" latinLnBrk="0" hangingPunct="1">
+              <a:spcBef>
+                <a:spcPts val="1000"/>
+              </a:spcBef>
+              <a:spcAft>
+                <a:spcPts val="0"/>
+              </a:spcAft>
+              <a:buClr>
+                <a:schemeClr val="accent1"/>
+              </a:buClr>
+              <a:buFont typeface="Wingdings 3" charset="2"/>
+              <a:buChar char=""/>
+              <a:defRPr sz="1200" kern="1200">
+                <a:solidFill>
+                  <a:schemeClr val="tx1">
+                    <a:lumMod val="75000"/>
+                    <a:lumOff val="25000"/>
+                  </a:schemeClr>
+                </a:solidFill>
+                <a:latin typeface="+mn-lt"/>
+                <a:ea typeface="+mn-ea"/>
+                <a:cs typeface="+mn-cs"/>
+              </a:defRPr>
+            </a:lvl7pPr>
+            <a:lvl8pPr marL="3429000" indent="-228600" algn="l" defTabSz="457200" rtl="0" eaLnBrk="1" latinLnBrk="0" hangingPunct="1">
+              <a:spcBef>
+                <a:spcPts val="1000"/>
+              </a:spcBef>
+              <a:spcAft>
+                <a:spcPts val="0"/>
+              </a:spcAft>
+              <a:buClr>
+                <a:schemeClr val="accent1"/>
+              </a:buClr>
+              <a:buFont typeface="Wingdings 3" charset="2"/>
+              <a:buChar char=""/>
+              <a:defRPr sz="1200" kern="1200">
+                <a:solidFill>
+                  <a:schemeClr val="tx1">
+                    <a:lumMod val="75000"/>
+                    <a:lumOff val="25000"/>
+                  </a:schemeClr>
+                </a:solidFill>
+                <a:latin typeface="+mn-lt"/>
+                <a:ea typeface="+mn-ea"/>
+                <a:cs typeface="+mn-cs"/>
+              </a:defRPr>
+            </a:lvl8pPr>
+            <a:lvl9pPr marL="3886200" indent="-228600" algn="l" defTabSz="457200" rtl="0" eaLnBrk="1" latinLnBrk="0" hangingPunct="1">
+              <a:spcBef>
+                <a:spcPts val="1000"/>
+              </a:spcBef>
+              <a:spcAft>
+                <a:spcPts val="0"/>
+              </a:spcAft>
+              <a:buClr>
+                <a:schemeClr val="accent1"/>
+              </a:buClr>
+              <a:buFont typeface="Wingdings 3" charset="2"/>
+              <a:buChar char=""/>
+              <a:defRPr sz="1200" kern="1200">
+                <a:solidFill>
+                  <a:schemeClr val="tx1">
+                    <a:lumMod val="75000"/>
+                    <a:lumOff val="25000"/>
+                  </a:schemeClr>
+                </a:solidFill>
+                <a:latin typeface="+mn-lt"/>
+                <a:ea typeface="+mn-ea"/>
+                <a:cs typeface="+mn-cs"/>
+              </a:defRPr>
+            </a:lvl9pPr>
+          </a:lstStyle>
+          <a:p>
+            <a:endParaRPr lang="de-DE" smtClean="0"/>
+          </a:p>
+          <a:p>
+            <a:r>
+              <a:rPr lang="de-DE" smtClean="0"/>
+              <a:t>Übersicht</a:t>
+            </a:r>
+            <a:endParaRPr lang="de-DE" dirty="0" smtClean="0"/>
+          </a:p>
+          <a:p>
+            <a:r>
+              <a:rPr lang="de-DE" dirty="0" smtClean="0"/>
+              <a:t>Zusammenhänge erkennbarer</a:t>
+            </a:r>
+          </a:p>
+          <a:p>
+            <a:r>
+              <a:rPr lang="de-DE" dirty="0" smtClean="0"/>
+              <a:t>Klammerung kann bei Erweiterung vergessen werden</a:t>
+            </a:r>
+            <a:endParaRPr lang="de-DE" dirty="0"/>
           </a:p>
         </p:txBody>
       </p:sp>
     </p:spTree>
     <p:extLst>
       <p:ext uri="{BB962C8B-B14F-4D97-AF65-F5344CB8AC3E}">
-        <p14:creationId xmlns:p14="http://schemas.microsoft.com/office/powerpoint/2010/main" val="1329487851"/>
+        <p14:creationId xmlns:p14="http://schemas.microsoft.com/office/powerpoint/2010/main" val="4162855378"/>
       </p:ext>
     </p:extLst>
   </p:cSld>
   <p:clrMapOvr>
     <a:masterClrMapping/>
   </p:clrMapOvr>
+  <p:timing>
+    <p:tnLst>
+      <p:par>
+        <p:cTn id="1" dur="indefinite" restart="never" nodeType="tmRoot"/>
+      </p:par>
+    </p:tnLst>
+  </p:timing>
 </p:sld>
 </file>
 
@@ -9550,7 +12626,7 @@
     </a:clrScheme>
     <a:fontScheme name="Fetzen">
       <a:majorFont>
-        <a:latin typeface="Century Gothic" panose="020B0502020202020204"/>
+        <a:latin typeface="Century Gothic"/>
         <a:ea typeface=""/>
         <a:cs typeface=""/>
         <a:font script="Jpan" typeface="メイリオ"/>
@@ -9585,7 +12661,7 @@
         <a:font script="Geor" typeface="Sylfaen"/>
       </a:majorFont>
       <a:minorFont>
-        <a:latin typeface="Century Gothic" panose="020B0502020202020204"/>
+        <a:latin typeface="Century Gothic"/>
         <a:ea typeface=""/>
         <a:cs typeface=""/>
         <a:font script="Jpan" typeface="メイリオ"/>
@@ -9744,7 +12820,7 @@
   <a:extraClrSchemeLst/>
   <a:extLst>
     <a:ext uri="{05A4C25C-085E-4340-85A3-A5531E510DB2}">
-      <thm15:themeFamily xmlns:thm15="http://schemas.microsoft.com/office/thememl/2012/main" name="Wisp" id="{7CB32D59-10C0-40DD-B7BD-2E94284A981C}" vid="{24B1A44C-C006-48B2-A4D7-E5549B3D8CD4}"/>
+      <thm15:themeFamily xmlns:thm15="http://schemas.microsoft.com/office/thememl/2012/main" xmlns="" name="Wisp" id="{7CB32D59-10C0-40DD-B7BD-2E94284A981C}" vid="{24B1A44C-C006-48B2-A4D7-E5549B3D8CD4}"/>
     </a:ext>
   </a:extLst>
 </a:theme>
